--- a/Project_Presentation/PowerPoint Presentation1.pptx
+++ b/Project_Presentation/PowerPoint Presentation1.pptx
@@ -5,7 +5,7 @@
     <p:sldMasterId id="2147483657" r:id="rId1"/>
   </p:sldMasterIdLst>
   <p:notesMasterIdLst>
-    <p:notesMasterId r:id="rId17"/>
+    <p:notesMasterId r:id="rId25"/>
   </p:notesMasterIdLst>
   <p:sldIdLst>
     <p:sldId id="256" r:id="rId2"/>
@@ -18,11 +18,19 @@
     <p:sldId id="274" r:id="rId9"/>
     <p:sldId id="260" r:id="rId10"/>
     <p:sldId id="275" r:id="rId11"/>
-    <p:sldId id="261" r:id="rId12"/>
-    <p:sldId id="270" r:id="rId13"/>
-    <p:sldId id="277" r:id="rId14"/>
-    <p:sldId id="269" r:id="rId15"/>
-    <p:sldId id="276" r:id="rId16"/>
+    <p:sldId id="279" r:id="rId12"/>
+    <p:sldId id="280" r:id="rId13"/>
+    <p:sldId id="281" r:id="rId14"/>
+    <p:sldId id="282" r:id="rId15"/>
+    <p:sldId id="283" r:id="rId16"/>
+    <p:sldId id="278" r:id="rId17"/>
+    <p:sldId id="284" r:id="rId18"/>
+    <p:sldId id="285" r:id="rId19"/>
+    <p:sldId id="261" r:id="rId20"/>
+    <p:sldId id="270" r:id="rId21"/>
+    <p:sldId id="277" r:id="rId22"/>
+    <p:sldId id="269" r:id="rId23"/>
+    <p:sldId id="276" r:id="rId24"/>
   </p:sldIdLst>
   <p:sldSz cx="9144000" cy="5143500" type="screen16x9"/>
   <p:notesSz cx="6858000" cy="9144000"/>
@@ -933,6 +941,878 @@
   <p:cSld>
     <p:spTree>
       <p:nvGrpSpPr>
+        <p:cNvPr id="1" name="Shape 360"/>
+        <p:cNvGrpSpPr/>
+        <p:nvPr/>
+      </p:nvGrpSpPr>
+      <p:grpSpPr>
+        <a:xfrm>
+          <a:off x="0" y="0"/>
+          <a:ext cx="0" cy="0"/>
+          <a:chOff x="0" y="0"/>
+          <a:chExt cx="0" cy="0"/>
+        </a:xfrm>
+      </p:grpSpPr>
+      <p:sp>
+        <p:nvSpPr>
+          <p:cNvPr id="361" name="Google Shape;361;g55d2cabac8_1_10:notes"/>
+          <p:cNvSpPr>
+            <a:spLocks noGrp="1" noRot="1" noChangeAspect="1"/>
+          </p:cNvSpPr>
+          <p:nvPr>
+            <p:ph type="sldImg" idx="2"/>
+          </p:nvPr>
+        </p:nvSpPr>
+        <p:spPr>
+          <a:xfrm>
+            <a:off x="381000" y="685800"/>
+            <a:ext cx="6096000" cy="3429000"/>
+          </a:xfrm>
+          <a:custGeom>
+            <a:avLst/>
+            <a:gdLst/>
+            <a:ahLst/>
+            <a:cxnLst/>
+            <a:rect l="l" t="t" r="r" b="b"/>
+            <a:pathLst>
+              <a:path w="120000" h="120000" extrusionOk="0">
+                <a:moveTo>
+                  <a:pt x="0" y="0"/>
+                </a:moveTo>
+                <a:lnTo>
+                  <a:pt x="120000" y="0"/>
+                </a:lnTo>
+                <a:lnTo>
+                  <a:pt x="120000" y="120000"/>
+                </a:lnTo>
+                <a:lnTo>
+                  <a:pt x="0" y="120000"/>
+                </a:lnTo>
+                <a:close/>
+              </a:path>
+            </a:pathLst>
+          </a:custGeom>
+        </p:spPr>
+      </p:sp>
+      <p:sp>
+        <p:nvSpPr>
+          <p:cNvPr id="362" name="Google Shape;362;g55d2cabac8_1_10:notes"/>
+          <p:cNvSpPr txBox="1">
+            <a:spLocks noGrp="1"/>
+          </p:cNvSpPr>
+          <p:nvPr>
+            <p:ph type="body" idx="1"/>
+          </p:nvPr>
+        </p:nvSpPr>
+        <p:spPr>
+          <a:xfrm>
+            <a:off x="685800" y="4343400"/>
+            <a:ext cx="5486400" cy="4114800"/>
+          </a:xfrm>
+          <a:prstGeom prst="rect">
+            <a:avLst/>
+          </a:prstGeom>
+        </p:spPr>
+        <p:txBody>
+          <a:bodyPr spcFirstLastPara="1" wrap="square" lIns="91425" tIns="91425" rIns="91425" bIns="91425" anchor="t" anchorCtr="0">
+            <a:noAutofit/>
+          </a:bodyPr>
+          <a:lstStyle/>
+          <a:p>
+            <a:pPr marL="0" lvl="0" indent="0" algn="l" rtl="0">
+              <a:spcBef>
+                <a:spcPts val="0"/>
+              </a:spcBef>
+              <a:spcAft>
+                <a:spcPts val="0"/>
+              </a:spcAft>
+              <a:buNone/>
+            </a:pPr>
+            <a:endParaRPr/>
+          </a:p>
+        </p:txBody>
+      </p:sp>
+    </p:spTree>
+    <p:extLst>
+      <p:ext uri="{BB962C8B-B14F-4D97-AF65-F5344CB8AC3E}">
+        <p14:creationId xmlns:p14="http://schemas.microsoft.com/office/powerpoint/2010/main" val="3043574215"/>
+      </p:ext>
+    </p:extLst>
+  </p:cSld>
+  <p:clrMapOvr>
+    <a:masterClrMapping/>
+  </p:clrMapOvr>
+</p:notes>
+</file>
+
+<file path=ppt/notesSlides/notesSlide12.xml><?xml version="1.0" encoding="utf-8"?>
+<p:notes xmlns:a="http://schemas.openxmlformats.org/drawingml/2006/main" xmlns:r="http://schemas.openxmlformats.org/officeDocument/2006/relationships" xmlns:p="http://schemas.openxmlformats.org/presentationml/2006/main" showMasterSp="0" showMasterPhAnim="0">
+  <p:cSld>
+    <p:spTree>
+      <p:nvGrpSpPr>
+        <p:cNvPr id="1" name="Shape 360"/>
+        <p:cNvGrpSpPr/>
+        <p:nvPr/>
+      </p:nvGrpSpPr>
+      <p:grpSpPr>
+        <a:xfrm>
+          <a:off x="0" y="0"/>
+          <a:ext cx="0" cy="0"/>
+          <a:chOff x="0" y="0"/>
+          <a:chExt cx="0" cy="0"/>
+        </a:xfrm>
+      </p:grpSpPr>
+      <p:sp>
+        <p:nvSpPr>
+          <p:cNvPr id="361" name="Google Shape;361;g55d2cabac8_1_10:notes"/>
+          <p:cNvSpPr>
+            <a:spLocks noGrp="1" noRot="1" noChangeAspect="1"/>
+          </p:cNvSpPr>
+          <p:nvPr>
+            <p:ph type="sldImg" idx="2"/>
+          </p:nvPr>
+        </p:nvSpPr>
+        <p:spPr>
+          <a:xfrm>
+            <a:off x="381000" y="685800"/>
+            <a:ext cx="6096000" cy="3429000"/>
+          </a:xfrm>
+          <a:custGeom>
+            <a:avLst/>
+            <a:gdLst/>
+            <a:ahLst/>
+            <a:cxnLst/>
+            <a:rect l="l" t="t" r="r" b="b"/>
+            <a:pathLst>
+              <a:path w="120000" h="120000" extrusionOk="0">
+                <a:moveTo>
+                  <a:pt x="0" y="0"/>
+                </a:moveTo>
+                <a:lnTo>
+                  <a:pt x="120000" y="0"/>
+                </a:lnTo>
+                <a:lnTo>
+                  <a:pt x="120000" y="120000"/>
+                </a:lnTo>
+                <a:lnTo>
+                  <a:pt x="0" y="120000"/>
+                </a:lnTo>
+                <a:close/>
+              </a:path>
+            </a:pathLst>
+          </a:custGeom>
+        </p:spPr>
+      </p:sp>
+      <p:sp>
+        <p:nvSpPr>
+          <p:cNvPr id="362" name="Google Shape;362;g55d2cabac8_1_10:notes"/>
+          <p:cNvSpPr txBox="1">
+            <a:spLocks noGrp="1"/>
+          </p:cNvSpPr>
+          <p:nvPr>
+            <p:ph type="body" idx="1"/>
+          </p:nvPr>
+        </p:nvSpPr>
+        <p:spPr>
+          <a:xfrm>
+            <a:off x="685800" y="4343400"/>
+            <a:ext cx="5486400" cy="4114800"/>
+          </a:xfrm>
+          <a:prstGeom prst="rect">
+            <a:avLst/>
+          </a:prstGeom>
+        </p:spPr>
+        <p:txBody>
+          <a:bodyPr spcFirstLastPara="1" wrap="square" lIns="91425" tIns="91425" rIns="91425" bIns="91425" anchor="t" anchorCtr="0">
+            <a:noAutofit/>
+          </a:bodyPr>
+          <a:lstStyle/>
+          <a:p>
+            <a:pPr marL="0" lvl="0" indent="0" algn="l" rtl="0">
+              <a:spcBef>
+                <a:spcPts val="0"/>
+              </a:spcBef>
+              <a:spcAft>
+                <a:spcPts val="0"/>
+              </a:spcAft>
+              <a:buNone/>
+            </a:pPr>
+            <a:endParaRPr/>
+          </a:p>
+        </p:txBody>
+      </p:sp>
+    </p:spTree>
+    <p:extLst>
+      <p:ext uri="{BB962C8B-B14F-4D97-AF65-F5344CB8AC3E}">
+        <p14:creationId xmlns:p14="http://schemas.microsoft.com/office/powerpoint/2010/main" val="384143144"/>
+      </p:ext>
+    </p:extLst>
+  </p:cSld>
+  <p:clrMapOvr>
+    <a:masterClrMapping/>
+  </p:clrMapOvr>
+</p:notes>
+</file>
+
+<file path=ppt/notesSlides/notesSlide13.xml><?xml version="1.0" encoding="utf-8"?>
+<p:notes xmlns:a="http://schemas.openxmlformats.org/drawingml/2006/main" xmlns:r="http://schemas.openxmlformats.org/officeDocument/2006/relationships" xmlns:p="http://schemas.openxmlformats.org/presentationml/2006/main" showMasterSp="0" showMasterPhAnim="0">
+  <p:cSld>
+    <p:spTree>
+      <p:nvGrpSpPr>
+        <p:cNvPr id="1" name="Shape 360"/>
+        <p:cNvGrpSpPr/>
+        <p:nvPr/>
+      </p:nvGrpSpPr>
+      <p:grpSpPr>
+        <a:xfrm>
+          <a:off x="0" y="0"/>
+          <a:ext cx="0" cy="0"/>
+          <a:chOff x="0" y="0"/>
+          <a:chExt cx="0" cy="0"/>
+        </a:xfrm>
+      </p:grpSpPr>
+      <p:sp>
+        <p:nvSpPr>
+          <p:cNvPr id="361" name="Google Shape;361;g55d2cabac8_1_10:notes"/>
+          <p:cNvSpPr>
+            <a:spLocks noGrp="1" noRot="1" noChangeAspect="1"/>
+          </p:cNvSpPr>
+          <p:nvPr>
+            <p:ph type="sldImg" idx="2"/>
+          </p:nvPr>
+        </p:nvSpPr>
+        <p:spPr>
+          <a:xfrm>
+            <a:off x="381000" y="685800"/>
+            <a:ext cx="6096000" cy="3429000"/>
+          </a:xfrm>
+          <a:custGeom>
+            <a:avLst/>
+            <a:gdLst/>
+            <a:ahLst/>
+            <a:cxnLst/>
+            <a:rect l="l" t="t" r="r" b="b"/>
+            <a:pathLst>
+              <a:path w="120000" h="120000" extrusionOk="0">
+                <a:moveTo>
+                  <a:pt x="0" y="0"/>
+                </a:moveTo>
+                <a:lnTo>
+                  <a:pt x="120000" y="0"/>
+                </a:lnTo>
+                <a:lnTo>
+                  <a:pt x="120000" y="120000"/>
+                </a:lnTo>
+                <a:lnTo>
+                  <a:pt x="0" y="120000"/>
+                </a:lnTo>
+                <a:close/>
+              </a:path>
+            </a:pathLst>
+          </a:custGeom>
+        </p:spPr>
+      </p:sp>
+      <p:sp>
+        <p:nvSpPr>
+          <p:cNvPr id="362" name="Google Shape;362;g55d2cabac8_1_10:notes"/>
+          <p:cNvSpPr txBox="1">
+            <a:spLocks noGrp="1"/>
+          </p:cNvSpPr>
+          <p:nvPr>
+            <p:ph type="body" idx="1"/>
+          </p:nvPr>
+        </p:nvSpPr>
+        <p:spPr>
+          <a:xfrm>
+            <a:off x="685800" y="4343400"/>
+            <a:ext cx="5486400" cy="4114800"/>
+          </a:xfrm>
+          <a:prstGeom prst="rect">
+            <a:avLst/>
+          </a:prstGeom>
+        </p:spPr>
+        <p:txBody>
+          <a:bodyPr spcFirstLastPara="1" wrap="square" lIns="91425" tIns="91425" rIns="91425" bIns="91425" anchor="t" anchorCtr="0">
+            <a:noAutofit/>
+          </a:bodyPr>
+          <a:lstStyle/>
+          <a:p>
+            <a:pPr marL="0" lvl="0" indent="0" algn="l" rtl="0">
+              <a:spcBef>
+                <a:spcPts val="0"/>
+              </a:spcBef>
+              <a:spcAft>
+                <a:spcPts val="0"/>
+              </a:spcAft>
+              <a:buNone/>
+            </a:pPr>
+            <a:endParaRPr/>
+          </a:p>
+        </p:txBody>
+      </p:sp>
+    </p:spTree>
+    <p:extLst>
+      <p:ext uri="{BB962C8B-B14F-4D97-AF65-F5344CB8AC3E}">
+        <p14:creationId xmlns:p14="http://schemas.microsoft.com/office/powerpoint/2010/main" val="85292502"/>
+      </p:ext>
+    </p:extLst>
+  </p:cSld>
+  <p:clrMapOvr>
+    <a:masterClrMapping/>
+  </p:clrMapOvr>
+</p:notes>
+</file>
+
+<file path=ppt/notesSlides/notesSlide14.xml><?xml version="1.0" encoding="utf-8"?>
+<p:notes xmlns:a="http://schemas.openxmlformats.org/drawingml/2006/main" xmlns:r="http://schemas.openxmlformats.org/officeDocument/2006/relationships" xmlns:p="http://schemas.openxmlformats.org/presentationml/2006/main" showMasterSp="0" showMasterPhAnim="0">
+  <p:cSld>
+    <p:spTree>
+      <p:nvGrpSpPr>
+        <p:cNvPr id="1" name="Shape 360"/>
+        <p:cNvGrpSpPr/>
+        <p:nvPr/>
+      </p:nvGrpSpPr>
+      <p:grpSpPr>
+        <a:xfrm>
+          <a:off x="0" y="0"/>
+          <a:ext cx="0" cy="0"/>
+          <a:chOff x="0" y="0"/>
+          <a:chExt cx="0" cy="0"/>
+        </a:xfrm>
+      </p:grpSpPr>
+      <p:sp>
+        <p:nvSpPr>
+          <p:cNvPr id="361" name="Google Shape;361;g55d2cabac8_1_10:notes"/>
+          <p:cNvSpPr>
+            <a:spLocks noGrp="1" noRot="1" noChangeAspect="1"/>
+          </p:cNvSpPr>
+          <p:nvPr>
+            <p:ph type="sldImg" idx="2"/>
+          </p:nvPr>
+        </p:nvSpPr>
+        <p:spPr>
+          <a:xfrm>
+            <a:off x="381000" y="685800"/>
+            <a:ext cx="6096000" cy="3429000"/>
+          </a:xfrm>
+          <a:custGeom>
+            <a:avLst/>
+            <a:gdLst/>
+            <a:ahLst/>
+            <a:cxnLst/>
+            <a:rect l="l" t="t" r="r" b="b"/>
+            <a:pathLst>
+              <a:path w="120000" h="120000" extrusionOk="0">
+                <a:moveTo>
+                  <a:pt x="0" y="0"/>
+                </a:moveTo>
+                <a:lnTo>
+                  <a:pt x="120000" y="0"/>
+                </a:lnTo>
+                <a:lnTo>
+                  <a:pt x="120000" y="120000"/>
+                </a:lnTo>
+                <a:lnTo>
+                  <a:pt x="0" y="120000"/>
+                </a:lnTo>
+                <a:close/>
+              </a:path>
+            </a:pathLst>
+          </a:custGeom>
+        </p:spPr>
+      </p:sp>
+      <p:sp>
+        <p:nvSpPr>
+          <p:cNvPr id="362" name="Google Shape;362;g55d2cabac8_1_10:notes"/>
+          <p:cNvSpPr txBox="1">
+            <a:spLocks noGrp="1"/>
+          </p:cNvSpPr>
+          <p:nvPr>
+            <p:ph type="body" idx="1"/>
+          </p:nvPr>
+        </p:nvSpPr>
+        <p:spPr>
+          <a:xfrm>
+            <a:off x="685800" y="4343400"/>
+            <a:ext cx="5486400" cy="4114800"/>
+          </a:xfrm>
+          <a:prstGeom prst="rect">
+            <a:avLst/>
+          </a:prstGeom>
+        </p:spPr>
+        <p:txBody>
+          <a:bodyPr spcFirstLastPara="1" wrap="square" lIns="91425" tIns="91425" rIns="91425" bIns="91425" anchor="t" anchorCtr="0">
+            <a:noAutofit/>
+          </a:bodyPr>
+          <a:lstStyle/>
+          <a:p>
+            <a:pPr marL="0" lvl="0" indent="0" algn="l" rtl="0">
+              <a:spcBef>
+                <a:spcPts val="0"/>
+              </a:spcBef>
+              <a:spcAft>
+                <a:spcPts val="0"/>
+              </a:spcAft>
+              <a:buNone/>
+            </a:pPr>
+            <a:endParaRPr/>
+          </a:p>
+        </p:txBody>
+      </p:sp>
+    </p:spTree>
+    <p:extLst>
+      <p:ext uri="{BB962C8B-B14F-4D97-AF65-F5344CB8AC3E}">
+        <p14:creationId xmlns:p14="http://schemas.microsoft.com/office/powerpoint/2010/main" val="3799395240"/>
+      </p:ext>
+    </p:extLst>
+  </p:cSld>
+  <p:clrMapOvr>
+    <a:masterClrMapping/>
+  </p:clrMapOvr>
+</p:notes>
+</file>
+
+<file path=ppt/notesSlides/notesSlide15.xml><?xml version="1.0" encoding="utf-8"?>
+<p:notes xmlns:a="http://schemas.openxmlformats.org/drawingml/2006/main" xmlns:r="http://schemas.openxmlformats.org/officeDocument/2006/relationships" xmlns:p="http://schemas.openxmlformats.org/presentationml/2006/main" showMasterSp="0" showMasterPhAnim="0">
+  <p:cSld>
+    <p:spTree>
+      <p:nvGrpSpPr>
+        <p:cNvPr id="1" name="Shape 360"/>
+        <p:cNvGrpSpPr/>
+        <p:nvPr/>
+      </p:nvGrpSpPr>
+      <p:grpSpPr>
+        <a:xfrm>
+          <a:off x="0" y="0"/>
+          <a:ext cx="0" cy="0"/>
+          <a:chOff x="0" y="0"/>
+          <a:chExt cx="0" cy="0"/>
+        </a:xfrm>
+      </p:grpSpPr>
+      <p:sp>
+        <p:nvSpPr>
+          <p:cNvPr id="361" name="Google Shape;361;g55d2cabac8_1_10:notes"/>
+          <p:cNvSpPr>
+            <a:spLocks noGrp="1" noRot="1" noChangeAspect="1"/>
+          </p:cNvSpPr>
+          <p:nvPr>
+            <p:ph type="sldImg" idx="2"/>
+          </p:nvPr>
+        </p:nvSpPr>
+        <p:spPr>
+          <a:xfrm>
+            <a:off x="381000" y="685800"/>
+            <a:ext cx="6096000" cy="3429000"/>
+          </a:xfrm>
+          <a:custGeom>
+            <a:avLst/>
+            <a:gdLst/>
+            <a:ahLst/>
+            <a:cxnLst/>
+            <a:rect l="l" t="t" r="r" b="b"/>
+            <a:pathLst>
+              <a:path w="120000" h="120000" extrusionOk="0">
+                <a:moveTo>
+                  <a:pt x="0" y="0"/>
+                </a:moveTo>
+                <a:lnTo>
+                  <a:pt x="120000" y="0"/>
+                </a:lnTo>
+                <a:lnTo>
+                  <a:pt x="120000" y="120000"/>
+                </a:lnTo>
+                <a:lnTo>
+                  <a:pt x="0" y="120000"/>
+                </a:lnTo>
+                <a:close/>
+              </a:path>
+            </a:pathLst>
+          </a:custGeom>
+        </p:spPr>
+      </p:sp>
+      <p:sp>
+        <p:nvSpPr>
+          <p:cNvPr id="362" name="Google Shape;362;g55d2cabac8_1_10:notes"/>
+          <p:cNvSpPr txBox="1">
+            <a:spLocks noGrp="1"/>
+          </p:cNvSpPr>
+          <p:nvPr>
+            <p:ph type="body" idx="1"/>
+          </p:nvPr>
+        </p:nvSpPr>
+        <p:spPr>
+          <a:xfrm>
+            <a:off x="685800" y="4343400"/>
+            <a:ext cx="5486400" cy="4114800"/>
+          </a:xfrm>
+          <a:prstGeom prst="rect">
+            <a:avLst/>
+          </a:prstGeom>
+        </p:spPr>
+        <p:txBody>
+          <a:bodyPr spcFirstLastPara="1" wrap="square" lIns="91425" tIns="91425" rIns="91425" bIns="91425" anchor="t" anchorCtr="0">
+            <a:noAutofit/>
+          </a:bodyPr>
+          <a:lstStyle/>
+          <a:p>
+            <a:pPr marL="0" lvl="0" indent="0" algn="l" rtl="0">
+              <a:spcBef>
+                <a:spcPts val="0"/>
+              </a:spcBef>
+              <a:spcAft>
+                <a:spcPts val="0"/>
+              </a:spcAft>
+              <a:buNone/>
+            </a:pPr>
+            <a:endParaRPr/>
+          </a:p>
+        </p:txBody>
+      </p:sp>
+    </p:spTree>
+    <p:extLst>
+      <p:ext uri="{BB962C8B-B14F-4D97-AF65-F5344CB8AC3E}">
+        <p14:creationId xmlns:p14="http://schemas.microsoft.com/office/powerpoint/2010/main" val="2313686303"/>
+      </p:ext>
+    </p:extLst>
+  </p:cSld>
+  <p:clrMapOvr>
+    <a:masterClrMapping/>
+  </p:clrMapOvr>
+</p:notes>
+</file>
+
+<file path=ppt/notesSlides/notesSlide16.xml><?xml version="1.0" encoding="utf-8"?>
+<p:notes xmlns:a="http://schemas.openxmlformats.org/drawingml/2006/main" xmlns:r="http://schemas.openxmlformats.org/officeDocument/2006/relationships" xmlns:p="http://schemas.openxmlformats.org/presentationml/2006/main" showMasterSp="0" showMasterPhAnim="0">
+  <p:cSld>
+    <p:spTree>
+      <p:nvGrpSpPr>
+        <p:cNvPr id="1" name="Shape 360"/>
+        <p:cNvGrpSpPr/>
+        <p:nvPr/>
+      </p:nvGrpSpPr>
+      <p:grpSpPr>
+        <a:xfrm>
+          <a:off x="0" y="0"/>
+          <a:ext cx="0" cy="0"/>
+          <a:chOff x="0" y="0"/>
+          <a:chExt cx="0" cy="0"/>
+        </a:xfrm>
+      </p:grpSpPr>
+      <p:sp>
+        <p:nvSpPr>
+          <p:cNvPr id="361" name="Google Shape;361;g55d2cabac8_1_10:notes"/>
+          <p:cNvSpPr>
+            <a:spLocks noGrp="1" noRot="1" noChangeAspect="1"/>
+          </p:cNvSpPr>
+          <p:nvPr>
+            <p:ph type="sldImg" idx="2"/>
+          </p:nvPr>
+        </p:nvSpPr>
+        <p:spPr>
+          <a:xfrm>
+            <a:off x="381000" y="685800"/>
+            <a:ext cx="6096000" cy="3429000"/>
+          </a:xfrm>
+          <a:custGeom>
+            <a:avLst/>
+            <a:gdLst/>
+            <a:ahLst/>
+            <a:cxnLst/>
+            <a:rect l="l" t="t" r="r" b="b"/>
+            <a:pathLst>
+              <a:path w="120000" h="120000" extrusionOk="0">
+                <a:moveTo>
+                  <a:pt x="0" y="0"/>
+                </a:moveTo>
+                <a:lnTo>
+                  <a:pt x="120000" y="0"/>
+                </a:lnTo>
+                <a:lnTo>
+                  <a:pt x="120000" y="120000"/>
+                </a:lnTo>
+                <a:lnTo>
+                  <a:pt x="0" y="120000"/>
+                </a:lnTo>
+                <a:close/>
+              </a:path>
+            </a:pathLst>
+          </a:custGeom>
+        </p:spPr>
+      </p:sp>
+      <p:sp>
+        <p:nvSpPr>
+          <p:cNvPr id="362" name="Google Shape;362;g55d2cabac8_1_10:notes"/>
+          <p:cNvSpPr txBox="1">
+            <a:spLocks noGrp="1"/>
+          </p:cNvSpPr>
+          <p:nvPr>
+            <p:ph type="body" idx="1"/>
+          </p:nvPr>
+        </p:nvSpPr>
+        <p:spPr>
+          <a:xfrm>
+            <a:off x="685800" y="4343400"/>
+            <a:ext cx="5486400" cy="4114800"/>
+          </a:xfrm>
+          <a:prstGeom prst="rect">
+            <a:avLst/>
+          </a:prstGeom>
+        </p:spPr>
+        <p:txBody>
+          <a:bodyPr spcFirstLastPara="1" wrap="square" lIns="91425" tIns="91425" rIns="91425" bIns="91425" anchor="t" anchorCtr="0">
+            <a:noAutofit/>
+          </a:bodyPr>
+          <a:lstStyle/>
+          <a:p>
+            <a:pPr marL="0" lvl="0" indent="0" algn="l" rtl="0">
+              <a:spcBef>
+                <a:spcPts val="0"/>
+              </a:spcBef>
+              <a:spcAft>
+                <a:spcPts val="0"/>
+              </a:spcAft>
+              <a:buNone/>
+            </a:pPr>
+            <a:endParaRPr/>
+          </a:p>
+        </p:txBody>
+      </p:sp>
+    </p:spTree>
+    <p:extLst>
+      <p:ext uri="{BB962C8B-B14F-4D97-AF65-F5344CB8AC3E}">
+        <p14:creationId xmlns:p14="http://schemas.microsoft.com/office/powerpoint/2010/main" val="1475403666"/>
+      </p:ext>
+    </p:extLst>
+  </p:cSld>
+  <p:clrMapOvr>
+    <a:masterClrMapping/>
+  </p:clrMapOvr>
+</p:notes>
+</file>
+
+<file path=ppt/notesSlides/notesSlide17.xml><?xml version="1.0" encoding="utf-8"?>
+<p:notes xmlns:a="http://schemas.openxmlformats.org/drawingml/2006/main" xmlns:r="http://schemas.openxmlformats.org/officeDocument/2006/relationships" xmlns:p="http://schemas.openxmlformats.org/presentationml/2006/main" showMasterSp="0" showMasterPhAnim="0">
+  <p:cSld>
+    <p:spTree>
+      <p:nvGrpSpPr>
+        <p:cNvPr id="1" name="Shape 360"/>
+        <p:cNvGrpSpPr/>
+        <p:nvPr/>
+      </p:nvGrpSpPr>
+      <p:grpSpPr>
+        <a:xfrm>
+          <a:off x="0" y="0"/>
+          <a:ext cx="0" cy="0"/>
+          <a:chOff x="0" y="0"/>
+          <a:chExt cx="0" cy="0"/>
+        </a:xfrm>
+      </p:grpSpPr>
+      <p:sp>
+        <p:nvSpPr>
+          <p:cNvPr id="361" name="Google Shape;361;g55d2cabac8_1_10:notes"/>
+          <p:cNvSpPr>
+            <a:spLocks noGrp="1" noRot="1" noChangeAspect="1"/>
+          </p:cNvSpPr>
+          <p:nvPr>
+            <p:ph type="sldImg" idx="2"/>
+          </p:nvPr>
+        </p:nvSpPr>
+        <p:spPr>
+          <a:xfrm>
+            <a:off x="381000" y="685800"/>
+            <a:ext cx="6096000" cy="3429000"/>
+          </a:xfrm>
+          <a:custGeom>
+            <a:avLst/>
+            <a:gdLst/>
+            <a:ahLst/>
+            <a:cxnLst/>
+            <a:rect l="l" t="t" r="r" b="b"/>
+            <a:pathLst>
+              <a:path w="120000" h="120000" extrusionOk="0">
+                <a:moveTo>
+                  <a:pt x="0" y="0"/>
+                </a:moveTo>
+                <a:lnTo>
+                  <a:pt x="120000" y="0"/>
+                </a:lnTo>
+                <a:lnTo>
+                  <a:pt x="120000" y="120000"/>
+                </a:lnTo>
+                <a:lnTo>
+                  <a:pt x="0" y="120000"/>
+                </a:lnTo>
+                <a:close/>
+              </a:path>
+            </a:pathLst>
+          </a:custGeom>
+        </p:spPr>
+      </p:sp>
+      <p:sp>
+        <p:nvSpPr>
+          <p:cNvPr id="362" name="Google Shape;362;g55d2cabac8_1_10:notes"/>
+          <p:cNvSpPr txBox="1">
+            <a:spLocks noGrp="1"/>
+          </p:cNvSpPr>
+          <p:nvPr>
+            <p:ph type="body" idx="1"/>
+          </p:nvPr>
+        </p:nvSpPr>
+        <p:spPr>
+          <a:xfrm>
+            <a:off x="685800" y="4343400"/>
+            <a:ext cx="5486400" cy="4114800"/>
+          </a:xfrm>
+          <a:prstGeom prst="rect">
+            <a:avLst/>
+          </a:prstGeom>
+        </p:spPr>
+        <p:txBody>
+          <a:bodyPr spcFirstLastPara="1" wrap="square" lIns="91425" tIns="91425" rIns="91425" bIns="91425" anchor="t" anchorCtr="0">
+            <a:noAutofit/>
+          </a:bodyPr>
+          <a:lstStyle/>
+          <a:p>
+            <a:pPr marL="0" lvl="0" indent="0" algn="l" rtl="0">
+              <a:spcBef>
+                <a:spcPts val="0"/>
+              </a:spcBef>
+              <a:spcAft>
+                <a:spcPts val="0"/>
+              </a:spcAft>
+              <a:buNone/>
+            </a:pPr>
+            <a:endParaRPr/>
+          </a:p>
+        </p:txBody>
+      </p:sp>
+    </p:spTree>
+    <p:extLst>
+      <p:ext uri="{BB962C8B-B14F-4D97-AF65-F5344CB8AC3E}">
+        <p14:creationId xmlns:p14="http://schemas.microsoft.com/office/powerpoint/2010/main" val="4241895852"/>
+      </p:ext>
+    </p:extLst>
+  </p:cSld>
+  <p:clrMapOvr>
+    <a:masterClrMapping/>
+  </p:clrMapOvr>
+</p:notes>
+</file>
+
+<file path=ppt/notesSlides/notesSlide18.xml><?xml version="1.0" encoding="utf-8"?>
+<p:notes xmlns:a="http://schemas.openxmlformats.org/drawingml/2006/main" xmlns:r="http://schemas.openxmlformats.org/officeDocument/2006/relationships" xmlns:p="http://schemas.openxmlformats.org/presentationml/2006/main" showMasterSp="0" showMasterPhAnim="0">
+  <p:cSld>
+    <p:spTree>
+      <p:nvGrpSpPr>
+        <p:cNvPr id="1" name="Shape 360"/>
+        <p:cNvGrpSpPr/>
+        <p:nvPr/>
+      </p:nvGrpSpPr>
+      <p:grpSpPr>
+        <a:xfrm>
+          <a:off x="0" y="0"/>
+          <a:ext cx="0" cy="0"/>
+          <a:chOff x="0" y="0"/>
+          <a:chExt cx="0" cy="0"/>
+        </a:xfrm>
+      </p:grpSpPr>
+      <p:sp>
+        <p:nvSpPr>
+          <p:cNvPr id="361" name="Google Shape;361;g55d2cabac8_1_10:notes"/>
+          <p:cNvSpPr>
+            <a:spLocks noGrp="1" noRot="1" noChangeAspect="1"/>
+          </p:cNvSpPr>
+          <p:nvPr>
+            <p:ph type="sldImg" idx="2"/>
+          </p:nvPr>
+        </p:nvSpPr>
+        <p:spPr>
+          <a:xfrm>
+            <a:off x="381000" y="685800"/>
+            <a:ext cx="6096000" cy="3429000"/>
+          </a:xfrm>
+          <a:custGeom>
+            <a:avLst/>
+            <a:gdLst/>
+            <a:ahLst/>
+            <a:cxnLst/>
+            <a:rect l="l" t="t" r="r" b="b"/>
+            <a:pathLst>
+              <a:path w="120000" h="120000" extrusionOk="0">
+                <a:moveTo>
+                  <a:pt x="0" y="0"/>
+                </a:moveTo>
+                <a:lnTo>
+                  <a:pt x="120000" y="0"/>
+                </a:lnTo>
+                <a:lnTo>
+                  <a:pt x="120000" y="120000"/>
+                </a:lnTo>
+                <a:lnTo>
+                  <a:pt x="0" y="120000"/>
+                </a:lnTo>
+                <a:close/>
+              </a:path>
+            </a:pathLst>
+          </a:custGeom>
+        </p:spPr>
+      </p:sp>
+      <p:sp>
+        <p:nvSpPr>
+          <p:cNvPr id="362" name="Google Shape;362;g55d2cabac8_1_10:notes"/>
+          <p:cNvSpPr txBox="1">
+            <a:spLocks noGrp="1"/>
+          </p:cNvSpPr>
+          <p:nvPr>
+            <p:ph type="body" idx="1"/>
+          </p:nvPr>
+        </p:nvSpPr>
+        <p:spPr>
+          <a:xfrm>
+            <a:off x="685800" y="4343400"/>
+            <a:ext cx="5486400" cy="4114800"/>
+          </a:xfrm>
+          <a:prstGeom prst="rect">
+            <a:avLst/>
+          </a:prstGeom>
+        </p:spPr>
+        <p:txBody>
+          <a:bodyPr spcFirstLastPara="1" wrap="square" lIns="91425" tIns="91425" rIns="91425" bIns="91425" anchor="t" anchorCtr="0">
+            <a:noAutofit/>
+          </a:bodyPr>
+          <a:lstStyle/>
+          <a:p>
+            <a:pPr marL="0" lvl="0" indent="0" algn="l" rtl="0">
+              <a:spcBef>
+                <a:spcPts val="0"/>
+              </a:spcBef>
+              <a:spcAft>
+                <a:spcPts val="0"/>
+              </a:spcAft>
+              <a:buNone/>
+            </a:pPr>
+            <a:endParaRPr/>
+          </a:p>
+        </p:txBody>
+      </p:sp>
+    </p:spTree>
+    <p:extLst>
+      <p:ext uri="{BB962C8B-B14F-4D97-AF65-F5344CB8AC3E}">
+        <p14:creationId xmlns:p14="http://schemas.microsoft.com/office/powerpoint/2010/main" val="828731247"/>
+      </p:ext>
+    </p:extLst>
+  </p:cSld>
+  <p:clrMapOvr>
+    <a:masterClrMapping/>
+  </p:clrMapOvr>
+</p:notes>
+</file>
+
+<file path=ppt/notesSlides/notesSlide19.xml><?xml version="1.0" encoding="utf-8"?>
+<p:notes xmlns:a="http://schemas.openxmlformats.org/drawingml/2006/main" xmlns:r="http://schemas.openxmlformats.org/officeDocument/2006/relationships" xmlns:p="http://schemas.openxmlformats.org/presentationml/2006/main" showMasterSp="0" showMasterPhAnim="0">
+  <p:cSld>
+    <p:spTree>
+      <p:nvGrpSpPr>
         <p:cNvPr id="1" name="Shape 414"/>
         <p:cNvGrpSpPr/>
         <p:nvPr/>
@@ -1025,432 +1905,6 @@
         </p:txBody>
       </p:sp>
     </p:spTree>
-  </p:cSld>
-  <p:clrMapOvr>
-    <a:masterClrMapping/>
-  </p:clrMapOvr>
-</p:notes>
-</file>
-
-<file path=ppt/notesSlides/notesSlide12.xml><?xml version="1.0" encoding="utf-8"?>
-<p:notes xmlns:a="http://schemas.openxmlformats.org/drawingml/2006/main" xmlns:r="http://schemas.openxmlformats.org/officeDocument/2006/relationships" xmlns:p="http://schemas.openxmlformats.org/presentationml/2006/main" showMasterSp="0" showMasterPhAnim="0">
-  <p:cSld>
-    <p:spTree>
-      <p:nvGrpSpPr>
-        <p:cNvPr id="1" name="Shape 706"/>
-        <p:cNvGrpSpPr/>
-        <p:nvPr/>
-      </p:nvGrpSpPr>
-      <p:grpSpPr>
-        <a:xfrm>
-          <a:off x="0" y="0"/>
-          <a:ext cx="0" cy="0"/>
-          <a:chOff x="0" y="0"/>
-          <a:chExt cx="0" cy="0"/>
-        </a:xfrm>
-      </p:grpSpPr>
-      <p:sp>
-        <p:nvSpPr>
-          <p:cNvPr id="707" name="Google Shape;707;g55e1ed11e4_0_9064:notes"/>
-          <p:cNvSpPr>
-            <a:spLocks noGrp="1" noRot="1" noChangeAspect="1"/>
-          </p:cNvSpPr>
-          <p:nvPr>
-            <p:ph type="sldImg" idx="2"/>
-          </p:nvPr>
-        </p:nvSpPr>
-        <p:spPr>
-          <a:xfrm>
-            <a:off x="381000" y="685800"/>
-            <a:ext cx="6096000" cy="3429000"/>
-          </a:xfrm>
-          <a:custGeom>
-            <a:avLst/>
-            <a:gdLst/>
-            <a:ahLst/>
-            <a:cxnLst/>
-            <a:rect l="l" t="t" r="r" b="b"/>
-            <a:pathLst>
-              <a:path w="120000" h="120000" extrusionOk="0">
-                <a:moveTo>
-                  <a:pt x="0" y="0"/>
-                </a:moveTo>
-                <a:lnTo>
-                  <a:pt x="120000" y="0"/>
-                </a:lnTo>
-                <a:lnTo>
-                  <a:pt x="120000" y="120000"/>
-                </a:lnTo>
-                <a:lnTo>
-                  <a:pt x="0" y="120000"/>
-                </a:lnTo>
-                <a:close/>
-              </a:path>
-            </a:pathLst>
-          </a:custGeom>
-        </p:spPr>
-      </p:sp>
-      <p:sp>
-        <p:nvSpPr>
-          <p:cNvPr id="708" name="Google Shape;708;g55e1ed11e4_0_9064:notes"/>
-          <p:cNvSpPr txBox="1">
-            <a:spLocks noGrp="1"/>
-          </p:cNvSpPr>
-          <p:nvPr>
-            <p:ph type="body" idx="1"/>
-          </p:nvPr>
-        </p:nvSpPr>
-        <p:spPr>
-          <a:xfrm>
-            <a:off x="685800" y="4343400"/>
-            <a:ext cx="5486400" cy="4114800"/>
-          </a:xfrm>
-          <a:prstGeom prst="rect">
-            <a:avLst/>
-          </a:prstGeom>
-        </p:spPr>
-        <p:txBody>
-          <a:bodyPr spcFirstLastPara="1" wrap="square" lIns="91425" tIns="91425" rIns="91425" bIns="91425" anchor="t" anchorCtr="0">
-            <a:noAutofit/>
-          </a:bodyPr>
-          <a:lstStyle/>
-          <a:p>
-            <a:pPr marL="0" lvl="0" indent="0" algn="l" rtl="0">
-              <a:spcBef>
-                <a:spcPts val="0"/>
-              </a:spcBef>
-              <a:spcAft>
-                <a:spcPts val="0"/>
-              </a:spcAft>
-              <a:buNone/>
-            </a:pPr>
-            <a:endParaRPr/>
-          </a:p>
-        </p:txBody>
-      </p:sp>
-    </p:spTree>
-  </p:cSld>
-  <p:clrMapOvr>
-    <a:masterClrMapping/>
-  </p:clrMapOvr>
-</p:notes>
-</file>
-
-<file path=ppt/notesSlides/notesSlide13.xml><?xml version="1.0" encoding="utf-8"?>
-<p:notes xmlns:a="http://schemas.openxmlformats.org/drawingml/2006/main" xmlns:r="http://schemas.openxmlformats.org/officeDocument/2006/relationships" xmlns:p="http://schemas.openxmlformats.org/presentationml/2006/main" showMasterSp="0" showMasterPhAnim="0">
-  <p:cSld>
-    <p:spTree>
-      <p:nvGrpSpPr>
-        <p:cNvPr id="1" name="Shape 706"/>
-        <p:cNvGrpSpPr/>
-        <p:nvPr/>
-      </p:nvGrpSpPr>
-      <p:grpSpPr>
-        <a:xfrm>
-          <a:off x="0" y="0"/>
-          <a:ext cx="0" cy="0"/>
-          <a:chOff x="0" y="0"/>
-          <a:chExt cx="0" cy="0"/>
-        </a:xfrm>
-      </p:grpSpPr>
-      <p:sp>
-        <p:nvSpPr>
-          <p:cNvPr id="707" name="Google Shape;707;g55e1ed11e4_0_9064:notes"/>
-          <p:cNvSpPr>
-            <a:spLocks noGrp="1" noRot="1" noChangeAspect="1"/>
-          </p:cNvSpPr>
-          <p:nvPr>
-            <p:ph type="sldImg" idx="2"/>
-          </p:nvPr>
-        </p:nvSpPr>
-        <p:spPr>
-          <a:xfrm>
-            <a:off x="381000" y="685800"/>
-            <a:ext cx="6096000" cy="3429000"/>
-          </a:xfrm>
-          <a:custGeom>
-            <a:avLst/>
-            <a:gdLst/>
-            <a:ahLst/>
-            <a:cxnLst/>
-            <a:rect l="l" t="t" r="r" b="b"/>
-            <a:pathLst>
-              <a:path w="120000" h="120000" extrusionOk="0">
-                <a:moveTo>
-                  <a:pt x="0" y="0"/>
-                </a:moveTo>
-                <a:lnTo>
-                  <a:pt x="120000" y="0"/>
-                </a:lnTo>
-                <a:lnTo>
-                  <a:pt x="120000" y="120000"/>
-                </a:lnTo>
-                <a:lnTo>
-                  <a:pt x="0" y="120000"/>
-                </a:lnTo>
-                <a:close/>
-              </a:path>
-            </a:pathLst>
-          </a:custGeom>
-        </p:spPr>
-      </p:sp>
-      <p:sp>
-        <p:nvSpPr>
-          <p:cNvPr id="708" name="Google Shape;708;g55e1ed11e4_0_9064:notes"/>
-          <p:cNvSpPr txBox="1">
-            <a:spLocks noGrp="1"/>
-          </p:cNvSpPr>
-          <p:nvPr>
-            <p:ph type="body" idx="1"/>
-          </p:nvPr>
-        </p:nvSpPr>
-        <p:spPr>
-          <a:xfrm>
-            <a:off x="685800" y="4343400"/>
-            <a:ext cx="5486400" cy="4114800"/>
-          </a:xfrm>
-          <a:prstGeom prst="rect">
-            <a:avLst/>
-          </a:prstGeom>
-        </p:spPr>
-        <p:txBody>
-          <a:bodyPr spcFirstLastPara="1" wrap="square" lIns="91425" tIns="91425" rIns="91425" bIns="91425" anchor="t" anchorCtr="0">
-            <a:noAutofit/>
-          </a:bodyPr>
-          <a:lstStyle/>
-          <a:p>
-            <a:pPr marL="0" lvl="0" indent="0" algn="l" rtl="0">
-              <a:spcBef>
-                <a:spcPts val="0"/>
-              </a:spcBef>
-              <a:spcAft>
-                <a:spcPts val="0"/>
-              </a:spcAft>
-              <a:buNone/>
-            </a:pPr>
-            <a:endParaRPr/>
-          </a:p>
-        </p:txBody>
-      </p:sp>
-    </p:spTree>
-    <p:extLst>
-      <p:ext uri="{BB962C8B-B14F-4D97-AF65-F5344CB8AC3E}">
-        <p14:creationId xmlns:p14="http://schemas.microsoft.com/office/powerpoint/2010/main" val="1323322483"/>
-      </p:ext>
-    </p:extLst>
-  </p:cSld>
-  <p:clrMapOvr>
-    <a:masterClrMapping/>
-  </p:clrMapOvr>
-</p:notes>
-</file>
-
-<file path=ppt/notesSlides/notesSlide14.xml><?xml version="1.0" encoding="utf-8"?>
-<p:notes xmlns:a="http://schemas.openxmlformats.org/drawingml/2006/main" xmlns:r="http://schemas.openxmlformats.org/officeDocument/2006/relationships" xmlns:p="http://schemas.openxmlformats.org/presentationml/2006/main" showMasterSp="0" showMasterPhAnim="0">
-  <p:cSld>
-    <p:spTree>
-      <p:nvGrpSpPr>
-        <p:cNvPr id="1" name="Shape 701"/>
-        <p:cNvGrpSpPr/>
-        <p:nvPr/>
-      </p:nvGrpSpPr>
-      <p:grpSpPr>
-        <a:xfrm>
-          <a:off x="0" y="0"/>
-          <a:ext cx="0" cy="0"/>
-          <a:chOff x="0" y="0"/>
-          <a:chExt cx="0" cy="0"/>
-        </a:xfrm>
-      </p:grpSpPr>
-      <p:sp>
-        <p:nvSpPr>
-          <p:cNvPr id="702" name="Google Shape;702;g55e1ed11e4_0_339:notes"/>
-          <p:cNvSpPr>
-            <a:spLocks noGrp="1" noRot="1" noChangeAspect="1"/>
-          </p:cNvSpPr>
-          <p:nvPr>
-            <p:ph type="sldImg" idx="2"/>
-          </p:nvPr>
-        </p:nvSpPr>
-        <p:spPr>
-          <a:xfrm>
-            <a:off x="381000" y="685800"/>
-            <a:ext cx="6096000" cy="3429000"/>
-          </a:xfrm>
-          <a:custGeom>
-            <a:avLst/>
-            <a:gdLst/>
-            <a:ahLst/>
-            <a:cxnLst/>
-            <a:rect l="l" t="t" r="r" b="b"/>
-            <a:pathLst>
-              <a:path w="120000" h="120000" extrusionOk="0">
-                <a:moveTo>
-                  <a:pt x="0" y="0"/>
-                </a:moveTo>
-                <a:lnTo>
-                  <a:pt x="120000" y="0"/>
-                </a:lnTo>
-                <a:lnTo>
-                  <a:pt x="120000" y="120000"/>
-                </a:lnTo>
-                <a:lnTo>
-                  <a:pt x="0" y="120000"/>
-                </a:lnTo>
-                <a:close/>
-              </a:path>
-            </a:pathLst>
-          </a:custGeom>
-        </p:spPr>
-      </p:sp>
-      <p:sp>
-        <p:nvSpPr>
-          <p:cNvPr id="703" name="Google Shape;703;g55e1ed11e4_0_339:notes"/>
-          <p:cNvSpPr txBox="1">
-            <a:spLocks noGrp="1"/>
-          </p:cNvSpPr>
-          <p:nvPr>
-            <p:ph type="body" idx="1"/>
-          </p:nvPr>
-        </p:nvSpPr>
-        <p:spPr>
-          <a:xfrm>
-            <a:off x="685800" y="4343400"/>
-            <a:ext cx="5486400" cy="4114800"/>
-          </a:xfrm>
-          <a:prstGeom prst="rect">
-            <a:avLst/>
-          </a:prstGeom>
-        </p:spPr>
-        <p:txBody>
-          <a:bodyPr spcFirstLastPara="1" wrap="square" lIns="91425" tIns="91425" rIns="91425" bIns="91425" anchor="t" anchorCtr="0">
-            <a:noAutofit/>
-          </a:bodyPr>
-          <a:lstStyle/>
-          <a:p>
-            <a:pPr marL="0" lvl="0" indent="0" algn="l" rtl="0">
-              <a:spcBef>
-                <a:spcPts val="0"/>
-              </a:spcBef>
-              <a:spcAft>
-                <a:spcPts val="0"/>
-              </a:spcAft>
-              <a:buNone/>
-            </a:pPr>
-            <a:endParaRPr/>
-          </a:p>
-        </p:txBody>
-      </p:sp>
-    </p:spTree>
-  </p:cSld>
-  <p:clrMapOvr>
-    <a:masterClrMapping/>
-  </p:clrMapOvr>
-</p:notes>
-</file>
-
-<file path=ppt/notesSlides/notesSlide15.xml><?xml version="1.0" encoding="utf-8"?>
-<p:notes xmlns:a="http://schemas.openxmlformats.org/drawingml/2006/main" xmlns:r="http://schemas.openxmlformats.org/officeDocument/2006/relationships" xmlns:p="http://schemas.openxmlformats.org/presentationml/2006/main" showMasterSp="0" showMasterPhAnim="0">
-  <p:cSld>
-    <p:spTree>
-      <p:nvGrpSpPr>
-        <p:cNvPr id="1" name="Shape 701"/>
-        <p:cNvGrpSpPr/>
-        <p:nvPr/>
-      </p:nvGrpSpPr>
-      <p:grpSpPr>
-        <a:xfrm>
-          <a:off x="0" y="0"/>
-          <a:ext cx="0" cy="0"/>
-          <a:chOff x="0" y="0"/>
-          <a:chExt cx="0" cy="0"/>
-        </a:xfrm>
-      </p:grpSpPr>
-      <p:sp>
-        <p:nvSpPr>
-          <p:cNvPr id="702" name="Google Shape;702;g55e1ed11e4_0_339:notes"/>
-          <p:cNvSpPr>
-            <a:spLocks noGrp="1" noRot="1" noChangeAspect="1"/>
-          </p:cNvSpPr>
-          <p:nvPr>
-            <p:ph type="sldImg" idx="2"/>
-          </p:nvPr>
-        </p:nvSpPr>
-        <p:spPr>
-          <a:xfrm>
-            <a:off x="381000" y="685800"/>
-            <a:ext cx="6096000" cy="3429000"/>
-          </a:xfrm>
-          <a:custGeom>
-            <a:avLst/>
-            <a:gdLst/>
-            <a:ahLst/>
-            <a:cxnLst/>
-            <a:rect l="l" t="t" r="r" b="b"/>
-            <a:pathLst>
-              <a:path w="120000" h="120000" extrusionOk="0">
-                <a:moveTo>
-                  <a:pt x="0" y="0"/>
-                </a:moveTo>
-                <a:lnTo>
-                  <a:pt x="120000" y="0"/>
-                </a:lnTo>
-                <a:lnTo>
-                  <a:pt x="120000" y="120000"/>
-                </a:lnTo>
-                <a:lnTo>
-                  <a:pt x="0" y="120000"/>
-                </a:lnTo>
-                <a:close/>
-              </a:path>
-            </a:pathLst>
-          </a:custGeom>
-        </p:spPr>
-      </p:sp>
-      <p:sp>
-        <p:nvSpPr>
-          <p:cNvPr id="703" name="Google Shape;703;g55e1ed11e4_0_339:notes"/>
-          <p:cNvSpPr txBox="1">
-            <a:spLocks noGrp="1"/>
-          </p:cNvSpPr>
-          <p:nvPr>
-            <p:ph type="body" idx="1"/>
-          </p:nvPr>
-        </p:nvSpPr>
-        <p:spPr>
-          <a:xfrm>
-            <a:off x="685800" y="4343400"/>
-            <a:ext cx="5486400" cy="4114800"/>
-          </a:xfrm>
-          <a:prstGeom prst="rect">
-            <a:avLst/>
-          </a:prstGeom>
-        </p:spPr>
-        <p:txBody>
-          <a:bodyPr spcFirstLastPara="1" wrap="square" lIns="91425" tIns="91425" rIns="91425" bIns="91425" anchor="t" anchorCtr="0">
-            <a:noAutofit/>
-          </a:bodyPr>
-          <a:lstStyle/>
-          <a:p>
-            <a:pPr marL="0" lvl="0" indent="0" algn="l" rtl="0">
-              <a:spcBef>
-                <a:spcPts val="0"/>
-              </a:spcBef>
-              <a:spcAft>
-                <a:spcPts val="0"/>
-              </a:spcAft>
-              <a:buNone/>
-            </a:pPr>
-            <a:endParaRPr/>
-          </a:p>
-        </p:txBody>
-      </p:sp>
-    </p:spTree>
-    <p:extLst>
-      <p:ext uri="{BB962C8B-B14F-4D97-AF65-F5344CB8AC3E}">
-        <p14:creationId xmlns:p14="http://schemas.microsoft.com/office/powerpoint/2010/main" val="1282658991"/>
-      </p:ext>
-    </p:extLst>
   </p:cSld>
   <p:clrMapOvr>
     <a:masterClrMapping/>
@@ -1555,6 +2009,432 @@
         </p:txBody>
       </p:sp>
     </p:spTree>
+  </p:cSld>
+  <p:clrMapOvr>
+    <a:masterClrMapping/>
+  </p:clrMapOvr>
+</p:notes>
+</file>
+
+<file path=ppt/notesSlides/notesSlide20.xml><?xml version="1.0" encoding="utf-8"?>
+<p:notes xmlns:a="http://schemas.openxmlformats.org/drawingml/2006/main" xmlns:r="http://schemas.openxmlformats.org/officeDocument/2006/relationships" xmlns:p="http://schemas.openxmlformats.org/presentationml/2006/main" showMasterSp="0" showMasterPhAnim="0">
+  <p:cSld>
+    <p:spTree>
+      <p:nvGrpSpPr>
+        <p:cNvPr id="1" name="Shape 706"/>
+        <p:cNvGrpSpPr/>
+        <p:nvPr/>
+      </p:nvGrpSpPr>
+      <p:grpSpPr>
+        <a:xfrm>
+          <a:off x="0" y="0"/>
+          <a:ext cx="0" cy="0"/>
+          <a:chOff x="0" y="0"/>
+          <a:chExt cx="0" cy="0"/>
+        </a:xfrm>
+      </p:grpSpPr>
+      <p:sp>
+        <p:nvSpPr>
+          <p:cNvPr id="707" name="Google Shape;707;g55e1ed11e4_0_9064:notes"/>
+          <p:cNvSpPr>
+            <a:spLocks noGrp="1" noRot="1" noChangeAspect="1"/>
+          </p:cNvSpPr>
+          <p:nvPr>
+            <p:ph type="sldImg" idx="2"/>
+          </p:nvPr>
+        </p:nvSpPr>
+        <p:spPr>
+          <a:xfrm>
+            <a:off x="381000" y="685800"/>
+            <a:ext cx="6096000" cy="3429000"/>
+          </a:xfrm>
+          <a:custGeom>
+            <a:avLst/>
+            <a:gdLst/>
+            <a:ahLst/>
+            <a:cxnLst/>
+            <a:rect l="l" t="t" r="r" b="b"/>
+            <a:pathLst>
+              <a:path w="120000" h="120000" extrusionOk="0">
+                <a:moveTo>
+                  <a:pt x="0" y="0"/>
+                </a:moveTo>
+                <a:lnTo>
+                  <a:pt x="120000" y="0"/>
+                </a:lnTo>
+                <a:lnTo>
+                  <a:pt x="120000" y="120000"/>
+                </a:lnTo>
+                <a:lnTo>
+                  <a:pt x="0" y="120000"/>
+                </a:lnTo>
+                <a:close/>
+              </a:path>
+            </a:pathLst>
+          </a:custGeom>
+        </p:spPr>
+      </p:sp>
+      <p:sp>
+        <p:nvSpPr>
+          <p:cNvPr id="708" name="Google Shape;708;g55e1ed11e4_0_9064:notes"/>
+          <p:cNvSpPr txBox="1">
+            <a:spLocks noGrp="1"/>
+          </p:cNvSpPr>
+          <p:nvPr>
+            <p:ph type="body" idx="1"/>
+          </p:nvPr>
+        </p:nvSpPr>
+        <p:spPr>
+          <a:xfrm>
+            <a:off x="685800" y="4343400"/>
+            <a:ext cx="5486400" cy="4114800"/>
+          </a:xfrm>
+          <a:prstGeom prst="rect">
+            <a:avLst/>
+          </a:prstGeom>
+        </p:spPr>
+        <p:txBody>
+          <a:bodyPr spcFirstLastPara="1" wrap="square" lIns="91425" tIns="91425" rIns="91425" bIns="91425" anchor="t" anchorCtr="0">
+            <a:noAutofit/>
+          </a:bodyPr>
+          <a:lstStyle/>
+          <a:p>
+            <a:pPr marL="0" lvl="0" indent="0" algn="l" rtl="0">
+              <a:spcBef>
+                <a:spcPts val="0"/>
+              </a:spcBef>
+              <a:spcAft>
+                <a:spcPts val="0"/>
+              </a:spcAft>
+              <a:buNone/>
+            </a:pPr>
+            <a:endParaRPr/>
+          </a:p>
+        </p:txBody>
+      </p:sp>
+    </p:spTree>
+  </p:cSld>
+  <p:clrMapOvr>
+    <a:masterClrMapping/>
+  </p:clrMapOvr>
+</p:notes>
+</file>
+
+<file path=ppt/notesSlides/notesSlide21.xml><?xml version="1.0" encoding="utf-8"?>
+<p:notes xmlns:a="http://schemas.openxmlformats.org/drawingml/2006/main" xmlns:r="http://schemas.openxmlformats.org/officeDocument/2006/relationships" xmlns:p="http://schemas.openxmlformats.org/presentationml/2006/main" showMasterSp="0" showMasterPhAnim="0">
+  <p:cSld>
+    <p:spTree>
+      <p:nvGrpSpPr>
+        <p:cNvPr id="1" name="Shape 706"/>
+        <p:cNvGrpSpPr/>
+        <p:nvPr/>
+      </p:nvGrpSpPr>
+      <p:grpSpPr>
+        <a:xfrm>
+          <a:off x="0" y="0"/>
+          <a:ext cx="0" cy="0"/>
+          <a:chOff x="0" y="0"/>
+          <a:chExt cx="0" cy="0"/>
+        </a:xfrm>
+      </p:grpSpPr>
+      <p:sp>
+        <p:nvSpPr>
+          <p:cNvPr id="707" name="Google Shape;707;g55e1ed11e4_0_9064:notes"/>
+          <p:cNvSpPr>
+            <a:spLocks noGrp="1" noRot="1" noChangeAspect="1"/>
+          </p:cNvSpPr>
+          <p:nvPr>
+            <p:ph type="sldImg" idx="2"/>
+          </p:nvPr>
+        </p:nvSpPr>
+        <p:spPr>
+          <a:xfrm>
+            <a:off x="381000" y="685800"/>
+            <a:ext cx="6096000" cy="3429000"/>
+          </a:xfrm>
+          <a:custGeom>
+            <a:avLst/>
+            <a:gdLst/>
+            <a:ahLst/>
+            <a:cxnLst/>
+            <a:rect l="l" t="t" r="r" b="b"/>
+            <a:pathLst>
+              <a:path w="120000" h="120000" extrusionOk="0">
+                <a:moveTo>
+                  <a:pt x="0" y="0"/>
+                </a:moveTo>
+                <a:lnTo>
+                  <a:pt x="120000" y="0"/>
+                </a:lnTo>
+                <a:lnTo>
+                  <a:pt x="120000" y="120000"/>
+                </a:lnTo>
+                <a:lnTo>
+                  <a:pt x="0" y="120000"/>
+                </a:lnTo>
+                <a:close/>
+              </a:path>
+            </a:pathLst>
+          </a:custGeom>
+        </p:spPr>
+      </p:sp>
+      <p:sp>
+        <p:nvSpPr>
+          <p:cNvPr id="708" name="Google Shape;708;g55e1ed11e4_0_9064:notes"/>
+          <p:cNvSpPr txBox="1">
+            <a:spLocks noGrp="1"/>
+          </p:cNvSpPr>
+          <p:nvPr>
+            <p:ph type="body" idx="1"/>
+          </p:nvPr>
+        </p:nvSpPr>
+        <p:spPr>
+          <a:xfrm>
+            <a:off x="685800" y="4343400"/>
+            <a:ext cx="5486400" cy="4114800"/>
+          </a:xfrm>
+          <a:prstGeom prst="rect">
+            <a:avLst/>
+          </a:prstGeom>
+        </p:spPr>
+        <p:txBody>
+          <a:bodyPr spcFirstLastPara="1" wrap="square" lIns="91425" tIns="91425" rIns="91425" bIns="91425" anchor="t" anchorCtr="0">
+            <a:noAutofit/>
+          </a:bodyPr>
+          <a:lstStyle/>
+          <a:p>
+            <a:pPr marL="0" lvl="0" indent="0" algn="l" rtl="0">
+              <a:spcBef>
+                <a:spcPts val="0"/>
+              </a:spcBef>
+              <a:spcAft>
+                <a:spcPts val="0"/>
+              </a:spcAft>
+              <a:buNone/>
+            </a:pPr>
+            <a:endParaRPr/>
+          </a:p>
+        </p:txBody>
+      </p:sp>
+    </p:spTree>
+    <p:extLst>
+      <p:ext uri="{BB962C8B-B14F-4D97-AF65-F5344CB8AC3E}">
+        <p14:creationId xmlns:p14="http://schemas.microsoft.com/office/powerpoint/2010/main" val="1323322483"/>
+      </p:ext>
+    </p:extLst>
+  </p:cSld>
+  <p:clrMapOvr>
+    <a:masterClrMapping/>
+  </p:clrMapOvr>
+</p:notes>
+</file>
+
+<file path=ppt/notesSlides/notesSlide22.xml><?xml version="1.0" encoding="utf-8"?>
+<p:notes xmlns:a="http://schemas.openxmlformats.org/drawingml/2006/main" xmlns:r="http://schemas.openxmlformats.org/officeDocument/2006/relationships" xmlns:p="http://schemas.openxmlformats.org/presentationml/2006/main" showMasterSp="0" showMasterPhAnim="0">
+  <p:cSld>
+    <p:spTree>
+      <p:nvGrpSpPr>
+        <p:cNvPr id="1" name="Shape 701"/>
+        <p:cNvGrpSpPr/>
+        <p:nvPr/>
+      </p:nvGrpSpPr>
+      <p:grpSpPr>
+        <a:xfrm>
+          <a:off x="0" y="0"/>
+          <a:ext cx="0" cy="0"/>
+          <a:chOff x="0" y="0"/>
+          <a:chExt cx="0" cy="0"/>
+        </a:xfrm>
+      </p:grpSpPr>
+      <p:sp>
+        <p:nvSpPr>
+          <p:cNvPr id="702" name="Google Shape;702;g55e1ed11e4_0_339:notes"/>
+          <p:cNvSpPr>
+            <a:spLocks noGrp="1" noRot="1" noChangeAspect="1"/>
+          </p:cNvSpPr>
+          <p:nvPr>
+            <p:ph type="sldImg" idx="2"/>
+          </p:nvPr>
+        </p:nvSpPr>
+        <p:spPr>
+          <a:xfrm>
+            <a:off x="381000" y="685800"/>
+            <a:ext cx="6096000" cy="3429000"/>
+          </a:xfrm>
+          <a:custGeom>
+            <a:avLst/>
+            <a:gdLst/>
+            <a:ahLst/>
+            <a:cxnLst/>
+            <a:rect l="l" t="t" r="r" b="b"/>
+            <a:pathLst>
+              <a:path w="120000" h="120000" extrusionOk="0">
+                <a:moveTo>
+                  <a:pt x="0" y="0"/>
+                </a:moveTo>
+                <a:lnTo>
+                  <a:pt x="120000" y="0"/>
+                </a:lnTo>
+                <a:lnTo>
+                  <a:pt x="120000" y="120000"/>
+                </a:lnTo>
+                <a:lnTo>
+                  <a:pt x="0" y="120000"/>
+                </a:lnTo>
+                <a:close/>
+              </a:path>
+            </a:pathLst>
+          </a:custGeom>
+        </p:spPr>
+      </p:sp>
+      <p:sp>
+        <p:nvSpPr>
+          <p:cNvPr id="703" name="Google Shape;703;g55e1ed11e4_0_339:notes"/>
+          <p:cNvSpPr txBox="1">
+            <a:spLocks noGrp="1"/>
+          </p:cNvSpPr>
+          <p:nvPr>
+            <p:ph type="body" idx="1"/>
+          </p:nvPr>
+        </p:nvSpPr>
+        <p:spPr>
+          <a:xfrm>
+            <a:off x="685800" y="4343400"/>
+            <a:ext cx="5486400" cy="4114800"/>
+          </a:xfrm>
+          <a:prstGeom prst="rect">
+            <a:avLst/>
+          </a:prstGeom>
+        </p:spPr>
+        <p:txBody>
+          <a:bodyPr spcFirstLastPara="1" wrap="square" lIns="91425" tIns="91425" rIns="91425" bIns="91425" anchor="t" anchorCtr="0">
+            <a:noAutofit/>
+          </a:bodyPr>
+          <a:lstStyle/>
+          <a:p>
+            <a:pPr marL="0" lvl="0" indent="0" algn="l" rtl="0">
+              <a:spcBef>
+                <a:spcPts val="0"/>
+              </a:spcBef>
+              <a:spcAft>
+                <a:spcPts val="0"/>
+              </a:spcAft>
+              <a:buNone/>
+            </a:pPr>
+            <a:endParaRPr/>
+          </a:p>
+        </p:txBody>
+      </p:sp>
+    </p:spTree>
+  </p:cSld>
+  <p:clrMapOvr>
+    <a:masterClrMapping/>
+  </p:clrMapOvr>
+</p:notes>
+</file>
+
+<file path=ppt/notesSlides/notesSlide23.xml><?xml version="1.0" encoding="utf-8"?>
+<p:notes xmlns:a="http://schemas.openxmlformats.org/drawingml/2006/main" xmlns:r="http://schemas.openxmlformats.org/officeDocument/2006/relationships" xmlns:p="http://schemas.openxmlformats.org/presentationml/2006/main" showMasterSp="0" showMasterPhAnim="0">
+  <p:cSld>
+    <p:spTree>
+      <p:nvGrpSpPr>
+        <p:cNvPr id="1" name="Shape 701"/>
+        <p:cNvGrpSpPr/>
+        <p:nvPr/>
+      </p:nvGrpSpPr>
+      <p:grpSpPr>
+        <a:xfrm>
+          <a:off x="0" y="0"/>
+          <a:ext cx="0" cy="0"/>
+          <a:chOff x="0" y="0"/>
+          <a:chExt cx="0" cy="0"/>
+        </a:xfrm>
+      </p:grpSpPr>
+      <p:sp>
+        <p:nvSpPr>
+          <p:cNvPr id="702" name="Google Shape;702;g55e1ed11e4_0_339:notes"/>
+          <p:cNvSpPr>
+            <a:spLocks noGrp="1" noRot="1" noChangeAspect="1"/>
+          </p:cNvSpPr>
+          <p:nvPr>
+            <p:ph type="sldImg" idx="2"/>
+          </p:nvPr>
+        </p:nvSpPr>
+        <p:spPr>
+          <a:xfrm>
+            <a:off x="381000" y="685800"/>
+            <a:ext cx="6096000" cy="3429000"/>
+          </a:xfrm>
+          <a:custGeom>
+            <a:avLst/>
+            <a:gdLst/>
+            <a:ahLst/>
+            <a:cxnLst/>
+            <a:rect l="l" t="t" r="r" b="b"/>
+            <a:pathLst>
+              <a:path w="120000" h="120000" extrusionOk="0">
+                <a:moveTo>
+                  <a:pt x="0" y="0"/>
+                </a:moveTo>
+                <a:lnTo>
+                  <a:pt x="120000" y="0"/>
+                </a:lnTo>
+                <a:lnTo>
+                  <a:pt x="120000" y="120000"/>
+                </a:lnTo>
+                <a:lnTo>
+                  <a:pt x="0" y="120000"/>
+                </a:lnTo>
+                <a:close/>
+              </a:path>
+            </a:pathLst>
+          </a:custGeom>
+        </p:spPr>
+      </p:sp>
+      <p:sp>
+        <p:nvSpPr>
+          <p:cNvPr id="703" name="Google Shape;703;g55e1ed11e4_0_339:notes"/>
+          <p:cNvSpPr txBox="1">
+            <a:spLocks noGrp="1"/>
+          </p:cNvSpPr>
+          <p:nvPr>
+            <p:ph type="body" idx="1"/>
+          </p:nvPr>
+        </p:nvSpPr>
+        <p:spPr>
+          <a:xfrm>
+            <a:off x="685800" y="4343400"/>
+            <a:ext cx="5486400" cy="4114800"/>
+          </a:xfrm>
+          <a:prstGeom prst="rect">
+            <a:avLst/>
+          </a:prstGeom>
+        </p:spPr>
+        <p:txBody>
+          <a:bodyPr spcFirstLastPara="1" wrap="square" lIns="91425" tIns="91425" rIns="91425" bIns="91425" anchor="t" anchorCtr="0">
+            <a:noAutofit/>
+          </a:bodyPr>
+          <a:lstStyle/>
+          <a:p>
+            <a:pPr marL="0" lvl="0" indent="0" algn="l" rtl="0">
+              <a:spcBef>
+                <a:spcPts val="0"/>
+              </a:spcBef>
+              <a:spcAft>
+                <a:spcPts val="0"/>
+              </a:spcAft>
+              <a:buNone/>
+            </a:pPr>
+            <a:endParaRPr/>
+          </a:p>
+        </p:txBody>
+      </p:sp>
+    </p:spTree>
+    <p:extLst>
+      <p:ext uri="{BB962C8B-B14F-4D97-AF65-F5344CB8AC3E}">
+        <p14:creationId xmlns:p14="http://schemas.microsoft.com/office/powerpoint/2010/main" val="1282658991"/>
+      </p:ext>
+    </p:extLst>
   </p:cSld>
   <p:clrMapOvr>
     <a:masterClrMapping/>
@@ -26875,6 +27755,2758 @@
               <a:buNone/>
             </a:pPr>
             <a:r>
+              <a:rPr lang="es" sz="3200" dirty="0">
+                <a:solidFill>
+                  <a:schemeClr val="accent1">
+                    <a:lumMod val="75000"/>
+                  </a:schemeClr>
+                </a:solidFill>
+              </a:rPr>
+              <a:t>Step 1: </a:t>
+            </a:r>
+            <a:r>
+              <a:rPr lang="en-US" sz="3200" dirty="0">
+                <a:solidFill>
+                  <a:schemeClr val="accent1">
+                    <a:lumMod val="75000"/>
+                  </a:schemeClr>
+                </a:solidFill>
+              </a:rPr>
+              <a:t>Identified the stationarity of the time series</a:t>
+            </a:r>
+            <a:endParaRPr sz="3200" dirty="0">
+              <a:solidFill>
+                <a:schemeClr val="accent1">
+                  <a:lumMod val="75000"/>
+                </a:schemeClr>
+              </a:solidFill>
+            </a:endParaRPr>
+          </a:p>
+        </p:txBody>
+      </p:sp>
+      <p:pic>
+        <p:nvPicPr>
+          <p:cNvPr id="3" name="Picture 2">
+            <a:extLst>
+              <a:ext uri="{FF2B5EF4-FFF2-40B4-BE49-F238E27FC236}">
+                <a16:creationId xmlns:a16="http://schemas.microsoft.com/office/drawing/2014/main" id="{4427030E-EE88-915F-A2CB-1D2477F80566}"/>
+              </a:ext>
+            </a:extLst>
+          </p:cNvPr>
+          <p:cNvPicPr>
+            <a:picLocks noChangeAspect="1"/>
+          </p:cNvPicPr>
+          <p:nvPr/>
+        </p:nvPicPr>
+        <p:blipFill>
+          <a:blip r:embed="rId3"/>
+          <a:stretch>
+            <a:fillRect/>
+          </a:stretch>
+        </p:blipFill>
+        <p:spPr>
+          <a:xfrm>
+            <a:off x="278939" y="1302780"/>
+            <a:ext cx="5177049" cy="2979660"/>
+          </a:xfrm>
+          <a:prstGeom prst="rect">
+            <a:avLst/>
+          </a:prstGeom>
+          <a:solidFill>
+            <a:srgbClr val="FFFFFF">
+              <a:shade val="85000"/>
+            </a:srgbClr>
+          </a:solidFill>
+          <a:ln w="88900" cap="sq">
+            <a:solidFill>
+              <a:srgbClr val="FFFFFF"/>
+            </a:solidFill>
+            <a:miter lim="800000"/>
+          </a:ln>
+          <a:effectLst>
+            <a:outerShdw blurRad="55000" dist="18000" dir="5400000" algn="tl" rotWithShape="0">
+              <a:srgbClr val="000000">
+                <a:alpha val="40000"/>
+              </a:srgbClr>
+            </a:outerShdw>
+          </a:effectLst>
+          <a:scene3d>
+            <a:camera prst="orthographicFront"/>
+            <a:lightRig rig="twoPt" dir="t">
+              <a:rot lat="0" lon="0" rev="7200000"/>
+            </a:lightRig>
+          </a:scene3d>
+          <a:sp3d>
+            <a:bevelT w="25400" h="19050"/>
+            <a:contourClr>
+              <a:srgbClr val="FFFFFF"/>
+            </a:contourClr>
+          </a:sp3d>
+        </p:spPr>
+      </p:pic>
+      <p:sp>
+        <p:nvSpPr>
+          <p:cNvPr id="5" name="Google Shape;400;p17">
+            <a:extLst>
+              <a:ext uri="{FF2B5EF4-FFF2-40B4-BE49-F238E27FC236}">
+                <a16:creationId xmlns:a16="http://schemas.microsoft.com/office/drawing/2014/main" id="{21082D92-998B-A61E-DE7A-4D5C126F9380}"/>
+              </a:ext>
+            </a:extLst>
+          </p:cNvPr>
+          <p:cNvSpPr txBox="1">
+            <a:spLocks/>
+          </p:cNvSpPr>
+          <p:nvPr/>
+        </p:nvSpPr>
+        <p:spPr>
+          <a:xfrm>
+            <a:off x="159474" y="4404359"/>
+            <a:ext cx="4738107" cy="449579"/>
+          </a:xfrm>
+          <a:prstGeom prst="rect">
+            <a:avLst/>
+          </a:prstGeom>
+          <a:noFill/>
+          <a:ln>
+            <a:noFill/>
+          </a:ln>
+        </p:spPr>
+        <p:txBody>
+          <a:bodyPr spcFirstLastPara="1" wrap="square" lIns="91425" tIns="91425" rIns="91425" bIns="91425" anchor="b" anchorCtr="0">
+            <a:noAutofit/>
+          </a:bodyPr>
+          <a:lstStyle>
+            <a:defPPr marR="0" lvl="0" algn="l" rtl="0">
+              <a:lnSpc>
+                <a:spcPct val="100000"/>
+              </a:lnSpc>
+              <a:spcBef>
+                <a:spcPts val="0"/>
+              </a:spcBef>
+              <a:spcAft>
+                <a:spcPts val="0"/>
+              </a:spcAft>
+            </a:defPPr>
+            <a:lvl1pPr marR="0" lvl="0" algn="r" rtl="0">
+              <a:lnSpc>
+                <a:spcPct val="100000"/>
+              </a:lnSpc>
+              <a:spcBef>
+                <a:spcPts val="0"/>
+              </a:spcBef>
+              <a:spcAft>
+                <a:spcPts val="0"/>
+              </a:spcAft>
+              <a:buClr>
+                <a:schemeClr val="lt1"/>
+              </a:buClr>
+              <a:buSzPts val="4800"/>
+              <a:buFont typeface="Barlow Condensed SemiBold"/>
+              <a:buNone/>
+              <a:defRPr sz="4800" b="0" i="0" u="none" strike="noStrike" cap="none">
+                <a:solidFill>
+                  <a:schemeClr val="lt1"/>
+                </a:solidFill>
+                <a:latin typeface="Barlow Condensed SemiBold"/>
+                <a:ea typeface="Barlow Condensed SemiBold"/>
+                <a:cs typeface="Barlow Condensed SemiBold"/>
+                <a:sym typeface="Barlow Condensed SemiBold"/>
+              </a:defRPr>
+            </a:lvl1pPr>
+            <a:lvl2pPr marR="0" lvl="1" algn="r" rtl="0">
+              <a:lnSpc>
+                <a:spcPct val="100000"/>
+              </a:lnSpc>
+              <a:spcBef>
+                <a:spcPts val="0"/>
+              </a:spcBef>
+              <a:spcAft>
+                <a:spcPts val="0"/>
+              </a:spcAft>
+              <a:buClr>
+                <a:schemeClr val="lt1"/>
+              </a:buClr>
+              <a:buSzPts val="1600"/>
+              <a:buFont typeface="Barlow Condensed SemiBold"/>
+              <a:buNone/>
+              <a:defRPr sz="1600" b="0" i="0" u="none" strike="noStrike" cap="none">
+                <a:solidFill>
+                  <a:schemeClr val="lt1"/>
+                </a:solidFill>
+                <a:latin typeface="Barlow Condensed SemiBold"/>
+                <a:ea typeface="Barlow Condensed SemiBold"/>
+                <a:cs typeface="Barlow Condensed SemiBold"/>
+                <a:sym typeface="Barlow Condensed SemiBold"/>
+              </a:defRPr>
+            </a:lvl2pPr>
+            <a:lvl3pPr marR="0" lvl="2" algn="r" rtl="0">
+              <a:lnSpc>
+                <a:spcPct val="100000"/>
+              </a:lnSpc>
+              <a:spcBef>
+                <a:spcPts val="0"/>
+              </a:spcBef>
+              <a:spcAft>
+                <a:spcPts val="0"/>
+              </a:spcAft>
+              <a:buClr>
+                <a:schemeClr val="lt1"/>
+              </a:buClr>
+              <a:buSzPts val="1600"/>
+              <a:buFont typeface="Barlow Condensed SemiBold"/>
+              <a:buNone/>
+              <a:defRPr sz="1600" b="0" i="0" u="none" strike="noStrike" cap="none">
+                <a:solidFill>
+                  <a:schemeClr val="lt1"/>
+                </a:solidFill>
+                <a:latin typeface="Barlow Condensed SemiBold"/>
+                <a:ea typeface="Barlow Condensed SemiBold"/>
+                <a:cs typeface="Barlow Condensed SemiBold"/>
+                <a:sym typeface="Barlow Condensed SemiBold"/>
+              </a:defRPr>
+            </a:lvl3pPr>
+            <a:lvl4pPr marR="0" lvl="3" algn="r" rtl="0">
+              <a:lnSpc>
+                <a:spcPct val="100000"/>
+              </a:lnSpc>
+              <a:spcBef>
+                <a:spcPts val="0"/>
+              </a:spcBef>
+              <a:spcAft>
+                <a:spcPts val="0"/>
+              </a:spcAft>
+              <a:buClr>
+                <a:schemeClr val="lt1"/>
+              </a:buClr>
+              <a:buSzPts val="1600"/>
+              <a:buFont typeface="Barlow Condensed SemiBold"/>
+              <a:buNone/>
+              <a:defRPr sz="1600" b="0" i="0" u="none" strike="noStrike" cap="none">
+                <a:solidFill>
+                  <a:schemeClr val="lt1"/>
+                </a:solidFill>
+                <a:latin typeface="Barlow Condensed SemiBold"/>
+                <a:ea typeface="Barlow Condensed SemiBold"/>
+                <a:cs typeface="Barlow Condensed SemiBold"/>
+                <a:sym typeface="Barlow Condensed SemiBold"/>
+              </a:defRPr>
+            </a:lvl4pPr>
+            <a:lvl5pPr marR="0" lvl="4" algn="r" rtl="0">
+              <a:lnSpc>
+                <a:spcPct val="100000"/>
+              </a:lnSpc>
+              <a:spcBef>
+                <a:spcPts val="0"/>
+              </a:spcBef>
+              <a:spcAft>
+                <a:spcPts val="0"/>
+              </a:spcAft>
+              <a:buClr>
+                <a:schemeClr val="lt1"/>
+              </a:buClr>
+              <a:buSzPts val="1600"/>
+              <a:buFont typeface="Barlow Condensed SemiBold"/>
+              <a:buNone/>
+              <a:defRPr sz="1600" b="0" i="0" u="none" strike="noStrike" cap="none">
+                <a:solidFill>
+                  <a:schemeClr val="lt1"/>
+                </a:solidFill>
+                <a:latin typeface="Barlow Condensed SemiBold"/>
+                <a:ea typeface="Barlow Condensed SemiBold"/>
+                <a:cs typeface="Barlow Condensed SemiBold"/>
+                <a:sym typeface="Barlow Condensed SemiBold"/>
+              </a:defRPr>
+            </a:lvl5pPr>
+            <a:lvl6pPr marR="0" lvl="5" algn="r" rtl="0">
+              <a:lnSpc>
+                <a:spcPct val="100000"/>
+              </a:lnSpc>
+              <a:spcBef>
+                <a:spcPts val="0"/>
+              </a:spcBef>
+              <a:spcAft>
+                <a:spcPts val="0"/>
+              </a:spcAft>
+              <a:buClr>
+                <a:schemeClr val="lt1"/>
+              </a:buClr>
+              <a:buSzPts val="1600"/>
+              <a:buFont typeface="Barlow Condensed SemiBold"/>
+              <a:buNone/>
+              <a:defRPr sz="1600" b="0" i="0" u="none" strike="noStrike" cap="none">
+                <a:solidFill>
+                  <a:schemeClr val="lt1"/>
+                </a:solidFill>
+                <a:latin typeface="Barlow Condensed SemiBold"/>
+                <a:ea typeface="Barlow Condensed SemiBold"/>
+                <a:cs typeface="Barlow Condensed SemiBold"/>
+                <a:sym typeface="Barlow Condensed SemiBold"/>
+              </a:defRPr>
+            </a:lvl6pPr>
+            <a:lvl7pPr marR="0" lvl="6" algn="r" rtl="0">
+              <a:lnSpc>
+                <a:spcPct val="100000"/>
+              </a:lnSpc>
+              <a:spcBef>
+                <a:spcPts val="0"/>
+              </a:spcBef>
+              <a:spcAft>
+                <a:spcPts val="0"/>
+              </a:spcAft>
+              <a:buClr>
+                <a:schemeClr val="lt1"/>
+              </a:buClr>
+              <a:buSzPts val="1600"/>
+              <a:buFont typeface="Barlow Condensed SemiBold"/>
+              <a:buNone/>
+              <a:defRPr sz="1600" b="0" i="0" u="none" strike="noStrike" cap="none">
+                <a:solidFill>
+                  <a:schemeClr val="lt1"/>
+                </a:solidFill>
+                <a:latin typeface="Barlow Condensed SemiBold"/>
+                <a:ea typeface="Barlow Condensed SemiBold"/>
+                <a:cs typeface="Barlow Condensed SemiBold"/>
+                <a:sym typeface="Barlow Condensed SemiBold"/>
+              </a:defRPr>
+            </a:lvl7pPr>
+            <a:lvl8pPr marR="0" lvl="7" algn="r" rtl="0">
+              <a:lnSpc>
+                <a:spcPct val="100000"/>
+              </a:lnSpc>
+              <a:spcBef>
+                <a:spcPts val="0"/>
+              </a:spcBef>
+              <a:spcAft>
+                <a:spcPts val="0"/>
+              </a:spcAft>
+              <a:buClr>
+                <a:schemeClr val="lt1"/>
+              </a:buClr>
+              <a:buSzPts val="1600"/>
+              <a:buFont typeface="Barlow Condensed SemiBold"/>
+              <a:buNone/>
+              <a:defRPr sz="1600" b="0" i="0" u="none" strike="noStrike" cap="none">
+                <a:solidFill>
+                  <a:schemeClr val="lt1"/>
+                </a:solidFill>
+                <a:latin typeface="Barlow Condensed SemiBold"/>
+                <a:ea typeface="Barlow Condensed SemiBold"/>
+                <a:cs typeface="Barlow Condensed SemiBold"/>
+                <a:sym typeface="Barlow Condensed SemiBold"/>
+              </a:defRPr>
+            </a:lvl8pPr>
+            <a:lvl9pPr marR="0" lvl="8" algn="r" rtl="0">
+              <a:lnSpc>
+                <a:spcPct val="100000"/>
+              </a:lnSpc>
+              <a:spcBef>
+                <a:spcPts val="0"/>
+              </a:spcBef>
+              <a:spcAft>
+                <a:spcPts val="0"/>
+              </a:spcAft>
+              <a:buClr>
+                <a:schemeClr val="lt1"/>
+              </a:buClr>
+              <a:buSzPts val="1600"/>
+              <a:buFont typeface="Barlow Condensed SemiBold"/>
+              <a:buNone/>
+              <a:defRPr sz="1600" b="0" i="0" u="none" strike="noStrike" cap="none">
+                <a:solidFill>
+                  <a:schemeClr val="lt1"/>
+                </a:solidFill>
+                <a:latin typeface="Barlow Condensed SemiBold"/>
+                <a:ea typeface="Barlow Condensed SemiBold"/>
+                <a:cs typeface="Barlow Condensed SemiBold"/>
+                <a:sym typeface="Barlow Condensed SemiBold"/>
+              </a:defRPr>
+            </a:lvl9pPr>
+          </a:lstStyle>
+          <a:p>
+            <a:r>
+              <a:rPr lang="en-US" sz="1600" dirty="0">
+                <a:latin typeface="Barlow Condensed Medium"/>
+                <a:ea typeface="Barlow Condensed Medium"/>
+                <a:cs typeface="Barlow Condensed Medium"/>
+                <a:sym typeface="Barlow Condensed Medium"/>
+              </a:rPr>
+              <a:t>P-Value &gt; 0.05 implies data is not stationary</a:t>
+            </a:r>
+            <a:endParaRPr lang="en-CA" sz="1600" dirty="0">
+              <a:latin typeface="Barlow Condensed Medium"/>
+              <a:ea typeface="Barlow Condensed Medium"/>
+              <a:cs typeface="Barlow Condensed Medium"/>
+              <a:sym typeface="Barlow Condensed Medium"/>
+            </a:endParaRPr>
+          </a:p>
+        </p:txBody>
+      </p:sp>
+    </p:spTree>
+    <p:extLst>
+      <p:ext uri="{BB962C8B-B14F-4D97-AF65-F5344CB8AC3E}">
+        <p14:creationId xmlns:p14="http://schemas.microsoft.com/office/powerpoint/2010/main" val="312144122"/>
+      </p:ext>
+    </p:extLst>
+  </p:cSld>
+  <p:clrMapOvr>
+    <a:masterClrMapping/>
+  </p:clrMapOvr>
+</p:sld>
+</file>
+
+<file path=ppt/slides/slide11.xml><?xml version="1.0" encoding="utf-8"?>
+<p:sld xmlns:a="http://schemas.openxmlformats.org/drawingml/2006/main" xmlns:r="http://schemas.openxmlformats.org/officeDocument/2006/relationships" xmlns:p="http://schemas.openxmlformats.org/presentationml/2006/main">
+  <p:cSld>
+    <p:spTree>
+      <p:nvGrpSpPr>
+        <p:cNvPr id="1" name="Shape 363"/>
+        <p:cNvGrpSpPr/>
+        <p:nvPr/>
+      </p:nvGrpSpPr>
+      <p:grpSpPr>
+        <a:xfrm>
+          <a:off x="0" y="0"/>
+          <a:ext cx="0" cy="0"/>
+          <a:chOff x="0" y="0"/>
+          <a:chExt cx="0" cy="0"/>
+        </a:xfrm>
+      </p:grpSpPr>
+      <p:sp>
+        <p:nvSpPr>
+          <p:cNvPr id="364" name="Google Shape;364;p15"/>
+          <p:cNvSpPr txBox="1">
+            <a:spLocks noGrp="1"/>
+          </p:cNvSpPr>
+          <p:nvPr>
+            <p:ph type="ctrTitle"/>
+          </p:nvPr>
+        </p:nvSpPr>
+        <p:spPr>
+          <a:xfrm>
+            <a:off x="5181600" y="1360410"/>
+            <a:ext cx="3875476" cy="1211340"/>
+          </a:xfrm>
+          <a:prstGeom prst="rect">
+            <a:avLst/>
+          </a:prstGeom>
+        </p:spPr>
+        <p:txBody>
+          <a:bodyPr spcFirstLastPara="1" wrap="square" lIns="91425" tIns="91425" rIns="91425" bIns="91425" anchor="b" anchorCtr="0">
+            <a:noAutofit/>
+          </a:bodyPr>
+          <a:lstStyle/>
+          <a:p>
+            <a:pPr marL="0" lvl="0" indent="0" algn="r" rtl="0">
+              <a:spcBef>
+                <a:spcPts val="0"/>
+              </a:spcBef>
+              <a:spcAft>
+                <a:spcPts val="0"/>
+              </a:spcAft>
+              <a:buNone/>
+            </a:pPr>
+            <a:r>
+              <a:rPr lang="es" sz="3200" dirty="0">
+                <a:solidFill>
+                  <a:schemeClr val="accent1">
+                    <a:lumMod val="75000"/>
+                  </a:schemeClr>
+                </a:solidFill>
+              </a:rPr>
+              <a:t>Step 2: </a:t>
+            </a:r>
+            <a:r>
+              <a:rPr lang="en-CA" sz="3200" dirty="0">
+                <a:solidFill>
+                  <a:schemeClr val="accent1">
+                    <a:lumMod val="75000"/>
+                  </a:schemeClr>
+                </a:solidFill>
+              </a:rPr>
+              <a:t>Suggested the initial parameters</a:t>
+            </a:r>
+            <a:endParaRPr sz="3200" dirty="0">
+              <a:solidFill>
+                <a:schemeClr val="accent1">
+                  <a:lumMod val="75000"/>
+                </a:schemeClr>
+              </a:solidFill>
+            </a:endParaRPr>
+          </a:p>
+        </p:txBody>
+      </p:sp>
+      <p:pic>
+        <p:nvPicPr>
+          <p:cNvPr id="4" name="Picture 3">
+            <a:extLst>
+              <a:ext uri="{FF2B5EF4-FFF2-40B4-BE49-F238E27FC236}">
+                <a16:creationId xmlns:a16="http://schemas.microsoft.com/office/drawing/2014/main" id="{FA82A56C-0957-720D-8BFC-91263ADAE633}"/>
+              </a:ext>
+            </a:extLst>
+          </p:cNvPr>
+          <p:cNvPicPr>
+            <a:picLocks noChangeAspect="1"/>
+          </p:cNvPicPr>
+          <p:nvPr/>
+        </p:nvPicPr>
+        <p:blipFill>
+          <a:blip r:embed="rId3"/>
+          <a:stretch>
+            <a:fillRect/>
+          </a:stretch>
+        </p:blipFill>
+        <p:spPr>
+          <a:xfrm>
+            <a:off x="101139" y="2171379"/>
+            <a:ext cx="6031936" cy="2639396"/>
+          </a:xfrm>
+          <a:prstGeom prst="rect">
+            <a:avLst/>
+          </a:prstGeom>
+        </p:spPr>
+      </p:pic>
+      <p:sp>
+        <p:nvSpPr>
+          <p:cNvPr id="5" name="Google Shape;400;p17">
+            <a:extLst>
+              <a:ext uri="{FF2B5EF4-FFF2-40B4-BE49-F238E27FC236}">
+                <a16:creationId xmlns:a16="http://schemas.microsoft.com/office/drawing/2014/main" id="{CFACF1CC-E61D-81AC-6636-5A674B0EE4B9}"/>
+              </a:ext>
+            </a:extLst>
+          </p:cNvPr>
+          <p:cNvSpPr txBox="1">
+            <a:spLocks/>
+          </p:cNvSpPr>
+          <p:nvPr/>
+        </p:nvSpPr>
+        <p:spPr>
+          <a:xfrm>
+            <a:off x="4297134" y="2788919"/>
+            <a:ext cx="4738107" cy="449579"/>
+          </a:xfrm>
+          <a:prstGeom prst="rect">
+            <a:avLst/>
+          </a:prstGeom>
+          <a:noFill/>
+          <a:ln>
+            <a:noFill/>
+          </a:ln>
+        </p:spPr>
+        <p:txBody>
+          <a:bodyPr spcFirstLastPara="1" wrap="square" lIns="91425" tIns="91425" rIns="91425" bIns="91425" anchor="b" anchorCtr="0">
+            <a:noAutofit/>
+          </a:bodyPr>
+          <a:lstStyle>
+            <a:defPPr marR="0" lvl="0" algn="l" rtl="0">
+              <a:lnSpc>
+                <a:spcPct val="100000"/>
+              </a:lnSpc>
+              <a:spcBef>
+                <a:spcPts val="0"/>
+              </a:spcBef>
+              <a:spcAft>
+                <a:spcPts val="0"/>
+              </a:spcAft>
+            </a:defPPr>
+            <a:lvl1pPr marR="0" lvl="0" algn="r" rtl="0">
+              <a:lnSpc>
+                <a:spcPct val="100000"/>
+              </a:lnSpc>
+              <a:spcBef>
+                <a:spcPts val="0"/>
+              </a:spcBef>
+              <a:spcAft>
+                <a:spcPts val="0"/>
+              </a:spcAft>
+              <a:buClr>
+                <a:schemeClr val="lt1"/>
+              </a:buClr>
+              <a:buSzPts val="4800"/>
+              <a:buFont typeface="Barlow Condensed SemiBold"/>
+              <a:buNone/>
+              <a:defRPr sz="4800" b="0" i="0" u="none" strike="noStrike" cap="none">
+                <a:solidFill>
+                  <a:schemeClr val="lt1"/>
+                </a:solidFill>
+                <a:latin typeface="Barlow Condensed SemiBold"/>
+                <a:ea typeface="Barlow Condensed SemiBold"/>
+                <a:cs typeface="Barlow Condensed SemiBold"/>
+                <a:sym typeface="Barlow Condensed SemiBold"/>
+              </a:defRPr>
+            </a:lvl1pPr>
+            <a:lvl2pPr marR="0" lvl="1" algn="r" rtl="0">
+              <a:lnSpc>
+                <a:spcPct val="100000"/>
+              </a:lnSpc>
+              <a:spcBef>
+                <a:spcPts val="0"/>
+              </a:spcBef>
+              <a:spcAft>
+                <a:spcPts val="0"/>
+              </a:spcAft>
+              <a:buClr>
+                <a:schemeClr val="lt1"/>
+              </a:buClr>
+              <a:buSzPts val="1600"/>
+              <a:buFont typeface="Barlow Condensed SemiBold"/>
+              <a:buNone/>
+              <a:defRPr sz="1600" b="0" i="0" u="none" strike="noStrike" cap="none">
+                <a:solidFill>
+                  <a:schemeClr val="lt1"/>
+                </a:solidFill>
+                <a:latin typeface="Barlow Condensed SemiBold"/>
+                <a:ea typeface="Barlow Condensed SemiBold"/>
+                <a:cs typeface="Barlow Condensed SemiBold"/>
+                <a:sym typeface="Barlow Condensed SemiBold"/>
+              </a:defRPr>
+            </a:lvl2pPr>
+            <a:lvl3pPr marR="0" lvl="2" algn="r" rtl="0">
+              <a:lnSpc>
+                <a:spcPct val="100000"/>
+              </a:lnSpc>
+              <a:spcBef>
+                <a:spcPts val="0"/>
+              </a:spcBef>
+              <a:spcAft>
+                <a:spcPts val="0"/>
+              </a:spcAft>
+              <a:buClr>
+                <a:schemeClr val="lt1"/>
+              </a:buClr>
+              <a:buSzPts val="1600"/>
+              <a:buFont typeface="Barlow Condensed SemiBold"/>
+              <a:buNone/>
+              <a:defRPr sz="1600" b="0" i="0" u="none" strike="noStrike" cap="none">
+                <a:solidFill>
+                  <a:schemeClr val="lt1"/>
+                </a:solidFill>
+                <a:latin typeface="Barlow Condensed SemiBold"/>
+                <a:ea typeface="Barlow Condensed SemiBold"/>
+                <a:cs typeface="Barlow Condensed SemiBold"/>
+                <a:sym typeface="Barlow Condensed SemiBold"/>
+              </a:defRPr>
+            </a:lvl3pPr>
+            <a:lvl4pPr marR="0" lvl="3" algn="r" rtl="0">
+              <a:lnSpc>
+                <a:spcPct val="100000"/>
+              </a:lnSpc>
+              <a:spcBef>
+                <a:spcPts val="0"/>
+              </a:spcBef>
+              <a:spcAft>
+                <a:spcPts val="0"/>
+              </a:spcAft>
+              <a:buClr>
+                <a:schemeClr val="lt1"/>
+              </a:buClr>
+              <a:buSzPts val="1600"/>
+              <a:buFont typeface="Barlow Condensed SemiBold"/>
+              <a:buNone/>
+              <a:defRPr sz="1600" b="0" i="0" u="none" strike="noStrike" cap="none">
+                <a:solidFill>
+                  <a:schemeClr val="lt1"/>
+                </a:solidFill>
+                <a:latin typeface="Barlow Condensed SemiBold"/>
+                <a:ea typeface="Barlow Condensed SemiBold"/>
+                <a:cs typeface="Barlow Condensed SemiBold"/>
+                <a:sym typeface="Barlow Condensed SemiBold"/>
+              </a:defRPr>
+            </a:lvl4pPr>
+            <a:lvl5pPr marR="0" lvl="4" algn="r" rtl="0">
+              <a:lnSpc>
+                <a:spcPct val="100000"/>
+              </a:lnSpc>
+              <a:spcBef>
+                <a:spcPts val="0"/>
+              </a:spcBef>
+              <a:spcAft>
+                <a:spcPts val="0"/>
+              </a:spcAft>
+              <a:buClr>
+                <a:schemeClr val="lt1"/>
+              </a:buClr>
+              <a:buSzPts val="1600"/>
+              <a:buFont typeface="Barlow Condensed SemiBold"/>
+              <a:buNone/>
+              <a:defRPr sz="1600" b="0" i="0" u="none" strike="noStrike" cap="none">
+                <a:solidFill>
+                  <a:schemeClr val="lt1"/>
+                </a:solidFill>
+                <a:latin typeface="Barlow Condensed SemiBold"/>
+                <a:ea typeface="Barlow Condensed SemiBold"/>
+                <a:cs typeface="Barlow Condensed SemiBold"/>
+                <a:sym typeface="Barlow Condensed SemiBold"/>
+              </a:defRPr>
+            </a:lvl5pPr>
+            <a:lvl6pPr marR="0" lvl="5" algn="r" rtl="0">
+              <a:lnSpc>
+                <a:spcPct val="100000"/>
+              </a:lnSpc>
+              <a:spcBef>
+                <a:spcPts val="0"/>
+              </a:spcBef>
+              <a:spcAft>
+                <a:spcPts val="0"/>
+              </a:spcAft>
+              <a:buClr>
+                <a:schemeClr val="lt1"/>
+              </a:buClr>
+              <a:buSzPts val="1600"/>
+              <a:buFont typeface="Barlow Condensed SemiBold"/>
+              <a:buNone/>
+              <a:defRPr sz="1600" b="0" i="0" u="none" strike="noStrike" cap="none">
+                <a:solidFill>
+                  <a:schemeClr val="lt1"/>
+                </a:solidFill>
+                <a:latin typeface="Barlow Condensed SemiBold"/>
+                <a:ea typeface="Barlow Condensed SemiBold"/>
+                <a:cs typeface="Barlow Condensed SemiBold"/>
+                <a:sym typeface="Barlow Condensed SemiBold"/>
+              </a:defRPr>
+            </a:lvl6pPr>
+            <a:lvl7pPr marR="0" lvl="6" algn="r" rtl="0">
+              <a:lnSpc>
+                <a:spcPct val="100000"/>
+              </a:lnSpc>
+              <a:spcBef>
+                <a:spcPts val="0"/>
+              </a:spcBef>
+              <a:spcAft>
+                <a:spcPts val="0"/>
+              </a:spcAft>
+              <a:buClr>
+                <a:schemeClr val="lt1"/>
+              </a:buClr>
+              <a:buSzPts val="1600"/>
+              <a:buFont typeface="Barlow Condensed SemiBold"/>
+              <a:buNone/>
+              <a:defRPr sz="1600" b="0" i="0" u="none" strike="noStrike" cap="none">
+                <a:solidFill>
+                  <a:schemeClr val="lt1"/>
+                </a:solidFill>
+                <a:latin typeface="Barlow Condensed SemiBold"/>
+                <a:ea typeface="Barlow Condensed SemiBold"/>
+                <a:cs typeface="Barlow Condensed SemiBold"/>
+                <a:sym typeface="Barlow Condensed SemiBold"/>
+              </a:defRPr>
+            </a:lvl7pPr>
+            <a:lvl8pPr marR="0" lvl="7" algn="r" rtl="0">
+              <a:lnSpc>
+                <a:spcPct val="100000"/>
+              </a:lnSpc>
+              <a:spcBef>
+                <a:spcPts val="0"/>
+              </a:spcBef>
+              <a:spcAft>
+                <a:spcPts val="0"/>
+              </a:spcAft>
+              <a:buClr>
+                <a:schemeClr val="lt1"/>
+              </a:buClr>
+              <a:buSzPts val="1600"/>
+              <a:buFont typeface="Barlow Condensed SemiBold"/>
+              <a:buNone/>
+              <a:defRPr sz="1600" b="0" i="0" u="none" strike="noStrike" cap="none">
+                <a:solidFill>
+                  <a:schemeClr val="lt1"/>
+                </a:solidFill>
+                <a:latin typeface="Barlow Condensed SemiBold"/>
+                <a:ea typeface="Barlow Condensed SemiBold"/>
+                <a:cs typeface="Barlow Condensed SemiBold"/>
+                <a:sym typeface="Barlow Condensed SemiBold"/>
+              </a:defRPr>
+            </a:lvl8pPr>
+            <a:lvl9pPr marR="0" lvl="8" algn="r" rtl="0">
+              <a:lnSpc>
+                <a:spcPct val="100000"/>
+              </a:lnSpc>
+              <a:spcBef>
+                <a:spcPts val="0"/>
+              </a:spcBef>
+              <a:spcAft>
+                <a:spcPts val="0"/>
+              </a:spcAft>
+              <a:buClr>
+                <a:schemeClr val="lt1"/>
+              </a:buClr>
+              <a:buSzPts val="1600"/>
+              <a:buFont typeface="Barlow Condensed SemiBold"/>
+              <a:buNone/>
+              <a:defRPr sz="1600" b="0" i="0" u="none" strike="noStrike" cap="none">
+                <a:solidFill>
+                  <a:schemeClr val="lt1"/>
+                </a:solidFill>
+                <a:latin typeface="Barlow Condensed SemiBold"/>
+                <a:ea typeface="Barlow Condensed SemiBold"/>
+                <a:cs typeface="Barlow Condensed SemiBold"/>
+                <a:sym typeface="Barlow Condensed SemiBold"/>
+              </a:defRPr>
+            </a:lvl9pPr>
+          </a:lstStyle>
+          <a:p>
+            <a:r>
+              <a:rPr lang="en-US" sz="1600" dirty="0">
+                <a:latin typeface="Barlow Condensed Medium"/>
+                <a:ea typeface="Barlow Condensed Medium"/>
+                <a:cs typeface="Barlow Condensed Medium"/>
+                <a:sym typeface="Barlow Condensed Medium"/>
+              </a:rPr>
+              <a:t>Apply differencing analysis if needed</a:t>
+            </a:r>
+            <a:endParaRPr lang="en-CA" sz="1600" dirty="0">
+              <a:latin typeface="Barlow Condensed Medium"/>
+              <a:ea typeface="Barlow Condensed Medium"/>
+              <a:cs typeface="Barlow Condensed Medium"/>
+              <a:sym typeface="Barlow Condensed Medium"/>
+            </a:endParaRPr>
+          </a:p>
+        </p:txBody>
+      </p:sp>
+    </p:spTree>
+    <p:extLst>
+      <p:ext uri="{BB962C8B-B14F-4D97-AF65-F5344CB8AC3E}">
+        <p14:creationId xmlns:p14="http://schemas.microsoft.com/office/powerpoint/2010/main" val="1928320030"/>
+      </p:ext>
+    </p:extLst>
+  </p:cSld>
+  <p:clrMapOvr>
+    <a:masterClrMapping/>
+  </p:clrMapOvr>
+</p:sld>
+</file>
+
+<file path=ppt/slides/slide12.xml><?xml version="1.0" encoding="utf-8"?>
+<p:sld xmlns:a="http://schemas.openxmlformats.org/drawingml/2006/main" xmlns:r="http://schemas.openxmlformats.org/officeDocument/2006/relationships" xmlns:p="http://schemas.openxmlformats.org/presentationml/2006/main">
+  <p:cSld>
+    <p:spTree>
+      <p:nvGrpSpPr>
+        <p:cNvPr id="1" name="Shape 363"/>
+        <p:cNvGrpSpPr/>
+        <p:nvPr/>
+      </p:nvGrpSpPr>
+      <p:grpSpPr>
+        <a:xfrm>
+          <a:off x="0" y="0"/>
+          <a:ext cx="0" cy="0"/>
+          <a:chOff x="0" y="0"/>
+          <a:chExt cx="0" cy="0"/>
+        </a:xfrm>
+      </p:grpSpPr>
+      <p:sp>
+        <p:nvSpPr>
+          <p:cNvPr id="364" name="Google Shape;364;p15"/>
+          <p:cNvSpPr txBox="1">
+            <a:spLocks noGrp="1"/>
+          </p:cNvSpPr>
+          <p:nvPr>
+            <p:ph type="ctrTitle"/>
+          </p:nvPr>
+        </p:nvSpPr>
+        <p:spPr>
+          <a:xfrm>
+            <a:off x="4752109" y="1360410"/>
+            <a:ext cx="4304967" cy="1211340"/>
+          </a:xfrm>
+          <a:prstGeom prst="rect">
+            <a:avLst/>
+          </a:prstGeom>
+        </p:spPr>
+        <p:txBody>
+          <a:bodyPr spcFirstLastPara="1" wrap="square" lIns="91425" tIns="91425" rIns="91425" bIns="91425" anchor="b" anchorCtr="0">
+            <a:noAutofit/>
+          </a:bodyPr>
+          <a:lstStyle/>
+          <a:p>
+            <a:pPr marL="0" lvl="0" indent="0" algn="r" rtl="0">
+              <a:spcBef>
+                <a:spcPts val="0"/>
+              </a:spcBef>
+              <a:spcAft>
+                <a:spcPts val="0"/>
+              </a:spcAft>
+              <a:buNone/>
+            </a:pPr>
+            <a:r>
+              <a:rPr lang="es" sz="3200" dirty="0">
+                <a:solidFill>
+                  <a:schemeClr val="accent1">
+                    <a:lumMod val="75000"/>
+                  </a:schemeClr>
+                </a:solidFill>
+              </a:rPr>
+              <a:t>Step 3: </a:t>
+            </a:r>
+            <a:r>
+              <a:rPr lang="en-CA" sz="3200" dirty="0">
+                <a:solidFill>
+                  <a:schemeClr val="accent1">
+                    <a:lumMod val="75000"/>
+                  </a:schemeClr>
+                </a:solidFill>
+              </a:rPr>
+              <a:t>Generated the final parameters for the model</a:t>
+            </a:r>
+            <a:endParaRPr sz="3200" dirty="0">
+              <a:solidFill>
+                <a:schemeClr val="accent1">
+                  <a:lumMod val="75000"/>
+                </a:schemeClr>
+              </a:solidFill>
+            </a:endParaRPr>
+          </a:p>
+        </p:txBody>
+      </p:sp>
+      <p:sp>
+        <p:nvSpPr>
+          <p:cNvPr id="2" name="Google Shape;400;p17">
+            <a:extLst>
+              <a:ext uri="{FF2B5EF4-FFF2-40B4-BE49-F238E27FC236}">
+                <a16:creationId xmlns:a16="http://schemas.microsoft.com/office/drawing/2014/main" id="{1E6B5568-9937-A596-20A7-74EDF6B26B23}"/>
+              </a:ext>
+            </a:extLst>
+          </p:cNvPr>
+          <p:cNvSpPr txBox="1">
+            <a:spLocks/>
+          </p:cNvSpPr>
+          <p:nvPr/>
+        </p:nvSpPr>
+        <p:spPr>
+          <a:xfrm>
+            <a:off x="4297134" y="2788919"/>
+            <a:ext cx="4738107" cy="449579"/>
+          </a:xfrm>
+          <a:prstGeom prst="rect">
+            <a:avLst/>
+          </a:prstGeom>
+          <a:noFill/>
+          <a:ln>
+            <a:noFill/>
+          </a:ln>
+        </p:spPr>
+        <p:txBody>
+          <a:bodyPr spcFirstLastPara="1" wrap="square" lIns="91425" tIns="91425" rIns="91425" bIns="91425" anchor="b" anchorCtr="0">
+            <a:noAutofit/>
+          </a:bodyPr>
+          <a:lstStyle>
+            <a:defPPr marR="0" lvl="0" algn="l" rtl="0">
+              <a:lnSpc>
+                <a:spcPct val="100000"/>
+              </a:lnSpc>
+              <a:spcBef>
+                <a:spcPts val="0"/>
+              </a:spcBef>
+              <a:spcAft>
+                <a:spcPts val="0"/>
+              </a:spcAft>
+            </a:defPPr>
+            <a:lvl1pPr marR="0" lvl="0" algn="r" rtl="0">
+              <a:lnSpc>
+                <a:spcPct val="100000"/>
+              </a:lnSpc>
+              <a:spcBef>
+                <a:spcPts val="0"/>
+              </a:spcBef>
+              <a:spcAft>
+                <a:spcPts val="0"/>
+              </a:spcAft>
+              <a:buClr>
+                <a:schemeClr val="lt1"/>
+              </a:buClr>
+              <a:buSzPts val="4800"/>
+              <a:buFont typeface="Barlow Condensed SemiBold"/>
+              <a:buNone/>
+              <a:defRPr sz="4800" b="0" i="0" u="none" strike="noStrike" cap="none">
+                <a:solidFill>
+                  <a:schemeClr val="lt1"/>
+                </a:solidFill>
+                <a:latin typeface="Barlow Condensed SemiBold"/>
+                <a:ea typeface="Barlow Condensed SemiBold"/>
+                <a:cs typeface="Barlow Condensed SemiBold"/>
+                <a:sym typeface="Barlow Condensed SemiBold"/>
+              </a:defRPr>
+            </a:lvl1pPr>
+            <a:lvl2pPr marR="0" lvl="1" algn="r" rtl="0">
+              <a:lnSpc>
+                <a:spcPct val="100000"/>
+              </a:lnSpc>
+              <a:spcBef>
+                <a:spcPts val="0"/>
+              </a:spcBef>
+              <a:spcAft>
+                <a:spcPts val="0"/>
+              </a:spcAft>
+              <a:buClr>
+                <a:schemeClr val="lt1"/>
+              </a:buClr>
+              <a:buSzPts val="1600"/>
+              <a:buFont typeface="Barlow Condensed SemiBold"/>
+              <a:buNone/>
+              <a:defRPr sz="1600" b="0" i="0" u="none" strike="noStrike" cap="none">
+                <a:solidFill>
+                  <a:schemeClr val="lt1"/>
+                </a:solidFill>
+                <a:latin typeface="Barlow Condensed SemiBold"/>
+                <a:ea typeface="Barlow Condensed SemiBold"/>
+                <a:cs typeface="Barlow Condensed SemiBold"/>
+                <a:sym typeface="Barlow Condensed SemiBold"/>
+              </a:defRPr>
+            </a:lvl2pPr>
+            <a:lvl3pPr marR="0" lvl="2" algn="r" rtl="0">
+              <a:lnSpc>
+                <a:spcPct val="100000"/>
+              </a:lnSpc>
+              <a:spcBef>
+                <a:spcPts val="0"/>
+              </a:spcBef>
+              <a:spcAft>
+                <a:spcPts val="0"/>
+              </a:spcAft>
+              <a:buClr>
+                <a:schemeClr val="lt1"/>
+              </a:buClr>
+              <a:buSzPts val="1600"/>
+              <a:buFont typeface="Barlow Condensed SemiBold"/>
+              <a:buNone/>
+              <a:defRPr sz="1600" b="0" i="0" u="none" strike="noStrike" cap="none">
+                <a:solidFill>
+                  <a:schemeClr val="lt1"/>
+                </a:solidFill>
+                <a:latin typeface="Barlow Condensed SemiBold"/>
+                <a:ea typeface="Barlow Condensed SemiBold"/>
+                <a:cs typeface="Barlow Condensed SemiBold"/>
+                <a:sym typeface="Barlow Condensed SemiBold"/>
+              </a:defRPr>
+            </a:lvl3pPr>
+            <a:lvl4pPr marR="0" lvl="3" algn="r" rtl="0">
+              <a:lnSpc>
+                <a:spcPct val="100000"/>
+              </a:lnSpc>
+              <a:spcBef>
+                <a:spcPts val="0"/>
+              </a:spcBef>
+              <a:spcAft>
+                <a:spcPts val="0"/>
+              </a:spcAft>
+              <a:buClr>
+                <a:schemeClr val="lt1"/>
+              </a:buClr>
+              <a:buSzPts val="1600"/>
+              <a:buFont typeface="Barlow Condensed SemiBold"/>
+              <a:buNone/>
+              <a:defRPr sz="1600" b="0" i="0" u="none" strike="noStrike" cap="none">
+                <a:solidFill>
+                  <a:schemeClr val="lt1"/>
+                </a:solidFill>
+                <a:latin typeface="Barlow Condensed SemiBold"/>
+                <a:ea typeface="Barlow Condensed SemiBold"/>
+                <a:cs typeface="Barlow Condensed SemiBold"/>
+                <a:sym typeface="Barlow Condensed SemiBold"/>
+              </a:defRPr>
+            </a:lvl4pPr>
+            <a:lvl5pPr marR="0" lvl="4" algn="r" rtl="0">
+              <a:lnSpc>
+                <a:spcPct val="100000"/>
+              </a:lnSpc>
+              <a:spcBef>
+                <a:spcPts val="0"/>
+              </a:spcBef>
+              <a:spcAft>
+                <a:spcPts val="0"/>
+              </a:spcAft>
+              <a:buClr>
+                <a:schemeClr val="lt1"/>
+              </a:buClr>
+              <a:buSzPts val="1600"/>
+              <a:buFont typeface="Barlow Condensed SemiBold"/>
+              <a:buNone/>
+              <a:defRPr sz="1600" b="0" i="0" u="none" strike="noStrike" cap="none">
+                <a:solidFill>
+                  <a:schemeClr val="lt1"/>
+                </a:solidFill>
+                <a:latin typeface="Barlow Condensed SemiBold"/>
+                <a:ea typeface="Barlow Condensed SemiBold"/>
+                <a:cs typeface="Barlow Condensed SemiBold"/>
+                <a:sym typeface="Barlow Condensed SemiBold"/>
+              </a:defRPr>
+            </a:lvl5pPr>
+            <a:lvl6pPr marR="0" lvl="5" algn="r" rtl="0">
+              <a:lnSpc>
+                <a:spcPct val="100000"/>
+              </a:lnSpc>
+              <a:spcBef>
+                <a:spcPts val="0"/>
+              </a:spcBef>
+              <a:spcAft>
+                <a:spcPts val="0"/>
+              </a:spcAft>
+              <a:buClr>
+                <a:schemeClr val="lt1"/>
+              </a:buClr>
+              <a:buSzPts val="1600"/>
+              <a:buFont typeface="Barlow Condensed SemiBold"/>
+              <a:buNone/>
+              <a:defRPr sz="1600" b="0" i="0" u="none" strike="noStrike" cap="none">
+                <a:solidFill>
+                  <a:schemeClr val="lt1"/>
+                </a:solidFill>
+                <a:latin typeface="Barlow Condensed SemiBold"/>
+                <a:ea typeface="Barlow Condensed SemiBold"/>
+                <a:cs typeface="Barlow Condensed SemiBold"/>
+                <a:sym typeface="Barlow Condensed SemiBold"/>
+              </a:defRPr>
+            </a:lvl6pPr>
+            <a:lvl7pPr marR="0" lvl="6" algn="r" rtl="0">
+              <a:lnSpc>
+                <a:spcPct val="100000"/>
+              </a:lnSpc>
+              <a:spcBef>
+                <a:spcPts val="0"/>
+              </a:spcBef>
+              <a:spcAft>
+                <a:spcPts val="0"/>
+              </a:spcAft>
+              <a:buClr>
+                <a:schemeClr val="lt1"/>
+              </a:buClr>
+              <a:buSzPts val="1600"/>
+              <a:buFont typeface="Barlow Condensed SemiBold"/>
+              <a:buNone/>
+              <a:defRPr sz="1600" b="0" i="0" u="none" strike="noStrike" cap="none">
+                <a:solidFill>
+                  <a:schemeClr val="lt1"/>
+                </a:solidFill>
+                <a:latin typeface="Barlow Condensed SemiBold"/>
+                <a:ea typeface="Barlow Condensed SemiBold"/>
+                <a:cs typeface="Barlow Condensed SemiBold"/>
+                <a:sym typeface="Barlow Condensed SemiBold"/>
+              </a:defRPr>
+            </a:lvl7pPr>
+            <a:lvl8pPr marR="0" lvl="7" algn="r" rtl="0">
+              <a:lnSpc>
+                <a:spcPct val="100000"/>
+              </a:lnSpc>
+              <a:spcBef>
+                <a:spcPts val="0"/>
+              </a:spcBef>
+              <a:spcAft>
+                <a:spcPts val="0"/>
+              </a:spcAft>
+              <a:buClr>
+                <a:schemeClr val="lt1"/>
+              </a:buClr>
+              <a:buSzPts val="1600"/>
+              <a:buFont typeface="Barlow Condensed SemiBold"/>
+              <a:buNone/>
+              <a:defRPr sz="1600" b="0" i="0" u="none" strike="noStrike" cap="none">
+                <a:solidFill>
+                  <a:schemeClr val="lt1"/>
+                </a:solidFill>
+                <a:latin typeface="Barlow Condensed SemiBold"/>
+                <a:ea typeface="Barlow Condensed SemiBold"/>
+                <a:cs typeface="Barlow Condensed SemiBold"/>
+                <a:sym typeface="Barlow Condensed SemiBold"/>
+              </a:defRPr>
+            </a:lvl8pPr>
+            <a:lvl9pPr marR="0" lvl="8" algn="r" rtl="0">
+              <a:lnSpc>
+                <a:spcPct val="100000"/>
+              </a:lnSpc>
+              <a:spcBef>
+                <a:spcPts val="0"/>
+              </a:spcBef>
+              <a:spcAft>
+                <a:spcPts val="0"/>
+              </a:spcAft>
+              <a:buClr>
+                <a:schemeClr val="lt1"/>
+              </a:buClr>
+              <a:buSzPts val="1600"/>
+              <a:buFont typeface="Barlow Condensed SemiBold"/>
+              <a:buNone/>
+              <a:defRPr sz="1600" b="0" i="0" u="none" strike="noStrike" cap="none">
+                <a:solidFill>
+                  <a:schemeClr val="lt1"/>
+                </a:solidFill>
+                <a:latin typeface="Barlow Condensed SemiBold"/>
+                <a:ea typeface="Barlow Condensed SemiBold"/>
+                <a:cs typeface="Barlow Condensed SemiBold"/>
+                <a:sym typeface="Barlow Condensed SemiBold"/>
+              </a:defRPr>
+            </a:lvl9pPr>
+          </a:lstStyle>
+          <a:p>
+            <a:r>
+              <a:rPr lang="en-US" sz="1600" dirty="0">
+                <a:latin typeface="Barlow Condensed Medium"/>
+                <a:ea typeface="Barlow Condensed Medium"/>
+                <a:cs typeface="Barlow Condensed Medium"/>
+                <a:sym typeface="Barlow Condensed Medium"/>
+              </a:rPr>
+              <a:t>Selected parameters based on AIC Scores</a:t>
+            </a:r>
+            <a:endParaRPr lang="en-CA" sz="1600" dirty="0">
+              <a:latin typeface="Barlow Condensed Medium"/>
+              <a:ea typeface="Barlow Condensed Medium"/>
+              <a:cs typeface="Barlow Condensed Medium"/>
+              <a:sym typeface="Barlow Condensed Medium"/>
+            </a:endParaRPr>
+          </a:p>
+        </p:txBody>
+      </p:sp>
+      <p:pic>
+        <p:nvPicPr>
+          <p:cNvPr id="5" name="Picture 4">
+            <a:extLst>
+              <a:ext uri="{FF2B5EF4-FFF2-40B4-BE49-F238E27FC236}">
+                <a16:creationId xmlns:a16="http://schemas.microsoft.com/office/drawing/2014/main" id="{C12995F5-3BBD-83B4-1904-B9B9BA7C8927}"/>
+              </a:ext>
+            </a:extLst>
+          </p:cNvPr>
+          <p:cNvPicPr>
+            <a:picLocks noChangeAspect="1"/>
+          </p:cNvPicPr>
+          <p:nvPr/>
+        </p:nvPicPr>
+        <p:blipFill>
+          <a:blip r:embed="rId3"/>
+          <a:stretch>
+            <a:fillRect/>
+          </a:stretch>
+        </p:blipFill>
+        <p:spPr>
+          <a:xfrm>
+            <a:off x="1488497" y="1234440"/>
+            <a:ext cx="3015846" cy="3706498"/>
+          </a:xfrm>
+          <a:prstGeom prst="rect">
+            <a:avLst/>
+          </a:prstGeom>
+        </p:spPr>
+      </p:pic>
+    </p:spTree>
+    <p:extLst>
+      <p:ext uri="{BB962C8B-B14F-4D97-AF65-F5344CB8AC3E}">
+        <p14:creationId xmlns:p14="http://schemas.microsoft.com/office/powerpoint/2010/main" val="1849639807"/>
+      </p:ext>
+    </p:extLst>
+  </p:cSld>
+  <p:clrMapOvr>
+    <a:masterClrMapping/>
+  </p:clrMapOvr>
+</p:sld>
+</file>
+
+<file path=ppt/slides/slide13.xml><?xml version="1.0" encoding="utf-8"?>
+<p:sld xmlns:a="http://schemas.openxmlformats.org/drawingml/2006/main" xmlns:r="http://schemas.openxmlformats.org/officeDocument/2006/relationships" xmlns:p="http://schemas.openxmlformats.org/presentationml/2006/main">
+  <p:cSld>
+    <p:spTree>
+      <p:nvGrpSpPr>
+        <p:cNvPr id="1" name="Shape 363"/>
+        <p:cNvGrpSpPr/>
+        <p:nvPr/>
+      </p:nvGrpSpPr>
+      <p:grpSpPr>
+        <a:xfrm>
+          <a:off x="0" y="0"/>
+          <a:ext cx="0" cy="0"/>
+          <a:chOff x="0" y="0"/>
+          <a:chExt cx="0" cy="0"/>
+        </a:xfrm>
+      </p:grpSpPr>
+      <p:sp>
+        <p:nvSpPr>
+          <p:cNvPr id="364" name="Google Shape;364;p15"/>
+          <p:cNvSpPr txBox="1">
+            <a:spLocks noGrp="1"/>
+          </p:cNvSpPr>
+          <p:nvPr>
+            <p:ph type="ctrTitle"/>
+          </p:nvPr>
+        </p:nvSpPr>
+        <p:spPr>
+          <a:xfrm>
+            <a:off x="3634740" y="430770"/>
+            <a:ext cx="4751776" cy="1211340"/>
+          </a:xfrm>
+          <a:prstGeom prst="rect">
+            <a:avLst/>
+          </a:prstGeom>
+        </p:spPr>
+        <p:txBody>
+          <a:bodyPr spcFirstLastPara="1" wrap="square" lIns="91425" tIns="91425" rIns="91425" bIns="91425" anchor="b" anchorCtr="0">
+            <a:noAutofit/>
+          </a:bodyPr>
+          <a:lstStyle/>
+          <a:p>
+            <a:pPr marL="0" lvl="0" indent="0" algn="r" rtl="0">
+              <a:spcBef>
+                <a:spcPts val="0"/>
+              </a:spcBef>
+              <a:spcAft>
+                <a:spcPts val="0"/>
+              </a:spcAft>
+              <a:buNone/>
+            </a:pPr>
+            <a:r>
+              <a:rPr lang="es" sz="3200" dirty="0">
+                <a:solidFill>
+                  <a:schemeClr val="accent1">
+                    <a:lumMod val="75000"/>
+                  </a:schemeClr>
+                </a:solidFill>
+              </a:rPr>
+              <a:t>Step </a:t>
+            </a:r>
+            <a:r>
+              <a:rPr lang="en-US" sz="3200" dirty="0">
+                <a:solidFill>
+                  <a:schemeClr val="accent1">
+                    <a:lumMod val="75000"/>
+                  </a:schemeClr>
+                </a:solidFill>
+              </a:rPr>
+              <a:t>4: Ran the SARIMAX model</a:t>
+            </a:r>
+            <a:endParaRPr sz="3200" dirty="0">
+              <a:solidFill>
+                <a:schemeClr val="accent1">
+                  <a:lumMod val="75000"/>
+                </a:schemeClr>
+              </a:solidFill>
+            </a:endParaRPr>
+          </a:p>
+        </p:txBody>
+      </p:sp>
+      <p:pic>
+        <p:nvPicPr>
+          <p:cNvPr id="3" name="Picture 2">
+            <a:extLst>
+              <a:ext uri="{FF2B5EF4-FFF2-40B4-BE49-F238E27FC236}">
+                <a16:creationId xmlns:a16="http://schemas.microsoft.com/office/drawing/2014/main" id="{A2E1D55A-7CCA-83C6-9A7F-3405F9CCA2AE}"/>
+              </a:ext>
+            </a:extLst>
+          </p:cNvPr>
+          <p:cNvPicPr>
+            <a:picLocks noChangeAspect="1"/>
+          </p:cNvPicPr>
+          <p:nvPr/>
+        </p:nvPicPr>
+        <p:blipFill>
+          <a:blip r:embed="rId3"/>
+          <a:stretch>
+            <a:fillRect/>
+          </a:stretch>
+        </p:blipFill>
+        <p:spPr>
+          <a:xfrm>
+            <a:off x="342900" y="2050553"/>
+            <a:ext cx="8564880" cy="2826247"/>
+          </a:xfrm>
+          <a:prstGeom prst="rect">
+            <a:avLst/>
+          </a:prstGeom>
+        </p:spPr>
+      </p:pic>
+    </p:spTree>
+    <p:extLst>
+      <p:ext uri="{BB962C8B-B14F-4D97-AF65-F5344CB8AC3E}">
+        <p14:creationId xmlns:p14="http://schemas.microsoft.com/office/powerpoint/2010/main" val="1371849807"/>
+      </p:ext>
+    </p:extLst>
+  </p:cSld>
+  <p:clrMapOvr>
+    <a:masterClrMapping/>
+  </p:clrMapOvr>
+</p:sld>
+</file>
+
+<file path=ppt/slides/slide14.xml><?xml version="1.0" encoding="utf-8"?>
+<p:sld xmlns:a="http://schemas.openxmlformats.org/drawingml/2006/main" xmlns:r="http://schemas.openxmlformats.org/officeDocument/2006/relationships" xmlns:p="http://schemas.openxmlformats.org/presentationml/2006/main">
+  <p:cSld>
+    <p:spTree>
+      <p:nvGrpSpPr>
+        <p:cNvPr id="1" name="Shape 363"/>
+        <p:cNvGrpSpPr/>
+        <p:nvPr/>
+      </p:nvGrpSpPr>
+      <p:grpSpPr>
+        <a:xfrm>
+          <a:off x="0" y="0"/>
+          <a:ext cx="0" cy="0"/>
+          <a:chOff x="0" y="0"/>
+          <a:chExt cx="0" cy="0"/>
+        </a:xfrm>
+      </p:grpSpPr>
+      <p:sp>
+        <p:nvSpPr>
+          <p:cNvPr id="364" name="Google Shape;364;p15"/>
+          <p:cNvSpPr txBox="1">
+            <a:spLocks noGrp="1"/>
+          </p:cNvSpPr>
+          <p:nvPr>
+            <p:ph type="ctrTitle"/>
+          </p:nvPr>
+        </p:nvSpPr>
+        <p:spPr>
+          <a:xfrm>
+            <a:off x="4752109" y="1360410"/>
+            <a:ext cx="4304967" cy="1211340"/>
+          </a:xfrm>
+          <a:prstGeom prst="rect">
+            <a:avLst/>
+          </a:prstGeom>
+        </p:spPr>
+        <p:txBody>
+          <a:bodyPr spcFirstLastPara="1" wrap="square" lIns="91425" tIns="91425" rIns="91425" bIns="91425" anchor="b" anchorCtr="0">
+            <a:noAutofit/>
+          </a:bodyPr>
+          <a:lstStyle/>
+          <a:p>
+            <a:pPr marL="0" lvl="0" indent="0" algn="r" rtl="0">
+              <a:spcBef>
+                <a:spcPts val="0"/>
+              </a:spcBef>
+              <a:spcAft>
+                <a:spcPts val="0"/>
+              </a:spcAft>
+              <a:buNone/>
+            </a:pPr>
+            <a:r>
+              <a:rPr lang="en-US" sz="3200" dirty="0">
+                <a:solidFill>
+                  <a:schemeClr val="accent1">
+                    <a:lumMod val="75000"/>
+                  </a:schemeClr>
+                </a:solidFill>
+              </a:rPr>
+              <a:t>Error Analysis</a:t>
+            </a:r>
+            <a:endParaRPr sz="3200" dirty="0">
+              <a:solidFill>
+                <a:schemeClr val="accent1">
+                  <a:lumMod val="75000"/>
+                </a:schemeClr>
+              </a:solidFill>
+            </a:endParaRPr>
+          </a:p>
+        </p:txBody>
+      </p:sp>
+      <p:pic>
+        <p:nvPicPr>
+          <p:cNvPr id="3" name="Picture 2">
+            <a:extLst>
+              <a:ext uri="{FF2B5EF4-FFF2-40B4-BE49-F238E27FC236}">
+                <a16:creationId xmlns:a16="http://schemas.microsoft.com/office/drawing/2014/main" id="{D9E481C5-D55D-F52D-B59D-70EB2B7EC38C}"/>
+              </a:ext>
+            </a:extLst>
+          </p:cNvPr>
+          <p:cNvPicPr>
+            <a:picLocks noChangeAspect="1"/>
+          </p:cNvPicPr>
+          <p:nvPr/>
+        </p:nvPicPr>
+        <p:blipFill>
+          <a:blip r:embed="rId3"/>
+          <a:stretch>
+            <a:fillRect/>
+          </a:stretch>
+        </p:blipFill>
+        <p:spPr>
+          <a:xfrm>
+            <a:off x="121587" y="1380556"/>
+            <a:ext cx="6462093" cy="3329298"/>
+          </a:xfrm>
+          <a:prstGeom prst="rect">
+            <a:avLst/>
+          </a:prstGeom>
+        </p:spPr>
+      </p:pic>
+    </p:spTree>
+    <p:extLst>
+      <p:ext uri="{BB962C8B-B14F-4D97-AF65-F5344CB8AC3E}">
+        <p14:creationId xmlns:p14="http://schemas.microsoft.com/office/powerpoint/2010/main" val="1197526108"/>
+      </p:ext>
+    </p:extLst>
+  </p:cSld>
+  <p:clrMapOvr>
+    <a:masterClrMapping/>
+  </p:clrMapOvr>
+</p:sld>
+</file>
+
+<file path=ppt/slides/slide15.xml><?xml version="1.0" encoding="utf-8"?>
+<p:sld xmlns:a="http://schemas.openxmlformats.org/drawingml/2006/main" xmlns:r="http://schemas.openxmlformats.org/officeDocument/2006/relationships" xmlns:p="http://schemas.openxmlformats.org/presentationml/2006/main">
+  <p:cSld>
+    <p:spTree>
+      <p:nvGrpSpPr>
+        <p:cNvPr id="1" name="Shape 363"/>
+        <p:cNvGrpSpPr/>
+        <p:nvPr/>
+      </p:nvGrpSpPr>
+      <p:grpSpPr>
+        <a:xfrm>
+          <a:off x="0" y="0"/>
+          <a:ext cx="0" cy="0"/>
+          <a:chOff x="0" y="0"/>
+          <a:chExt cx="0" cy="0"/>
+        </a:xfrm>
+      </p:grpSpPr>
+      <p:sp>
+        <p:nvSpPr>
+          <p:cNvPr id="364" name="Google Shape;364;p15"/>
+          <p:cNvSpPr txBox="1">
+            <a:spLocks noGrp="1"/>
+          </p:cNvSpPr>
+          <p:nvPr>
+            <p:ph type="ctrTitle"/>
+          </p:nvPr>
+        </p:nvSpPr>
+        <p:spPr>
+          <a:xfrm>
+            <a:off x="5593080" y="1360410"/>
+            <a:ext cx="3463996" cy="1211340"/>
+          </a:xfrm>
+          <a:prstGeom prst="rect">
+            <a:avLst/>
+          </a:prstGeom>
+        </p:spPr>
+        <p:txBody>
+          <a:bodyPr spcFirstLastPara="1" wrap="square" lIns="91425" tIns="91425" rIns="91425" bIns="91425" anchor="b" anchorCtr="0">
+            <a:noAutofit/>
+          </a:bodyPr>
+          <a:lstStyle/>
+          <a:p>
+            <a:pPr marL="0" lvl="0" indent="0" algn="r" rtl="0">
+              <a:spcBef>
+                <a:spcPts val="0"/>
+              </a:spcBef>
+              <a:spcAft>
+                <a:spcPts val="0"/>
+              </a:spcAft>
+              <a:buNone/>
+            </a:pPr>
+            <a:r>
+              <a:rPr lang="en-US" sz="3200" dirty="0">
+                <a:solidFill>
+                  <a:schemeClr val="accent1">
+                    <a:lumMod val="75000"/>
+                  </a:schemeClr>
+                </a:solidFill>
+              </a:rPr>
+              <a:t>Attempt to Optimize the Model</a:t>
+            </a:r>
+            <a:endParaRPr sz="3200" dirty="0">
+              <a:solidFill>
+                <a:schemeClr val="accent1">
+                  <a:lumMod val="75000"/>
+                </a:schemeClr>
+              </a:solidFill>
+            </a:endParaRPr>
+          </a:p>
+        </p:txBody>
+      </p:sp>
+      <p:graphicFrame>
+        <p:nvGraphicFramePr>
+          <p:cNvPr id="4" name="Table 4">
+            <a:extLst>
+              <a:ext uri="{FF2B5EF4-FFF2-40B4-BE49-F238E27FC236}">
+                <a16:creationId xmlns:a16="http://schemas.microsoft.com/office/drawing/2014/main" id="{250B620A-37E3-3B15-DD0A-3AF7E9A13AB3}"/>
+              </a:ext>
+            </a:extLst>
+          </p:cNvPr>
+          <p:cNvGraphicFramePr>
+            <a:graphicFrameLocks noGrp="1"/>
+          </p:cNvGraphicFramePr>
+          <p:nvPr>
+            <p:extLst>
+              <p:ext uri="{D42A27DB-BD31-4B8C-83A1-F6EECF244321}">
+                <p14:modId xmlns:p14="http://schemas.microsoft.com/office/powerpoint/2010/main" val="3264242323"/>
+              </p:ext>
+            </p:extLst>
+          </p:nvPr>
+        </p:nvGraphicFramePr>
+        <p:xfrm>
+          <a:off x="160020" y="1385571"/>
+          <a:ext cx="5768340" cy="3643627"/>
+        </p:xfrm>
+        <a:graphic>
+          <a:graphicData uri="http://schemas.openxmlformats.org/drawingml/2006/table">
+            <a:tbl>
+              <a:tblPr firstRow="1" bandRow="1">
+                <a:tableStyleId>{0660B408-B3CF-4A94-85FC-2B1E0A45F4A2}</a:tableStyleId>
+              </a:tblPr>
+              <a:tblGrid>
+                <a:gridCol w="1922780">
+                  <a:extLst>
+                    <a:ext uri="{9D8B030D-6E8A-4147-A177-3AD203B41FA5}">
+                      <a16:colId xmlns:a16="http://schemas.microsoft.com/office/drawing/2014/main" val="1561198163"/>
+                    </a:ext>
+                  </a:extLst>
+                </a:gridCol>
+                <a:gridCol w="1922780">
+                  <a:extLst>
+                    <a:ext uri="{9D8B030D-6E8A-4147-A177-3AD203B41FA5}">
+                      <a16:colId xmlns:a16="http://schemas.microsoft.com/office/drawing/2014/main" val="1384936394"/>
+                    </a:ext>
+                  </a:extLst>
+                </a:gridCol>
+                <a:gridCol w="1922780">
+                  <a:extLst>
+                    <a:ext uri="{9D8B030D-6E8A-4147-A177-3AD203B41FA5}">
+                      <a16:colId xmlns:a16="http://schemas.microsoft.com/office/drawing/2014/main" val="2485402347"/>
+                    </a:ext>
+                  </a:extLst>
+                </a:gridCol>
+              </a:tblGrid>
+              <a:tr h="513825">
+                <a:tc>
+                  <a:txBody>
+                    <a:bodyPr/>
+                    <a:lstStyle/>
+                    <a:p>
+                      <a:pPr algn="ctr"/>
+                      <a:r>
+                        <a:rPr lang="en-US" sz="1050" dirty="0">
+                          <a:solidFill>
+                            <a:schemeClr val="bg1">
+                              <a:lumMod val="20000"/>
+                              <a:lumOff val="80000"/>
+                            </a:schemeClr>
+                          </a:solidFill>
+                        </a:rPr>
+                        <a:t>Product Category</a:t>
+                      </a:r>
+                      <a:endParaRPr lang="en-CA" sz="1050" dirty="0">
+                        <a:solidFill>
+                          <a:schemeClr val="bg1">
+                            <a:lumMod val="20000"/>
+                            <a:lumOff val="80000"/>
+                          </a:schemeClr>
+                        </a:solidFill>
+                      </a:endParaRPr>
+                    </a:p>
+                  </a:txBody>
+                  <a:tcPr anchor="ctr"/>
+                </a:tc>
+                <a:tc>
+                  <a:txBody>
+                    <a:bodyPr/>
+                    <a:lstStyle/>
+                    <a:p>
+                      <a:pPr algn="ctr"/>
+                      <a:r>
+                        <a:rPr lang="en-US" sz="1050" dirty="0">
+                          <a:solidFill>
+                            <a:schemeClr val="bg1">
+                              <a:lumMod val="20000"/>
+                              <a:lumOff val="80000"/>
+                            </a:schemeClr>
+                          </a:solidFill>
+                        </a:rPr>
+                        <a:t>Mean Absolute Percentage Error (Attempt 1)</a:t>
+                      </a:r>
+                      <a:endParaRPr lang="en-CA" sz="1050" dirty="0">
+                        <a:solidFill>
+                          <a:schemeClr val="bg1">
+                            <a:lumMod val="20000"/>
+                            <a:lumOff val="80000"/>
+                          </a:schemeClr>
+                        </a:solidFill>
+                      </a:endParaRPr>
+                    </a:p>
+                  </a:txBody>
+                  <a:tcPr anchor="ctr"/>
+                </a:tc>
+                <a:tc>
+                  <a:txBody>
+                    <a:bodyPr/>
+                    <a:lstStyle/>
+                    <a:p>
+                      <a:pPr marL="0" marR="0" lvl="0" indent="0" algn="ctr" defTabSz="914400" rtl="0" eaLnBrk="1" fontAlgn="auto" latinLnBrk="0" hangingPunct="1">
+                        <a:lnSpc>
+                          <a:spcPct val="100000"/>
+                        </a:lnSpc>
+                        <a:spcBef>
+                          <a:spcPts val="0"/>
+                        </a:spcBef>
+                        <a:spcAft>
+                          <a:spcPts val="0"/>
+                        </a:spcAft>
+                        <a:buClr>
+                          <a:srgbClr val="000000"/>
+                        </a:buClr>
+                        <a:buSzTx/>
+                        <a:buFont typeface="Arial"/>
+                        <a:buNone/>
+                        <a:tabLst/>
+                        <a:defRPr/>
+                      </a:pPr>
+                      <a:r>
+                        <a:rPr lang="en-US" sz="1050" dirty="0">
+                          <a:solidFill>
+                            <a:schemeClr val="bg1">
+                              <a:lumMod val="20000"/>
+                              <a:lumOff val="80000"/>
+                            </a:schemeClr>
+                          </a:solidFill>
+                        </a:rPr>
+                        <a:t>Mean Absolute Percentage Error (Attempt 2)</a:t>
+                      </a:r>
+                      <a:endParaRPr lang="en-CA" sz="1050" dirty="0">
+                        <a:solidFill>
+                          <a:schemeClr val="bg1">
+                            <a:lumMod val="20000"/>
+                            <a:lumOff val="80000"/>
+                          </a:schemeClr>
+                        </a:solidFill>
+                      </a:endParaRPr>
+                    </a:p>
+                  </a:txBody>
+                  <a:tcPr anchor="ctr"/>
+                </a:tc>
+                <a:extLst>
+                  <a:ext uri="{0D108BD9-81ED-4DB2-BD59-A6C34878D82A}">
+                    <a16:rowId xmlns:a16="http://schemas.microsoft.com/office/drawing/2014/main" val="4128214486"/>
+                  </a:ext>
+                </a:extLst>
+              </a:tr>
+              <a:tr h="270814">
+                <a:tc>
+                  <a:txBody>
+                    <a:bodyPr/>
+                    <a:lstStyle/>
+                    <a:p>
+                      <a:pPr algn="ctr"/>
+                      <a:r>
+                        <a:rPr lang="en-US" sz="1050" dirty="0">
+                          <a:solidFill>
+                            <a:schemeClr val="accent1">
+                              <a:lumMod val="50000"/>
+                            </a:schemeClr>
+                          </a:solidFill>
+                        </a:rPr>
+                        <a:t>All categories</a:t>
+                      </a:r>
+                      <a:endParaRPr lang="en-CA" sz="1050" dirty="0">
+                        <a:solidFill>
+                          <a:schemeClr val="accent1">
+                            <a:lumMod val="50000"/>
+                          </a:schemeClr>
+                        </a:solidFill>
+                      </a:endParaRPr>
+                    </a:p>
+                  </a:txBody>
+                  <a:tcPr anchor="ctr"/>
+                </a:tc>
+                <a:tc>
+                  <a:txBody>
+                    <a:bodyPr/>
+                    <a:lstStyle/>
+                    <a:p>
+                      <a:pPr algn="ctr"/>
+                      <a:r>
+                        <a:rPr lang="en-US" sz="1050" dirty="0">
+                          <a:solidFill>
+                            <a:schemeClr val="accent1">
+                              <a:lumMod val="50000"/>
+                            </a:schemeClr>
+                          </a:solidFill>
+                        </a:rPr>
+                        <a:t>14.09%</a:t>
+                      </a:r>
+                      <a:endParaRPr lang="en-CA" sz="1050" dirty="0">
+                        <a:solidFill>
+                          <a:schemeClr val="accent1">
+                            <a:lumMod val="50000"/>
+                          </a:schemeClr>
+                        </a:solidFill>
+                      </a:endParaRPr>
+                    </a:p>
+                  </a:txBody>
+                  <a:tcPr anchor="ctr"/>
+                </a:tc>
+                <a:tc>
+                  <a:txBody>
+                    <a:bodyPr/>
+                    <a:lstStyle/>
+                    <a:p>
+                      <a:pPr algn="ctr"/>
+                      <a:r>
+                        <a:rPr lang="en-US" sz="1050" dirty="0">
+                          <a:solidFill>
+                            <a:schemeClr val="accent1">
+                              <a:lumMod val="50000"/>
+                            </a:schemeClr>
+                          </a:solidFill>
+                        </a:rPr>
+                        <a:t>12.28%</a:t>
+                      </a:r>
+                      <a:endParaRPr lang="en-CA" sz="1050" dirty="0">
+                        <a:solidFill>
+                          <a:schemeClr val="accent1">
+                            <a:lumMod val="50000"/>
+                          </a:schemeClr>
+                        </a:solidFill>
+                      </a:endParaRPr>
+                    </a:p>
+                  </a:txBody>
+                  <a:tcPr anchor="ctr"/>
+                </a:tc>
+                <a:extLst>
+                  <a:ext uri="{0D108BD9-81ED-4DB2-BD59-A6C34878D82A}">
+                    <a16:rowId xmlns:a16="http://schemas.microsoft.com/office/drawing/2014/main" val="3884253732"/>
+                  </a:ext>
+                </a:extLst>
+              </a:tr>
+              <a:tr h="270814">
+                <a:tc>
+                  <a:txBody>
+                    <a:bodyPr/>
+                    <a:lstStyle/>
+                    <a:p>
+                      <a:pPr algn="ctr"/>
+                      <a:r>
+                        <a:rPr lang="en-US" sz="1050" dirty="0">
+                          <a:solidFill>
+                            <a:schemeClr val="accent1">
+                              <a:lumMod val="50000"/>
+                            </a:schemeClr>
+                          </a:solidFill>
+                        </a:rPr>
+                        <a:t>Anti-Fatigue Mat</a:t>
+                      </a:r>
+                      <a:endParaRPr lang="en-CA" sz="1050" dirty="0">
+                        <a:solidFill>
+                          <a:schemeClr val="accent1">
+                            <a:lumMod val="50000"/>
+                          </a:schemeClr>
+                        </a:solidFill>
+                      </a:endParaRPr>
+                    </a:p>
+                  </a:txBody>
+                  <a:tcPr anchor="ctr"/>
+                </a:tc>
+                <a:tc>
+                  <a:txBody>
+                    <a:bodyPr/>
+                    <a:lstStyle/>
+                    <a:p>
+                      <a:pPr algn="ctr"/>
+                      <a:r>
+                        <a:rPr lang="en-US" sz="1050" dirty="0">
+                          <a:solidFill>
+                            <a:schemeClr val="accent1">
+                              <a:lumMod val="50000"/>
+                            </a:schemeClr>
+                          </a:solidFill>
+                        </a:rPr>
+                        <a:t>39.86%</a:t>
+                      </a:r>
+                      <a:endParaRPr lang="en-CA" sz="1050" dirty="0">
+                        <a:solidFill>
+                          <a:schemeClr val="accent1">
+                            <a:lumMod val="50000"/>
+                          </a:schemeClr>
+                        </a:solidFill>
+                      </a:endParaRPr>
+                    </a:p>
+                  </a:txBody>
+                  <a:tcPr anchor="ctr"/>
+                </a:tc>
+                <a:tc>
+                  <a:txBody>
+                    <a:bodyPr/>
+                    <a:lstStyle/>
+                    <a:p>
+                      <a:pPr algn="ctr"/>
+                      <a:r>
+                        <a:rPr lang="en-US" sz="1050" dirty="0">
+                          <a:solidFill>
+                            <a:schemeClr val="accent1">
+                              <a:lumMod val="50000"/>
+                            </a:schemeClr>
+                          </a:solidFill>
+                        </a:rPr>
+                        <a:t>34.19%</a:t>
+                      </a:r>
+                      <a:endParaRPr lang="en-CA" sz="1050" dirty="0">
+                        <a:solidFill>
+                          <a:schemeClr val="accent1">
+                            <a:lumMod val="50000"/>
+                          </a:schemeClr>
+                        </a:solidFill>
+                      </a:endParaRPr>
+                    </a:p>
+                  </a:txBody>
+                  <a:tcPr anchor="ctr"/>
+                </a:tc>
+                <a:extLst>
+                  <a:ext uri="{0D108BD9-81ED-4DB2-BD59-A6C34878D82A}">
+                    <a16:rowId xmlns:a16="http://schemas.microsoft.com/office/drawing/2014/main" val="1273048521"/>
+                  </a:ext>
+                </a:extLst>
+              </a:tr>
+              <a:tr h="270814">
+                <a:tc>
+                  <a:txBody>
+                    <a:bodyPr/>
+                    <a:lstStyle/>
+                    <a:p>
+                      <a:pPr algn="ctr"/>
+                      <a:r>
+                        <a:rPr lang="en-US" sz="1050" dirty="0">
+                          <a:solidFill>
+                            <a:schemeClr val="accent1">
+                              <a:lumMod val="50000"/>
+                            </a:schemeClr>
+                          </a:solidFill>
+                        </a:rPr>
+                        <a:t>Desk Pad</a:t>
+                      </a:r>
+                      <a:endParaRPr lang="en-CA" sz="1050" dirty="0">
+                        <a:solidFill>
+                          <a:schemeClr val="accent1">
+                            <a:lumMod val="50000"/>
+                          </a:schemeClr>
+                        </a:solidFill>
+                      </a:endParaRPr>
+                    </a:p>
+                  </a:txBody>
+                  <a:tcPr anchor="ctr"/>
+                </a:tc>
+                <a:tc>
+                  <a:txBody>
+                    <a:bodyPr/>
+                    <a:lstStyle/>
+                    <a:p>
+                      <a:pPr algn="ctr"/>
+                      <a:r>
+                        <a:rPr lang="en-US" sz="1050" dirty="0">
+                          <a:solidFill>
+                            <a:schemeClr val="accent1">
+                              <a:lumMod val="50000"/>
+                            </a:schemeClr>
+                          </a:solidFill>
+                        </a:rPr>
+                        <a:t>32.62%</a:t>
+                      </a:r>
+                      <a:endParaRPr lang="en-CA" sz="1050" dirty="0">
+                        <a:solidFill>
+                          <a:schemeClr val="accent1">
+                            <a:lumMod val="50000"/>
+                          </a:schemeClr>
+                        </a:solidFill>
+                      </a:endParaRPr>
+                    </a:p>
+                  </a:txBody>
+                  <a:tcPr anchor="ctr"/>
+                </a:tc>
+                <a:tc>
+                  <a:txBody>
+                    <a:bodyPr/>
+                    <a:lstStyle/>
+                    <a:p>
+                      <a:pPr algn="ctr"/>
+                      <a:r>
+                        <a:rPr lang="en-US" sz="1050" dirty="0">
+                          <a:solidFill>
+                            <a:schemeClr val="accent1">
+                              <a:lumMod val="50000"/>
+                            </a:schemeClr>
+                          </a:solidFill>
+                        </a:rPr>
+                        <a:t>37.37%</a:t>
+                      </a:r>
+                      <a:endParaRPr lang="en-CA" sz="1050" dirty="0">
+                        <a:solidFill>
+                          <a:schemeClr val="accent1">
+                            <a:lumMod val="50000"/>
+                          </a:schemeClr>
+                        </a:solidFill>
+                      </a:endParaRPr>
+                    </a:p>
+                  </a:txBody>
+                  <a:tcPr anchor="ctr"/>
+                </a:tc>
+                <a:extLst>
+                  <a:ext uri="{0D108BD9-81ED-4DB2-BD59-A6C34878D82A}">
+                    <a16:rowId xmlns:a16="http://schemas.microsoft.com/office/drawing/2014/main" val="1575403519"/>
+                  </a:ext>
+                </a:extLst>
+              </a:tr>
+              <a:tr h="270814">
+                <a:tc>
+                  <a:txBody>
+                    <a:bodyPr/>
+                    <a:lstStyle/>
+                    <a:p>
+                      <a:pPr algn="ctr"/>
+                      <a:r>
+                        <a:rPr lang="en-US" sz="1050" dirty="0">
+                          <a:solidFill>
+                            <a:schemeClr val="accent1">
+                              <a:lumMod val="50000"/>
+                            </a:schemeClr>
+                          </a:solidFill>
+                        </a:rPr>
+                        <a:t>Entrance Mat</a:t>
+                      </a:r>
+                      <a:endParaRPr lang="en-CA" sz="1050" dirty="0">
+                        <a:solidFill>
+                          <a:schemeClr val="accent1">
+                            <a:lumMod val="50000"/>
+                          </a:schemeClr>
+                        </a:solidFill>
+                      </a:endParaRPr>
+                    </a:p>
+                  </a:txBody>
+                  <a:tcPr anchor="ctr"/>
+                </a:tc>
+                <a:tc>
+                  <a:txBody>
+                    <a:bodyPr/>
+                    <a:lstStyle/>
+                    <a:p>
+                      <a:pPr algn="ctr"/>
+                      <a:r>
+                        <a:rPr lang="en-US" sz="1050" dirty="0">
+                          <a:solidFill>
+                            <a:schemeClr val="accent1">
+                              <a:lumMod val="50000"/>
+                            </a:schemeClr>
+                          </a:solidFill>
+                        </a:rPr>
+                        <a:t>43.63%</a:t>
+                      </a:r>
+                      <a:endParaRPr lang="en-CA" sz="1050" dirty="0">
+                        <a:solidFill>
+                          <a:schemeClr val="accent1">
+                            <a:lumMod val="50000"/>
+                          </a:schemeClr>
+                        </a:solidFill>
+                      </a:endParaRPr>
+                    </a:p>
+                  </a:txBody>
+                  <a:tcPr anchor="ctr"/>
+                </a:tc>
+                <a:tc>
+                  <a:txBody>
+                    <a:bodyPr/>
+                    <a:lstStyle/>
+                    <a:p>
+                      <a:pPr algn="ctr"/>
+                      <a:r>
+                        <a:rPr lang="en-US" sz="1050" dirty="0">
+                          <a:solidFill>
+                            <a:schemeClr val="accent1">
+                              <a:lumMod val="50000"/>
+                            </a:schemeClr>
+                          </a:solidFill>
+                        </a:rPr>
+                        <a:t>42.40%</a:t>
+                      </a:r>
+                      <a:endParaRPr lang="en-CA" sz="1050" dirty="0">
+                        <a:solidFill>
+                          <a:schemeClr val="accent1">
+                            <a:lumMod val="50000"/>
+                          </a:schemeClr>
+                        </a:solidFill>
+                      </a:endParaRPr>
+                    </a:p>
+                  </a:txBody>
+                  <a:tcPr anchor="ctr"/>
+                </a:tc>
+                <a:extLst>
+                  <a:ext uri="{0D108BD9-81ED-4DB2-BD59-A6C34878D82A}">
+                    <a16:rowId xmlns:a16="http://schemas.microsoft.com/office/drawing/2014/main" val="962114440"/>
+                  </a:ext>
+                </a:extLst>
+              </a:tr>
+              <a:tr h="270814">
+                <a:tc>
+                  <a:txBody>
+                    <a:bodyPr/>
+                    <a:lstStyle/>
+                    <a:p>
+                      <a:pPr algn="ctr"/>
+                      <a:r>
+                        <a:rPr lang="en-US" sz="1050" dirty="0">
+                          <a:solidFill>
+                            <a:schemeClr val="accent1">
+                              <a:lumMod val="50000"/>
+                            </a:schemeClr>
+                          </a:solidFill>
+                        </a:rPr>
+                        <a:t>Polycarbonate Chair Mat</a:t>
+                      </a:r>
+                      <a:endParaRPr lang="en-CA" sz="1050" dirty="0">
+                        <a:solidFill>
+                          <a:schemeClr val="accent1">
+                            <a:lumMod val="50000"/>
+                          </a:schemeClr>
+                        </a:solidFill>
+                      </a:endParaRPr>
+                    </a:p>
+                  </a:txBody>
+                  <a:tcPr anchor="ctr"/>
+                </a:tc>
+                <a:tc>
+                  <a:txBody>
+                    <a:bodyPr/>
+                    <a:lstStyle/>
+                    <a:p>
+                      <a:pPr algn="ctr"/>
+                      <a:r>
+                        <a:rPr lang="en-US" sz="1050" dirty="0">
+                          <a:solidFill>
+                            <a:schemeClr val="accent1">
+                              <a:lumMod val="50000"/>
+                            </a:schemeClr>
+                          </a:solidFill>
+                        </a:rPr>
+                        <a:t>25.91%</a:t>
+                      </a:r>
+                      <a:endParaRPr lang="en-CA" sz="1050" dirty="0">
+                        <a:solidFill>
+                          <a:schemeClr val="accent1">
+                            <a:lumMod val="50000"/>
+                          </a:schemeClr>
+                        </a:solidFill>
+                      </a:endParaRPr>
+                    </a:p>
+                  </a:txBody>
+                  <a:tcPr anchor="ctr"/>
+                </a:tc>
+                <a:tc>
+                  <a:txBody>
+                    <a:bodyPr/>
+                    <a:lstStyle/>
+                    <a:p>
+                      <a:pPr algn="ctr"/>
+                      <a:r>
+                        <a:rPr lang="en-US" sz="1050" dirty="0">
+                          <a:solidFill>
+                            <a:schemeClr val="accent1">
+                              <a:lumMod val="50000"/>
+                            </a:schemeClr>
+                          </a:solidFill>
+                        </a:rPr>
+                        <a:t>21.24%</a:t>
+                      </a:r>
+                      <a:endParaRPr lang="en-CA" sz="1050" dirty="0">
+                        <a:solidFill>
+                          <a:schemeClr val="accent1">
+                            <a:lumMod val="50000"/>
+                          </a:schemeClr>
+                        </a:solidFill>
+                      </a:endParaRPr>
+                    </a:p>
+                  </a:txBody>
+                  <a:tcPr anchor="ctr"/>
+                </a:tc>
+                <a:extLst>
+                  <a:ext uri="{0D108BD9-81ED-4DB2-BD59-A6C34878D82A}">
+                    <a16:rowId xmlns:a16="http://schemas.microsoft.com/office/drawing/2014/main" val="3913785315"/>
+                  </a:ext>
+                </a:extLst>
+              </a:tr>
+              <a:tr h="270814">
+                <a:tc>
+                  <a:txBody>
+                    <a:bodyPr/>
+                    <a:lstStyle/>
+                    <a:p>
+                      <a:pPr algn="ctr"/>
+                      <a:r>
+                        <a:rPr lang="en-US" sz="1050" dirty="0">
+                          <a:solidFill>
+                            <a:schemeClr val="accent1">
+                              <a:lumMod val="50000"/>
+                            </a:schemeClr>
+                          </a:solidFill>
+                        </a:rPr>
+                        <a:t>Porcelain Whiteboard</a:t>
+                      </a:r>
+                      <a:endParaRPr lang="en-CA" sz="1050" dirty="0">
+                        <a:solidFill>
+                          <a:schemeClr val="accent1">
+                            <a:lumMod val="50000"/>
+                          </a:schemeClr>
+                        </a:solidFill>
+                      </a:endParaRPr>
+                    </a:p>
+                  </a:txBody>
+                  <a:tcPr anchor="ctr"/>
+                </a:tc>
+                <a:tc>
+                  <a:txBody>
+                    <a:bodyPr/>
+                    <a:lstStyle/>
+                    <a:p>
+                      <a:pPr algn="ctr"/>
+                      <a:r>
+                        <a:rPr lang="en-US" sz="1050" dirty="0">
+                          <a:solidFill>
+                            <a:schemeClr val="accent1">
+                              <a:lumMod val="50000"/>
+                            </a:schemeClr>
+                          </a:solidFill>
+                        </a:rPr>
+                        <a:t>42.87%</a:t>
+                      </a:r>
+                      <a:endParaRPr lang="en-CA" sz="1050" dirty="0">
+                        <a:solidFill>
+                          <a:schemeClr val="accent1">
+                            <a:lumMod val="50000"/>
+                          </a:schemeClr>
+                        </a:solidFill>
+                      </a:endParaRPr>
+                    </a:p>
+                  </a:txBody>
+                  <a:tcPr anchor="ctr"/>
+                </a:tc>
+                <a:tc>
+                  <a:txBody>
+                    <a:bodyPr/>
+                    <a:lstStyle/>
+                    <a:p>
+                      <a:pPr algn="ctr"/>
+                      <a:r>
+                        <a:rPr lang="en-US" sz="1050" dirty="0">
+                          <a:solidFill>
+                            <a:schemeClr val="accent1">
+                              <a:lumMod val="50000"/>
+                            </a:schemeClr>
+                          </a:solidFill>
+                        </a:rPr>
+                        <a:t>48.14%</a:t>
+                      </a:r>
+                      <a:endParaRPr lang="en-CA" sz="1050" dirty="0">
+                        <a:solidFill>
+                          <a:schemeClr val="accent1">
+                            <a:lumMod val="50000"/>
+                          </a:schemeClr>
+                        </a:solidFill>
+                      </a:endParaRPr>
+                    </a:p>
+                  </a:txBody>
+                  <a:tcPr anchor="ctr"/>
+                </a:tc>
+                <a:extLst>
+                  <a:ext uri="{0D108BD9-81ED-4DB2-BD59-A6C34878D82A}">
+                    <a16:rowId xmlns:a16="http://schemas.microsoft.com/office/drawing/2014/main" val="1958940046"/>
+                  </a:ext>
+                </a:extLst>
+              </a:tr>
+              <a:tr h="270814">
+                <a:tc>
+                  <a:txBody>
+                    <a:bodyPr/>
+                    <a:lstStyle/>
+                    <a:p>
+                      <a:pPr algn="ctr"/>
+                      <a:r>
+                        <a:rPr lang="en-US" sz="1050" dirty="0">
+                          <a:solidFill>
+                            <a:schemeClr val="accent1">
+                              <a:lumMod val="50000"/>
+                            </a:schemeClr>
+                          </a:solidFill>
+                        </a:rPr>
+                        <a:t>PVC Chair Mat</a:t>
+                      </a:r>
+                      <a:endParaRPr lang="en-CA" sz="1050" dirty="0">
+                        <a:solidFill>
+                          <a:schemeClr val="accent1">
+                            <a:lumMod val="50000"/>
+                          </a:schemeClr>
+                        </a:solidFill>
+                      </a:endParaRPr>
+                    </a:p>
+                  </a:txBody>
+                  <a:tcPr anchor="ctr"/>
+                </a:tc>
+                <a:tc>
+                  <a:txBody>
+                    <a:bodyPr/>
+                    <a:lstStyle/>
+                    <a:p>
+                      <a:pPr algn="ctr"/>
+                      <a:r>
+                        <a:rPr lang="en-US" sz="1050" dirty="0">
+                          <a:solidFill>
+                            <a:schemeClr val="accent1">
+                              <a:lumMod val="50000"/>
+                            </a:schemeClr>
+                          </a:solidFill>
+                        </a:rPr>
+                        <a:t>19.99%</a:t>
+                      </a:r>
+                      <a:endParaRPr lang="en-CA" sz="1050" dirty="0">
+                        <a:solidFill>
+                          <a:schemeClr val="accent1">
+                            <a:lumMod val="50000"/>
+                          </a:schemeClr>
+                        </a:solidFill>
+                      </a:endParaRPr>
+                    </a:p>
+                  </a:txBody>
+                  <a:tcPr anchor="ctr"/>
+                </a:tc>
+                <a:tc>
+                  <a:txBody>
+                    <a:bodyPr/>
+                    <a:lstStyle/>
+                    <a:p>
+                      <a:pPr algn="ctr"/>
+                      <a:r>
+                        <a:rPr lang="en-US" sz="1050" dirty="0">
+                          <a:solidFill>
+                            <a:schemeClr val="accent1">
+                              <a:lumMod val="50000"/>
+                            </a:schemeClr>
+                          </a:solidFill>
+                        </a:rPr>
+                        <a:t>20.31%</a:t>
+                      </a:r>
+                      <a:endParaRPr lang="en-CA" sz="1050" dirty="0">
+                        <a:solidFill>
+                          <a:schemeClr val="accent1">
+                            <a:lumMod val="50000"/>
+                          </a:schemeClr>
+                        </a:solidFill>
+                      </a:endParaRPr>
+                    </a:p>
+                  </a:txBody>
+                  <a:tcPr anchor="ctr"/>
+                </a:tc>
+                <a:extLst>
+                  <a:ext uri="{0D108BD9-81ED-4DB2-BD59-A6C34878D82A}">
+                    <a16:rowId xmlns:a16="http://schemas.microsoft.com/office/drawing/2014/main" val="4031921631"/>
+                  </a:ext>
+                </a:extLst>
+              </a:tr>
+              <a:tr h="270814">
+                <a:tc>
+                  <a:txBody>
+                    <a:bodyPr/>
+                    <a:lstStyle/>
+                    <a:p>
+                      <a:pPr algn="ctr"/>
+                      <a:r>
+                        <a:rPr lang="en-US" sz="1050" dirty="0">
+                          <a:solidFill>
+                            <a:schemeClr val="accent1">
+                              <a:lumMod val="50000"/>
+                            </a:schemeClr>
+                          </a:solidFill>
+                        </a:rPr>
+                        <a:t>Recycled Chair Mat</a:t>
+                      </a:r>
+                      <a:endParaRPr lang="en-CA" sz="1050" dirty="0">
+                        <a:solidFill>
+                          <a:schemeClr val="accent1">
+                            <a:lumMod val="50000"/>
+                          </a:schemeClr>
+                        </a:solidFill>
+                      </a:endParaRPr>
+                    </a:p>
+                  </a:txBody>
+                  <a:tcPr anchor="ctr"/>
+                </a:tc>
+                <a:tc>
+                  <a:txBody>
+                    <a:bodyPr/>
+                    <a:lstStyle/>
+                    <a:p>
+                      <a:pPr algn="ctr"/>
+                      <a:r>
+                        <a:rPr lang="en-US" sz="1050" dirty="0">
+                          <a:solidFill>
+                            <a:schemeClr val="accent1">
+                              <a:lumMod val="50000"/>
+                            </a:schemeClr>
+                          </a:solidFill>
+                        </a:rPr>
+                        <a:t>41.50%</a:t>
+                      </a:r>
+                      <a:endParaRPr lang="en-CA" sz="1050" dirty="0">
+                        <a:solidFill>
+                          <a:schemeClr val="accent1">
+                            <a:lumMod val="50000"/>
+                          </a:schemeClr>
+                        </a:solidFill>
+                      </a:endParaRPr>
+                    </a:p>
+                  </a:txBody>
+                  <a:tcPr anchor="ctr"/>
+                </a:tc>
+                <a:tc>
+                  <a:txBody>
+                    <a:bodyPr/>
+                    <a:lstStyle/>
+                    <a:p>
+                      <a:pPr algn="ctr"/>
+                      <a:r>
+                        <a:rPr lang="en-US" sz="1050" dirty="0">
+                          <a:solidFill>
+                            <a:schemeClr val="accent1">
+                              <a:lumMod val="50000"/>
+                            </a:schemeClr>
+                          </a:solidFill>
+                        </a:rPr>
+                        <a:t>41.50%</a:t>
+                      </a:r>
+                      <a:endParaRPr lang="en-CA" sz="1050" dirty="0">
+                        <a:solidFill>
+                          <a:schemeClr val="accent1">
+                            <a:lumMod val="50000"/>
+                          </a:schemeClr>
+                        </a:solidFill>
+                      </a:endParaRPr>
+                    </a:p>
+                  </a:txBody>
+                  <a:tcPr anchor="ctr"/>
+                </a:tc>
+                <a:extLst>
+                  <a:ext uri="{0D108BD9-81ED-4DB2-BD59-A6C34878D82A}">
+                    <a16:rowId xmlns:a16="http://schemas.microsoft.com/office/drawing/2014/main" val="2611405373"/>
+                  </a:ext>
+                </a:extLst>
+              </a:tr>
+              <a:tr h="270814">
+                <a:tc>
+                  <a:txBody>
+                    <a:bodyPr/>
+                    <a:lstStyle/>
+                    <a:p>
+                      <a:pPr algn="ctr"/>
+                      <a:r>
+                        <a:rPr lang="en-US" sz="1050" dirty="0">
+                          <a:solidFill>
+                            <a:schemeClr val="accent1">
+                              <a:lumMod val="50000"/>
+                            </a:schemeClr>
+                          </a:solidFill>
+                        </a:rPr>
+                        <a:t>Steel Whiteboard</a:t>
+                      </a:r>
+                      <a:endParaRPr lang="en-CA" sz="1050" dirty="0">
+                        <a:solidFill>
+                          <a:schemeClr val="accent1">
+                            <a:lumMod val="50000"/>
+                          </a:schemeClr>
+                        </a:solidFill>
+                      </a:endParaRPr>
+                    </a:p>
+                  </a:txBody>
+                  <a:tcPr anchor="ctr"/>
+                </a:tc>
+                <a:tc>
+                  <a:txBody>
+                    <a:bodyPr/>
+                    <a:lstStyle/>
+                    <a:p>
+                      <a:pPr algn="ctr"/>
+                      <a:r>
+                        <a:rPr lang="en-US" sz="1050" dirty="0">
+                          <a:solidFill>
+                            <a:schemeClr val="accent1">
+                              <a:lumMod val="50000"/>
+                            </a:schemeClr>
+                          </a:solidFill>
+                        </a:rPr>
+                        <a:t>31.49%</a:t>
+                      </a:r>
+                      <a:endParaRPr lang="en-CA" sz="1050" dirty="0">
+                        <a:solidFill>
+                          <a:schemeClr val="accent1">
+                            <a:lumMod val="50000"/>
+                          </a:schemeClr>
+                        </a:solidFill>
+                      </a:endParaRPr>
+                    </a:p>
+                  </a:txBody>
+                  <a:tcPr anchor="ctr"/>
+                </a:tc>
+                <a:tc>
+                  <a:txBody>
+                    <a:bodyPr/>
+                    <a:lstStyle/>
+                    <a:p>
+                      <a:pPr algn="ctr"/>
+                      <a:r>
+                        <a:rPr lang="en-US" sz="1050" dirty="0">
+                          <a:solidFill>
+                            <a:schemeClr val="accent1">
+                              <a:lumMod val="50000"/>
+                            </a:schemeClr>
+                          </a:solidFill>
+                        </a:rPr>
+                        <a:t>34.42%</a:t>
+                      </a:r>
+                      <a:endParaRPr lang="en-CA" sz="1050" dirty="0">
+                        <a:solidFill>
+                          <a:schemeClr val="accent1">
+                            <a:lumMod val="50000"/>
+                          </a:schemeClr>
+                        </a:solidFill>
+                      </a:endParaRPr>
+                    </a:p>
+                  </a:txBody>
+                  <a:tcPr anchor="ctr"/>
+                </a:tc>
+                <a:extLst>
+                  <a:ext uri="{0D108BD9-81ED-4DB2-BD59-A6C34878D82A}">
+                    <a16:rowId xmlns:a16="http://schemas.microsoft.com/office/drawing/2014/main" val="2998893784"/>
+                  </a:ext>
+                </a:extLst>
+              </a:tr>
+              <a:tr h="322522">
+                <a:tc>
+                  <a:txBody>
+                    <a:bodyPr/>
+                    <a:lstStyle/>
+                    <a:p>
+                      <a:pPr algn="ctr"/>
+                      <a:r>
+                        <a:rPr lang="en-US" sz="1050" dirty="0">
+                          <a:solidFill>
+                            <a:schemeClr val="accent1">
+                              <a:lumMod val="50000"/>
+                            </a:schemeClr>
+                          </a:solidFill>
+                        </a:rPr>
+                        <a:t>Tempered Glass Chair Mat</a:t>
+                      </a:r>
+                      <a:endParaRPr lang="en-CA" sz="1050" dirty="0">
+                        <a:solidFill>
+                          <a:schemeClr val="accent1">
+                            <a:lumMod val="50000"/>
+                          </a:schemeClr>
+                        </a:solidFill>
+                      </a:endParaRPr>
+                    </a:p>
+                  </a:txBody>
+                  <a:tcPr anchor="ctr"/>
+                </a:tc>
+                <a:tc>
+                  <a:txBody>
+                    <a:bodyPr/>
+                    <a:lstStyle/>
+                    <a:p>
+                      <a:pPr algn="ctr"/>
+                      <a:r>
+                        <a:rPr lang="en-US" sz="1050" dirty="0">
+                          <a:solidFill>
+                            <a:schemeClr val="accent1">
+                              <a:lumMod val="50000"/>
+                            </a:schemeClr>
+                          </a:solidFill>
+                        </a:rPr>
+                        <a:t>41.95%</a:t>
+                      </a:r>
+                      <a:endParaRPr lang="en-CA" sz="1050" dirty="0">
+                        <a:solidFill>
+                          <a:schemeClr val="accent1">
+                            <a:lumMod val="50000"/>
+                          </a:schemeClr>
+                        </a:solidFill>
+                      </a:endParaRPr>
+                    </a:p>
+                  </a:txBody>
+                  <a:tcPr anchor="ctr"/>
+                </a:tc>
+                <a:tc>
+                  <a:txBody>
+                    <a:bodyPr/>
+                    <a:lstStyle/>
+                    <a:p>
+                      <a:pPr algn="ctr"/>
+                      <a:r>
+                        <a:rPr lang="en-US" sz="1050" dirty="0">
+                          <a:solidFill>
+                            <a:schemeClr val="accent1">
+                              <a:lumMod val="50000"/>
+                            </a:schemeClr>
+                          </a:solidFill>
+                        </a:rPr>
+                        <a:t>46.20%</a:t>
+                      </a:r>
+                      <a:endParaRPr lang="en-CA" sz="1050" dirty="0">
+                        <a:solidFill>
+                          <a:schemeClr val="accent1">
+                            <a:lumMod val="50000"/>
+                          </a:schemeClr>
+                        </a:solidFill>
+                      </a:endParaRPr>
+                    </a:p>
+                  </a:txBody>
+                  <a:tcPr anchor="ctr"/>
+                </a:tc>
+                <a:extLst>
+                  <a:ext uri="{0D108BD9-81ED-4DB2-BD59-A6C34878D82A}">
+                    <a16:rowId xmlns:a16="http://schemas.microsoft.com/office/drawing/2014/main" val="2971474228"/>
+                  </a:ext>
+                </a:extLst>
+              </a:tr>
+              <a:tr h="369954">
+                <a:tc>
+                  <a:txBody>
+                    <a:bodyPr/>
+                    <a:lstStyle/>
+                    <a:p>
+                      <a:pPr algn="ctr"/>
+                      <a:r>
+                        <a:rPr lang="en-US" sz="1050" dirty="0">
+                          <a:solidFill>
+                            <a:schemeClr val="accent1">
+                              <a:lumMod val="50000"/>
+                            </a:schemeClr>
+                          </a:solidFill>
+                        </a:rPr>
+                        <a:t>Tempered Glass Whiteboard</a:t>
+                      </a:r>
+                      <a:endParaRPr lang="en-CA" sz="1050" dirty="0">
+                        <a:solidFill>
+                          <a:schemeClr val="accent1">
+                            <a:lumMod val="50000"/>
+                          </a:schemeClr>
+                        </a:solidFill>
+                      </a:endParaRPr>
+                    </a:p>
+                  </a:txBody>
+                  <a:tcPr anchor="ctr"/>
+                </a:tc>
+                <a:tc>
+                  <a:txBody>
+                    <a:bodyPr/>
+                    <a:lstStyle/>
+                    <a:p>
+                      <a:pPr algn="ctr"/>
+                      <a:r>
+                        <a:rPr lang="en-US" sz="1050" dirty="0">
+                          <a:solidFill>
+                            <a:schemeClr val="accent1">
+                              <a:lumMod val="50000"/>
+                            </a:schemeClr>
+                          </a:solidFill>
+                        </a:rPr>
+                        <a:t>44.48%</a:t>
+                      </a:r>
+                      <a:endParaRPr lang="en-CA" sz="1050" dirty="0">
+                        <a:solidFill>
+                          <a:schemeClr val="accent1">
+                            <a:lumMod val="50000"/>
+                          </a:schemeClr>
+                        </a:solidFill>
+                      </a:endParaRPr>
+                    </a:p>
+                  </a:txBody>
+                  <a:tcPr anchor="ctr"/>
+                </a:tc>
+                <a:tc>
+                  <a:txBody>
+                    <a:bodyPr/>
+                    <a:lstStyle/>
+                    <a:p>
+                      <a:pPr algn="ctr"/>
+                      <a:r>
+                        <a:rPr lang="en-US" sz="1050" dirty="0">
+                          <a:solidFill>
+                            <a:schemeClr val="accent1">
+                              <a:lumMod val="50000"/>
+                            </a:schemeClr>
+                          </a:solidFill>
+                        </a:rPr>
+                        <a:t>47.31%</a:t>
+                      </a:r>
+                      <a:endParaRPr lang="en-CA" sz="1050" dirty="0">
+                        <a:solidFill>
+                          <a:schemeClr val="accent1">
+                            <a:lumMod val="50000"/>
+                          </a:schemeClr>
+                        </a:solidFill>
+                      </a:endParaRPr>
+                    </a:p>
+                  </a:txBody>
+                  <a:tcPr anchor="ctr"/>
+                </a:tc>
+                <a:extLst>
+                  <a:ext uri="{0D108BD9-81ED-4DB2-BD59-A6C34878D82A}">
+                    <a16:rowId xmlns:a16="http://schemas.microsoft.com/office/drawing/2014/main" val="938922051"/>
+                  </a:ext>
+                </a:extLst>
+              </a:tr>
+            </a:tbl>
+          </a:graphicData>
+        </a:graphic>
+      </p:graphicFrame>
+    </p:spTree>
+    <p:extLst>
+      <p:ext uri="{BB962C8B-B14F-4D97-AF65-F5344CB8AC3E}">
+        <p14:creationId xmlns:p14="http://schemas.microsoft.com/office/powerpoint/2010/main" val="3860287979"/>
+      </p:ext>
+    </p:extLst>
+  </p:cSld>
+  <p:clrMapOvr>
+    <a:masterClrMapping/>
+  </p:clrMapOvr>
+</p:sld>
+</file>
+
+<file path=ppt/slides/slide16.xml><?xml version="1.0" encoding="utf-8"?>
+<p:sld xmlns:a="http://schemas.openxmlformats.org/drawingml/2006/main" xmlns:r="http://schemas.openxmlformats.org/officeDocument/2006/relationships" xmlns:p="http://schemas.openxmlformats.org/presentationml/2006/main">
+  <p:cSld>
+    <p:spTree>
+      <p:nvGrpSpPr>
+        <p:cNvPr id="1" name="Shape 363"/>
+        <p:cNvGrpSpPr/>
+        <p:nvPr/>
+      </p:nvGrpSpPr>
+      <p:grpSpPr>
+        <a:xfrm>
+          <a:off x="0" y="0"/>
+          <a:ext cx="0" cy="0"/>
+          <a:chOff x="0" y="0"/>
+          <a:chExt cx="0" cy="0"/>
+        </a:xfrm>
+      </p:grpSpPr>
+      <p:sp>
+        <p:nvSpPr>
+          <p:cNvPr id="364" name="Google Shape;364;p15"/>
+          <p:cNvSpPr txBox="1">
+            <a:spLocks noGrp="1"/>
+          </p:cNvSpPr>
+          <p:nvPr>
+            <p:ph type="ctrTitle"/>
+          </p:nvPr>
+        </p:nvSpPr>
+        <p:spPr>
+          <a:xfrm>
+            <a:off x="4752109" y="1360410"/>
+            <a:ext cx="4304967" cy="1211340"/>
+          </a:xfrm>
+          <a:prstGeom prst="rect">
+            <a:avLst/>
+          </a:prstGeom>
+        </p:spPr>
+        <p:txBody>
+          <a:bodyPr spcFirstLastPara="1" wrap="square" lIns="91425" tIns="91425" rIns="91425" bIns="91425" anchor="b" anchorCtr="0">
+            <a:noAutofit/>
+          </a:bodyPr>
+          <a:lstStyle/>
+          <a:p>
+            <a:pPr marL="0" lvl="0" indent="0" algn="r" rtl="0">
+              <a:spcBef>
+                <a:spcPts val="0"/>
+              </a:spcBef>
+              <a:spcAft>
+                <a:spcPts val="0"/>
+              </a:spcAft>
+              <a:buNone/>
+            </a:pPr>
+            <a:r>
               <a:rPr lang="es" dirty="0">
                 <a:solidFill>
                   <a:schemeClr val="accent1">
@@ -26882,9 +30514,161 @@
                   </a:schemeClr>
                 </a:solidFill>
               </a:rPr>
-              <a:t>Visualizations and Dashboard</a:t>
+              <a:t>Visualizations and Dashboards</a:t>
             </a:r>
             <a:endParaRPr dirty="0">
+              <a:solidFill>
+                <a:schemeClr val="accent1">
+                  <a:lumMod val="75000"/>
+                </a:schemeClr>
+              </a:solidFill>
+            </a:endParaRPr>
+          </a:p>
+        </p:txBody>
+      </p:sp>
+      <p:sp>
+        <p:nvSpPr>
+          <p:cNvPr id="2" name="Google Shape;365;p15">
+            <a:extLst>
+              <a:ext uri="{FF2B5EF4-FFF2-40B4-BE49-F238E27FC236}">
+                <a16:creationId xmlns:a16="http://schemas.microsoft.com/office/drawing/2014/main" id="{74266CAF-AA38-2315-BE63-525028F374EC}"/>
+              </a:ext>
+            </a:extLst>
+          </p:cNvPr>
+          <p:cNvSpPr txBox="1">
+            <a:spLocks noGrp="1"/>
+          </p:cNvSpPr>
+          <p:nvPr>
+            <p:ph type="subTitle" idx="1"/>
+          </p:nvPr>
+        </p:nvSpPr>
+        <p:spPr>
+          <a:xfrm>
+            <a:off x="155460" y="2040846"/>
+            <a:ext cx="5049000" cy="1567500"/>
+          </a:xfrm>
+          <a:prstGeom prst="rect">
+            <a:avLst/>
+          </a:prstGeom>
+        </p:spPr>
+        <p:txBody>
+          <a:bodyPr spcFirstLastPara="1" wrap="square" lIns="91425" tIns="91425" rIns="91425" bIns="91425" anchor="t" anchorCtr="0">
+            <a:noAutofit/>
+          </a:bodyPr>
+          <a:lstStyle/>
+          <a:p>
+            <a:pPr marL="114300" indent="0"/>
+            <a:r>
+              <a:rPr lang="en-US" sz="2400" dirty="0">
+                <a:latin typeface="Barlow Condensed"/>
+              </a:rPr>
+              <a:t>* Used Databricks Dashboards</a:t>
+            </a:r>
+          </a:p>
+          <a:p>
+            <a:pPr marL="114300" indent="0"/>
+            <a:endParaRPr lang="en-US" sz="2400" dirty="0">
+              <a:latin typeface="Barlow Condensed"/>
+            </a:endParaRPr>
+          </a:p>
+          <a:p>
+            <a:pPr marL="114300" indent="0"/>
+            <a:r>
+              <a:rPr lang="en-US" sz="2400" dirty="0">
+                <a:latin typeface="Barlow Condensed"/>
+              </a:rPr>
+              <a:t>* Created filters in the Databricks Notebooks</a:t>
+            </a:r>
+          </a:p>
+          <a:p>
+            <a:pPr marL="0" lvl="0" indent="0" algn="l" rtl="0">
+              <a:spcBef>
+                <a:spcPts val="0"/>
+              </a:spcBef>
+              <a:spcAft>
+                <a:spcPts val="0"/>
+              </a:spcAft>
+              <a:buNone/>
+            </a:pPr>
+            <a:endParaRPr lang="en-US" sz="1800" dirty="0"/>
+          </a:p>
+        </p:txBody>
+      </p:sp>
+    </p:spTree>
+    <p:extLst>
+      <p:ext uri="{BB962C8B-B14F-4D97-AF65-F5344CB8AC3E}">
+        <p14:creationId xmlns:p14="http://schemas.microsoft.com/office/powerpoint/2010/main" val="186491133"/>
+      </p:ext>
+    </p:extLst>
+  </p:cSld>
+  <p:clrMapOvr>
+    <a:masterClrMapping/>
+  </p:clrMapOvr>
+</p:sld>
+</file>
+
+<file path=ppt/slides/slide17.xml><?xml version="1.0" encoding="utf-8"?>
+<p:sld xmlns:a="http://schemas.openxmlformats.org/drawingml/2006/main" xmlns:r="http://schemas.openxmlformats.org/officeDocument/2006/relationships" xmlns:p="http://schemas.openxmlformats.org/presentationml/2006/main">
+  <p:cSld>
+    <p:spTree>
+      <p:nvGrpSpPr>
+        <p:cNvPr id="1" name="Shape 363"/>
+        <p:cNvGrpSpPr/>
+        <p:nvPr/>
+      </p:nvGrpSpPr>
+      <p:grpSpPr>
+        <a:xfrm>
+          <a:off x="0" y="0"/>
+          <a:ext cx="0" cy="0"/>
+          <a:chOff x="0" y="0"/>
+          <a:chExt cx="0" cy="0"/>
+        </a:xfrm>
+      </p:grpSpPr>
+      <p:sp>
+        <p:nvSpPr>
+          <p:cNvPr id="364" name="Google Shape;364;p15"/>
+          <p:cNvSpPr txBox="1">
+            <a:spLocks noGrp="1"/>
+          </p:cNvSpPr>
+          <p:nvPr>
+            <p:ph type="ctrTitle"/>
+          </p:nvPr>
+        </p:nvSpPr>
+        <p:spPr>
+          <a:xfrm>
+            <a:off x="4752109" y="1360410"/>
+            <a:ext cx="4304967" cy="1211340"/>
+          </a:xfrm>
+          <a:prstGeom prst="rect">
+            <a:avLst/>
+          </a:prstGeom>
+        </p:spPr>
+        <p:txBody>
+          <a:bodyPr spcFirstLastPara="1" wrap="square" lIns="91425" tIns="91425" rIns="91425" bIns="91425" anchor="b" anchorCtr="0">
+            <a:noAutofit/>
+          </a:bodyPr>
+          <a:lstStyle/>
+          <a:p>
+            <a:pPr marL="0" lvl="0" indent="0" algn="r" rtl="0">
+              <a:spcBef>
+                <a:spcPts val="0"/>
+              </a:spcBef>
+              <a:spcAft>
+                <a:spcPts val="0"/>
+              </a:spcAft>
+              <a:buNone/>
+            </a:pPr>
+            <a:r>
+              <a:rPr lang="es" sz="4000" dirty="0">
+                <a:solidFill>
+                  <a:schemeClr val="accent1">
+                    <a:lumMod val="75000"/>
+                  </a:schemeClr>
+                </a:solidFill>
+              </a:rPr>
+              <a:t>Historical Dashboard (2018-2022)</a:t>
+            </a:r>
+            <a:endParaRPr sz="4000" dirty="0">
               <a:solidFill>
                 <a:schemeClr val="accent1">
                   <a:lumMod val="75000"/>
@@ -26957,7 +30741,7 @@
     </p:spTree>
     <p:extLst>
       <p:ext uri="{BB962C8B-B14F-4D97-AF65-F5344CB8AC3E}">
-        <p14:creationId xmlns:p14="http://schemas.microsoft.com/office/powerpoint/2010/main" val="312144122"/>
+        <p14:creationId xmlns:p14="http://schemas.microsoft.com/office/powerpoint/2010/main" val="723801050"/>
       </p:ext>
     </p:extLst>
   </p:cSld>
@@ -26967,7 +30751,145 @@
 </p:sld>
 </file>
 
-<file path=ppt/slides/slide11.xml><?xml version="1.0" encoding="utf-8"?>
+<file path=ppt/slides/slide18.xml><?xml version="1.0" encoding="utf-8"?>
+<p:sld xmlns:a="http://schemas.openxmlformats.org/drawingml/2006/main" xmlns:r="http://schemas.openxmlformats.org/officeDocument/2006/relationships" xmlns:p="http://schemas.openxmlformats.org/presentationml/2006/main">
+  <p:cSld>
+    <p:spTree>
+      <p:nvGrpSpPr>
+        <p:cNvPr id="1" name="Shape 363"/>
+        <p:cNvGrpSpPr/>
+        <p:nvPr/>
+      </p:nvGrpSpPr>
+      <p:grpSpPr>
+        <a:xfrm>
+          <a:off x="0" y="0"/>
+          <a:ext cx="0" cy="0"/>
+          <a:chOff x="0" y="0"/>
+          <a:chExt cx="0" cy="0"/>
+        </a:xfrm>
+      </p:grpSpPr>
+      <p:sp>
+        <p:nvSpPr>
+          <p:cNvPr id="364" name="Google Shape;364;p15"/>
+          <p:cNvSpPr txBox="1">
+            <a:spLocks noGrp="1"/>
+          </p:cNvSpPr>
+          <p:nvPr>
+            <p:ph type="ctrTitle"/>
+          </p:nvPr>
+        </p:nvSpPr>
+        <p:spPr>
+          <a:xfrm>
+            <a:off x="5151120" y="1360410"/>
+            <a:ext cx="3905956" cy="1211340"/>
+          </a:xfrm>
+          <a:prstGeom prst="rect">
+            <a:avLst/>
+          </a:prstGeom>
+        </p:spPr>
+        <p:txBody>
+          <a:bodyPr spcFirstLastPara="1" wrap="square" lIns="91425" tIns="91425" rIns="91425" bIns="91425" anchor="b" anchorCtr="0">
+            <a:noAutofit/>
+          </a:bodyPr>
+          <a:lstStyle/>
+          <a:p>
+            <a:pPr marL="0" lvl="0" indent="0" algn="r" rtl="0">
+              <a:spcBef>
+                <a:spcPts val="0"/>
+              </a:spcBef>
+              <a:spcAft>
+                <a:spcPts val="0"/>
+              </a:spcAft>
+              <a:buNone/>
+            </a:pPr>
+            <a:r>
+              <a:rPr lang="es" sz="4000" dirty="0">
+                <a:solidFill>
+                  <a:schemeClr val="accent1">
+                    <a:lumMod val="75000"/>
+                  </a:schemeClr>
+                </a:solidFill>
+              </a:rPr>
+              <a:t>Predictions Dashboard (2023)</a:t>
+            </a:r>
+            <a:endParaRPr sz="4000" dirty="0">
+              <a:solidFill>
+                <a:schemeClr val="accent1">
+                  <a:lumMod val="75000"/>
+                </a:schemeClr>
+              </a:solidFill>
+            </a:endParaRPr>
+          </a:p>
+        </p:txBody>
+      </p:sp>
+      <p:pic>
+        <p:nvPicPr>
+          <p:cNvPr id="3" name="Picture 2">
+            <a:extLst>
+              <a:ext uri="{FF2B5EF4-FFF2-40B4-BE49-F238E27FC236}">
+                <a16:creationId xmlns:a16="http://schemas.microsoft.com/office/drawing/2014/main" id="{9D5EFB3B-510E-6348-A17E-533CA6708C6F}"/>
+              </a:ext>
+            </a:extLst>
+          </p:cNvPr>
+          <p:cNvPicPr>
+            <a:picLocks noChangeAspect="1"/>
+          </p:cNvPicPr>
+          <p:nvPr/>
+        </p:nvPicPr>
+        <p:blipFill>
+          <a:blip r:embed="rId3"/>
+          <a:stretch>
+            <a:fillRect/>
+          </a:stretch>
+        </p:blipFill>
+        <p:spPr>
+          <a:xfrm>
+            <a:off x="695502" y="739140"/>
+            <a:ext cx="4037449" cy="4183380"/>
+          </a:xfrm>
+          <a:prstGeom prst="rect">
+            <a:avLst/>
+          </a:prstGeom>
+          <a:ln w="127000" cap="rnd">
+            <a:solidFill>
+              <a:srgbClr val="FFFFFF"/>
+            </a:solidFill>
+          </a:ln>
+          <a:effectLst>
+            <a:outerShdw blurRad="76200" dist="95250" dir="10500000" sx="97000" sy="23000" kx="900000" algn="br" rotWithShape="0">
+              <a:srgbClr val="000000">
+                <a:alpha val="20000"/>
+              </a:srgbClr>
+            </a:outerShdw>
+          </a:effectLst>
+          <a:scene3d>
+            <a:camera prst="orthographicFront"/>
+            <a:lightRig rig="twoPt" dir="t">
+              <a:rot lat="0" lon="0" rev="7800000"/>
+            </a:lightRig>
+          </a:scene3d>
+          <a:sp3d contourW="6350">
+            <a:bevelT w="50800" h="16510"/>
+            <a:contourClr>
+              <a:srgbClr val="C0C0C0"/>
+            </a:contourClr>
+          </a:sp3d>
+        </p:spPr>
+      </p:pic>
+    </p:spTree>
+    <p:extLst>
+      <p:ext uri="{BB962C8B-B14F-4D97-AF65-F5344CB8AC3E}">
+        <p14:creationId xmlns:p14="http://schemas.microsoft.com/office/powerpoint/2010/main" val="2981021187"/>
+      </p:ext>
+    </p:extLst>
+  </p:cSld>
+  <p:clrMapOvr>
+    <a:masterClrMapping/>
+  </p:clrMapOvr>
+</p:sld>
+</file>
+
+<file path=ppt/slides/slide19.xml><?xml version="1.0" encoding="utf-8"?>
 <p:sld xmlns:a="http://schemas.openxmlformats.org/drawingml/2006/main" xmlns:r="http://schemas.openxmlformats.org/officeDocument/2006/relationships" xmlns:p="http://schemas.openxmlformats.org/presentationml/2006/main">
   <p:cSld>
     <p:spTree>
@@ -28057,511 +31979,6 @@
 </p:sld>
 </file>
 
-<file path=ppt/slides/slide12.xml><?xml version="1.0" encoding="utf-8"?>
-<p:sld xmlns:a="http://schemas.openxmlformats.org/drawingml/2006/main" xmlns:r="http://schemas.openxmlformats.org/officeDocument/2006/relationships" xmlns:p="http://schemas.openxmlformats.org/presentationml/2006/main">
-  <p:cSld>
-    <p:spTree>
-      <p:nvGrpSpPr>
-        <p:cNvPr id="1" name="Shape 709"/>
-        <p:cNvGrpSpPr/>
-        <p:nvPr/>
-      </p:nvGrpSpPr>
-      <p:grpSpPr>
-        <a:xfrm>
-          <a:off x="0" y="0"/>
-          <a:ext cx="0" cy="0"/>
-          <a:chOff x="0" y="0"/>
-          <a:chExt cx="0" cy="0"/>
-        </a:xfrm>
-      </p:grpSpPr>
-      <p:sp>
-        <p:nvSpPr>
-          <p:cNvPr id="710" name="Google Shape;710;p27"/>
-          <p:cNvSpPr txBox="1">
-            <a:spLocks noGrp="1"/>
-          </p:cNvSpPr>
-          <p:nvPr>
-            <p:ph type="ctrTitle"/>
-          </p:nvPr>
-        </p:nvSpPr>
-        <p:spPr>
-          <a:xfrm>
-            <a:off x="4707722" y="1993950"/>
-            <a:ext cx="3294300" cy="577800"/>
-          </a:xfrm>
-          <a:prstGeom prst="rect">
-            <a:avLst/>
-          </a:prstGeom>
-        </p:spPr>
-        <p:txBody>
-          <a:bodyPr spcFirstLastPara="1" wrap="square" lIns="91425" tIns="91425" rIns="91425" bIns="91425" anchor="b" anchorCtr="0">
-            <a:noAutofit/>
-          </a:bodyPr>
-          <a:lstStyle/>
-          <a:p>
-            <a:pPr marL="0" lvl="0" indent="0" algn="r" rtl="0">
-              <a:spcBef>
-                <a:spcPts val="0"/>
-              </a:spcBef>
-              <a:spcAft>
-                <a:spcPts val="0"/>
-              </a:spcAft>
-              <a:buNone/>
-            </a:pPr>
-            <a:r>
-              <a:rPr lang="es" dirty="0">
-                <a:solidFill>
-                  <a:schemeClr val="accent1">
-                    <a:lumMod val="75000"/>
-                  </a:schemeClr>
-                </a:solidFill>
-              </a:rPr>
-              <a:t>Challenges</a:t>
-            </a:r>
-            <a:endParaRPr dirty="0">
-              <a:solidFill>
-                <a:schemeClr val="accent1">
-                  <a:lumMod val="75000"/>
-                </a:schemeClr>
-              </a:solidFill>
-            </a:endParaRPr>
-          </a:p>
-        </p:txBody>
-      </p:sp>
-      <p:sp>
-        <p:nvSpPr>
-          <p:cNvPr id="711" name="Google Shape;711;p27"/>
-          <p:cNvSpPr txBox="1">
-            <a:spLocks noGrp="1"/>
-          </p:cNvSpPr>
-          <p:nvPr>
-            <p:ph type="subTitle" idx="1"/>
-          </p:nvPr>
-        </p:nvSpPr>
-        <p:spPr>
-          <a:xfrm>
-            <a:off x="261122" y="1904711"/>
-            <a:ext cx="4446600" cy="2040300"/>
-          </a:xfrm>
-          <a:prstGeom prst="rect">
-            <a:avLst/>
-          </a:prstGeom>
-        </p:spPr>
-        <p:txBody>
-          <a:bodyPr spcFirstLastPara="1" wrap="square" lIns="91425" tIns="91425" rIns="91425" bIns="91425" anchor="t" anchorCtr="0">
-            <a:noAutofit/>
-          </a:bodyPr>
-          <a:lstStyle/>
-          <a:p>
-            <a:pPr marL="0" lvl="0" indent="0" algn="l" rtl="0">
-              <a:spcBef>
-                <a:spcPts val="300"/>
-              </a:spcBef>
-              <a:spcAft>
-                <a:spcPts val="0"/>
-              </a:spcAft>
-            </a:pPr>
-            <a:r>
-              <a:rPr lang="en-US" sz="1800" dirty="0">
-                <a:latin typeface="Barlow Condensed"/>
-              </a:rPr>
-              <a:t>*ETL was processed in Databricks and it was truncating the data to 10,000 rows. </a:t>
-            </a:r>
-          </a:p>
-          <a:p>
-            <a:pPr marL="0" lvl="0" indent="0" algn="l" rtl="0">
-              <a:spcBef>
-                <a:spcPts val="300"/>
-              </a:spcBef>
-              <a:spcAft>
-                <a:spcPts val="0"/>
-              </a:spcAft>
-            </a:pPr>
-            <a:endParaRPr lang="en-US" sz="1800" dirty="0">
-              <a:latin typeface="Barlow Condensed"/>
-            </a:endParaRPr>
-          </a:p>
-          <a:p>
-            <a:pPr marL="0" lvl="0" indent="0" algn="l" rtl="0">
-              <a:spcBef>
-                <a:spcPts val="300"/>
-              </a:spcBef>
-              <a:spcAft>
-                <a:spcPts val="0"/>
-              </a:spcAft>
-            </a:pPr>
-            <a:r>
-              <a:rPr lang="en-US" sz="1800" dirty="0">
-                <a:latin typeface="Barlow Condensed"/>
-              </a:rPr>
-              <a:t>*The dashboards in Databricks do not have a default option for adding filters to visualizations.</a:t>
-            </a:r>
-          </a:p>
-          <a:p>
-            <a:pPr marL="0" lvl="0" indent="0" algn="l" rtl="0">
-              <a:spcBef>
-                <a:spcPts val="300"/>
-              </a:spcBef>
-              <a:spcAft>
-                <a:spcPts val="0"/>
-              </a:spcAft>
-            </a:pPr>
-            <a:endParaRPr lang="en-US" sz="1800" dirty="0">
-              <a:latin typeface="Barlow Condensed"/>
-            </a:endParaRPr>
-          </a:p>
-          <a:p>
-            <a:pPr marL="0" lvl="0" indent="0" algn="l" rtl="0">
-              <a:spcBef>
-                <a:spcPts val="300"/>
-              </a:spcBef>
-              <a:spcAft>
-                <a:spcPts val="0"/>
-              </a:spcAft>
-            </a:pPr>
-            <a:r>
-              <a:rPr lang="en-US" sz="1800" dirty="0">
-                <a:latin typeface="Barlow Condensed"/>
-              </a:rPr>
-              <a:t>*The filters on the Databricks dashboards do not carry over to the HTML file</a:t>
-            </a:r>
-          </a:p>
-          <a:p>
-            <a:pPr marL="0" lvl="0" indent="0" algn="l" rtl="0">
-              <a:spcBef>
-                <a:spcPts val="300"/>
-              </a:spcBef>
-              <a:spcAft>
-                <a:spcPts val="0"/>
-              </a:spcAft>
-              <a:buNone/>
-            </a:pPr>
-            <a:endParaRPr lang="en-US" dirty="0"/>
-          </a:p>
-          <a:p>
-            <a:pPr marL="0" lvl="0" indent="0" algn="l" rtl="0">
-              <a:spcBef>
-                <a:spcPts val="300"/>
-              </a:spcBef>
-              <a:spcAft>
-                <a:spcPts val="0"/>
-              </a:spcAft>
-              <a:buNone/>
-            </a:pPr>
-            <a:endParaRPr dirty="0"/>
-          </a:p>
-        </p:txBody>
-      </p:sp>
-    </p:spTree>
-  </p:cSld>
-  <p:clrMapOvr>
-    <a:masterClrMapping/>
-  </p:clrMapOvr>
-</p:sld>
-</file>
-
-<file path=ppt/slides/slide13.xml><?xml version="1.0" encoding="utf-8"?>
-<p:sld xmlns:a="http://schemas.openxmlformats.org/drawingml/2006/main" xmlns:r="http://schemas.openxmlformats.org/officeDocument/2006/relationships" xmlns:p="http://schemas.openxmlformats.org/presentationml/2006/main">
-  <p:cSld>
-    <p:spTree>
-      <p:nvGrpSpPr>
-        <p:cNvPr id="1" name="Shape 709"/>
-        <p:cNvGrpSpPr/>
-        <p:nvPr/>
-      </p:nvGrpSpPr>
-      <p:grpSpPr>
-        <a:xfrm>
-          <a:off x="0" y="0"/>
-          <a:ext cx="0" cy="0"/>
-          <a:chOff x="0" y="0"/>
-          <a:chExt cx="0" cy="0"/>
-        </a:xfrm>
-      </p:grpSpPr>
-      <p:sp>
-        <p:nvSpPr>
-          <p:cNvPr id="710" name="Google Shape;710;p27"/>
-          <p:cNvSpPr txBox="1">
-            <a:spLocks noGrp="1"/>
-          </p:cNvSpPr>
-          <p:nvPr>
-            <p:ph type="ctrTitle"/>
-          </p:nvPr>
-        </p:nvSpPr>
-        <p:spPr>
-          <a:xfrm>
-            <a:off x="4998668" y="1993950"/>
-            <a:ext cx="3294300" cy="577800"/>
-          </a:xfrm>
-          <a:prstGeom prst="rect">
-            <a:avLst/>
-          </a:prstGeom>
-        </p:spPr>
-        <p:txBody>
-          <a:bodyPr spcFirstLastPara="1" wrap="square" lIns="91425" tIns="91425" rIns="91425" bIns="91425" anchor="b" anchorCtr="0">
-            <a:noAutofit/>
-          </a:bodyPr>
-          <a:lstStyle/>
-          <a:p>
-            <a:pPr marL="0" lvl="0" indent="0" algn="r" rtl="0">
-              <a:spcBef>
-                <a:spcPts val="0"/>
-              </a:spcBef>
-              <a:spcAft>
-                <a:spcPts val="0"/>
-              </a:spcAft>
-              <a:buNone/>
-            </a:pPr>
-            <a:r>
-              <a:rPr lang="es" dirty="0">
-                <a:solidFill>
-                  <a:schemeClr val="accent1">
-                    <a:lumMod val="75000"/>
-                  </a:schemeClr>
-                </a:solidFill>
-              </a:rPr>
-              <a:t>Conclusions</a:t>
-            </a:r>
-            <a:endParaRPr dirty="0">
-              <a:solidFill>
-                <a:schemeClr val="accent1">
-                  <a:lumMod val="75000"/>
-                </a:schemeClr>
-              </a:solidFill>
-            </a:endParaRPr>
-          </a:p>
-        </p:txBody>
-      </p:sp>
-      <p:sp>
-        <p:nvSpPr>
-          <p:cNvPr id="711" name="Google Shape;711;p27"/>
-          <p:cNvSpPr txBox="1">
-            <a:spLocks noGrp="1"/>
-          </p:cNvSpPr>
-          <p:nvPr>
-            <p:ph type="subTitle" idx="1"/>
-          </p:nvPr>
-        </p:nvSpPr>
-        <p:spPr>
-          <a:xfrm>
-            <a:off x="261122" y="1904711"/>
-            <a:ext cx="4446600" cy="2040300"/>
-          </a:xfrm>
-          <a:prstGeom prst="rect">
-            <a:avLst/>
-          </a:prstGeom>
-        </p:spPr>
-        <p:txBody>
-          <a:bodyPr spcFirstLastPara="1" wrap="square" lIns="91425" tIns="91425" rIns="91425" bIns="91425" anchor="t" anchorCtr="0">
-            <a:noAutofit/>
-          </a:bodyPr>
-          <a:lstStyle/>
-          <a:p>
-            <a:pPr marL="0" lvl="0" indent="0" algn="l" rtl="0">
-              <a:spcBef>
-                <a:spcPts val="300"/>
-              </a:spcBef>
-              <a:spcAft>
-                <a:spcPts val="0"/>
-              </a:spcAft>
-            </a:pPr>
-            <a:r>
-              <a:rPr lang="en-US" sz="1800" dirty="0">
-                <a:latin typeface="Barlow Condensed"/>
-              </a:rPr>
-              <a:t>*</a:t>
-            </a:r>
-            <a:endParaRPr lang="en-US" dirty="0"/>
-          </a:p>
-          <a:p>
-            <a:pPr marL="0" lvl="0" indent="0" algn="l" rtl="0">
-              <a:spcBef>
-                <a:spcPts val="300"/>
-              </a:spcBef>
-              <a:spcAft>
-                <a:spcPts val="0"/>
-              </a:spcAft>
-              <a:buNone/>
-            </a:pPr>
-            <a:endParaRPr dirty="0"/>
-          </a:p>
-        </p:txBody>
-      </p:sp>
-    </p:spTree>
-    <p:extLst>
-      <p:ext uri="{BB962C8B-B14F-4D97-AF65-F5344CB8AC3E}">
-        <p14:creationId xmlns:p14="http://schemas.microsoft.com/office/powerpoint/2010/main" val="3250105336"/>
-      </p:ext>
-    </p:extLst>
-  </p:cSld>
-  <p:clrMapOvr>
-    <a:masterClrMapping/>
-  </p:clrMapOvr>
-</p:sld>
-</file>
-
-<file path=ppt/slides/slide14.xml><?xml version="1.0" encoding="utf-8"?>
-<p:sld xmlns:a="http://schemas.openxmlformats.org/drawingml/2006/main" xmlns:r="http://schemas.openxmlformats.org/officeDocument/2006/relationships" xmlns:p="http://schemas.openxmlformats.org/presentationml/2006/main">
-  <p:cSld>
-    <p:spTree>
-      <p:nvGrpSpPr>
-        <p:cNvPr id="1" name="Shape 704"/>
-        <p:cNvGrpSpPr/>
-        <p:nvPr/>
-      </p:nvGrpSpPr>
-      <p:grpSpPr>
-        <a:xfrm>
-          <a:off x="0" y="0"/>
-          <a:ext cx="0" cy="0"/>
-          <a:chOff x="0" y="0"/>
-          <a:chExt cx="0" cy="0"/>
-        </a:xfrm>
-      </p:grpSpPr>
-      <p:sp>
-        <p:nvSpPr>
-          <p:cNvPr id="705" name="Google Shape;705;p26"/>
-          <p:cNvSpPr txBox="1">
-            <a:spLocks noGrp="1"/>
-          </p:cNvSpPr>
-          <p:nvPr>
-            <p:ph type="ctrTitle"/>
-          </p:nvPr>
-        </p:nvSpPr>
-        <p:spPr>
-          <a:xfrm>
-            <a:off x="1421439" y="1143670"/>
-            <a:ext cx="5553000" cy="2052600"/>
-          </a:xfrm>
-          <a:prstGeom prst="rect">
-            <a:avLst/>
-          </a:prstGeom>
-        </p:spPr>
-        <p:txBody>
-          <a:bodyPr spcFirstLastPara="1" wrap="square" lIns="91425" tIns="91425" rIns="91425" bIns="91425" anchor="ctr" anchorCtr="0">
-            <a:noAutofit/>
-          </a:bodyPr>
-          <a:lstStyle/>
-          <a:p>
-            <a:pPr marL="0" lvl="0" indent="0" algn="ctr" rtl="0">
-              <a:spcBef>
-                <a:spcPts val="0"/>
-              </a:spcBef>
-              <a:spcAft>
-                <a:spcPts val="0"/>
-              </a:spcAft>
-              <a:buNone/>
-            </a:pPr>
-            <a:r>
-              <a:rPr lang="es" dirty="0">
-                <a:solidFill>
-                  <a:schemeClr val="accent1">
-                    <a:lumMod val="75000"/>
-                  </a:schemeClr>
-                </a:solidFill>
-              </a:rPr>
-              <a:t>Thank you for listening!</a:t>
-            </a:r>
-            <a:endParaRPr dirty="0">
-              <a:solidFill>
-                <a:schemeClr val="accent1">
-                  <a:lumMod val="75000"/>
-                </a:schemeClr>
-              </a:solidFill>
-            </a:endParaRPr>
-          </a:p>
-        </p:txBody>
-      </p:sp>
-    </p:spTree>
-  </p:cSld>
-  <p:clrMapOvr>
-    <a:masterClrMapping/>
-  </p:clrMapOvr>
-</p:sld>
-</file>
-
-<file path=ppt/slides/slide15.xml><?xml version="1.0" encoding="utf-8"?>
-<p:sld xmlns:a="http://schemas.openxmlformats.org/drawingml/2006/main" xmlns:r="http://schemas.openxmlformats.org/officeDocument/2006/relationships" xmlns:p="http://schemas.openxmlformats.org/presentationml/2006/main">
-  <p:cSld>
-    <p:spTree>
-      <p:nvGrpSpPr>
-        <p:cNvPr id="1" name="Shape 704"/>
-        <p:cNvGrpSpPr/>
-        <p:nvPr/>
-      </p:nvGrpSpPr>
-      <p:grpSpPr>
-        <a:xfrm>
-          <a:off x="0" y="0"/>
-          <a:ext cx="0" cy="0"/>
-          <a:chOff x="0" y="0"/>
-          <a:chExt cx="0" cy="0"/>
-        </a:xfrm>
-      </p:grpSpPr>
-      <p:sp>
-        <p:nvSpPr>
-          <p:cNvPr id="705" name="Google Shape;705;p26"/>
-          <p:cNvSpPr txBox="1">
-            <a:spLocks noGrp="1"/>
-          </p:cNvSpPr>
-          <p:nvPr>
-            <p:ph type="ctrTitle"/>
-          </p:nvPr>
-        </p:nvSpPr>
-        <p:spPr>
-          <a:xfrm>
-            <a:off x="1421439" y="1143670"/>
-            <a:ext cx="5553000" cy="2052600"/>
-          </a:xfrm>
-          <a:prstGeom prst="rect">
-            <a:avLst/>
-          </a:prstGeom>
-        </p:spPr>
-        <p:txBody>
-          <a:bodyPr spcFirstLastPara="1" wrap="square" lIns="91425" tIns="91425" rIns="91425" bIns="91425" anchor="ctr" anchorCtr="0">
-            <a:noAutofit/>
-          </a:bodyPr>
-          <a:lstStyle/>
-          <a:p>
-            <a:pPr marL="0" lvl="0" indent="0" algn="ctr" rtl="0">
-              <a:spcBef>
-                <a:spcPts val="0"/>
-              </a:spcBef>
-              <a:spcAft>
-                <a:spcPts val="0"/>
-              </a:spcAft>
-              <a:buNone/>
-            </a:pPr>
-            <a:r>
-              <a:rPr lang="es" dirty="0">
-                <a:solidFill>
-                  <a:schemeClr val="accent1">
-                    <a:lumMod val="75000"/>
-                  </a:schemeClr>
-                </a:solidFill>
-              </a:rPr>
-              <a:t>Any Questions?</a:t>
-            </a:r>
-            <a:endParaRPr dirty="0">
-              <a:solidFill>
-                <a:schemeClr val="accent1">
-                  <a:lumMod val="75000"/>
-                </a:schemeClr>
-              </a:solidFill>
-            </a:endParaRPr>
-          </a:p>
-        </p:txBody>
-      </p:sp>
-    </p:spTree>
-    <p:extLst>
-      <p:ext uri="{BB962C8B-B14F-4D97-AF65-F5344CB8AC3E}">
-        <p14:creationId xmlns:p14="http://schemas.microsoft.com/office/powerpoint/2010/main" val="3809281965"/>
-      </p:ext>
-    </p:extLst>
-  </p:cSld>
-  <p:clrMapOvr>
-    <a:masterClrMapping/>
-  </p:clrMapOvr>
-</p:sld>
-</file>
-
 <file path=ppt/slides/slide2.xml><?xml version="1.0" encoding="utf-8"?>
 <p:sld xmlns:a="http://schemas.openxmlformats.org/drawingml/2006/main" xmlns:r="http://schemas.openxmlformats.org/officeDocument/2006/relationships" xmlns:p="http://schemas.openxmlformats.org/presentationml/2006/main">
   <p:cSld>
@@ -28712,6 +32129,511 @@
 </p:sld>
 </file>
 
+<file path=ppt/slides/slide20.xml><?xml version="1.0" encoding="utf-8"?>
+<p:sld xmlns:a="http://schemas.openxmlformats.org/drawingml/2006/main" xmlns:r="http://schemas.openxmlformats.org/officeDocument/2006/relationships" xmlns:p="http://schemas.openxmlformats.org/presentationml/2006/main">
+  <p:cSld>
+    <p:spTree>
+      <p:nvGrpSpPr>
+        <p:cNvPr id="1" name="Shape 709"/>
+        <p:cNvGrpSpPr/>
+        <p:nvPr/>
+      </p:nvGrpSpPr>
+      <p:grpSpPr>
+        <a:xfrm>
+          <a:off x="0" y="0"/>
+          <a:ext cx="0" cy="0"/>
+          <a:chOff x="0" y="0"/>
+          <a:chExt cx="0" cy="0"/>
+        </a:xfrm>
+      </p:grpSpPr>
+      <p:sp>
+        <p:nvSpPr>
+          <p:cNvPr id="710" name="Google Shape;710;p27"/>
+          <p:cNvSpPr txBox="1">
+            <a:spLocks noGrp="1"/>
+          </p:cNvSpPr>
+          <p:nvPr>
+            <p:ph type="ctrTitle"/>
+          </p:nvPr>
+        </p:nvSpPr>
+        <p:spPr>
+          <a:xfrm>
+            <a:off x="4707722" y="1993950"/>
+            <a:ext cx="3294300" cy="577800"/>
+          </a:xfrm>
+          <a:prstGeom prst="rect">
+            <a:avLst/>
+          </a:prstGeom>
+        </p:spPr>
+        <p:txBody>
+          <a:bodyPr spcFirstLastPara="1" wrap="square" lIns="91425" tIns="91425" rIns="91425" bIns="91425" anchor="b" anchorCtr="0">
+            <a:noAutofit/>
+          </a:bodyPr>
+          <a:lstStyle/>
+          <a:p>
+            <a:pPr marL="0" lvl="0" indent="0" algn="r" rtl="0">
+              <a:spcBef>
+                <a:spcPts val="0"/>
+              </a:spcBef>
+              <a:spcAft>
+                <a:spcPts val="0"/>
+              </a:spcAft>
+              <a:buNone/>
+            </a:pPr>
+            <a:r>
+              <a:rPr lang="es" dirty="0">
+                <a:solidFill>
+                  <a:schemeClr val="accent1">
+                    <a:lumMod val="75000"/>
+                  </a:schemeClr>
+                </a:solidFill>
+              </a:rPr>
+              <a:t>Challenges</a:t>
+            </a:r>
+            <a:endParaRPr dirty="0">
+              <a:solidFill>
+                <a:schemeClr val="accent1">
+                  <a:lumMod val="75000"/>
+                </a:schemeClr>
+              </a:solidFill>
+            </a:endParaRPr>
+          </a:p>
+        </p:txBody>
+      </p:sp>
+      <p:sp>
+        <p:nvSpPr>
+          <p:cNvPr id="711" name="Google Shape;711;p27"/>
+          <p:cNvSpPr txBox="1">
+            <a:spLocks noGrp="1"/>
+          </p:cNvSpPr>
+          <p:nvPr>
+            <p:ph type="subTitle" idx="1"/>
+          </p:nvPr>
+        </p:nvSpPr>
+        <p:spPr>
+          <a:xfrm>
+            <a:off x="261122" y="1904711"/>
+            <a:ext cx="4446600" cy="2040300"/>
+          </a:xfrm>
+          <a:prstGeom prst="rect">
+            <a:avLst/>
+          </a:prstGeom>
+        </p:spPr>
+        <p:txBody>
+          <a:bodyPr spcFirstLastPara="1" wrap="square" lIns="91425" tIns="91425" rIns="91425" bIns="91425" anchor="t" anchorCtr="0">
+            <a:noAutofit/>
+          </a:bodyPr>
+          <a:lstStyle/>
+          <a:p>
+            <a:pPr marL="0" lvl="0" indent="0" algn="l" rtl="0">
+              <a:spcBef>
+                <a:spcPts val="300"/>
+              </a:spcBef>
+              <a:spcAft>
+                <a:spcPts val="0"/>
+              </a:spcAft>
+            </a:pPr>
+            <a:r>
+              <a:rPr lang="en-US" sz="1800" dirty="0">
+                <a:latin typeface="Barlow Condensed"/>
+              </a:rPr>
+              <a:t>*ETL was processed in Databricks and it was truncating the data to 10,000 rows. </a:t>
+            </a:r>
+          </a:p>
+          <a:p>
+            <a:pPr marL="0" lvl="0" indent="0" algn="l" rtl="0">
+              <a:spcBef>
+                <a:spcPts val="300"/>
+              </a:spcBef>
+              <a:spcAft>
+                <a:spcPts val="0"/>
+              </a:spcAft>
+            </a:pPr>
+            <a:endParaRPr lang="en-US" sz="1800" dirty="0">
+              <a:latin typeface="Barlow Condensed"/>
+            </a:endParaRPr>
+          </a:p>
+          <a:p>
+            <a:pPr marL="0" lvl="0" indent="0" algn="l" rtl="0">
+              <a:spcBef>
+                <a:spcPts val="300"/>
+              </a:spcBef>
+              <a:spcAft>
+                <a:spcPts val="0"/>
+              </a:spcAft>
+            </a:pPr>
+            <a:r>
+              <a:rPr lang="en-US" sz="1800" dirty="0">
+                <a:latin typeface="Barlow Condensed"/>
+              </a:rPr>
+              <a:t>*The dashboards in Databricks do not have a default option for adding filters to visualizations.</a:t>
+            </a:r>
+          </a:p>
+          <a:p>
+            <a:pPr marL="0" lvl="0" indent="0" algn="l" rtl="0">
+              <a:spcBef>
+                <a:spcPts val="300"/>
+              </a:spcBef>
+              <a:spcAft>
+                <a:spcPts val="0"/>
+              </a:spcAft>
+            </a:pPr>
+            <a:endParaRPr lang="en-US" sz="1800" dirty="0">
+              <a:latin typeface="Barlow Condensed"/>
+            </a:endParaRPr>
+          </a:p>
+          <a:p>
+            <a:pPr marL="0" lvl="0" indent="0" algn="l" rtl="0">
+              <a:spcBef>
+                <a:spcPts val="300"/>
+              </a:spcBef>
+              <a:spcAft>
+                <a:spcPts val="0"/>
+              </a:spcAft>
+            </a:pPr>
+            <a:r>
+              <a:rPr lang="en-US" sz="1800" dirty="0">
+                <a:latin typeface="Barlow Condensed"/>
+              </a:rPr>
+              <a:t>*The filters on the Databricks dashboards do not carry over to the HTML file</a:t>
+            </a:r>
+          </a:p>
+          <a:p>
+            <a:pPr marL="0" lvl="0" indent="0" algn="l" rtl="0">
+              <a:spcBef>
+                <a:spcPts val="300"/>
+              </a:spcBef>
+              <a:spcAft>
+                <a:spcPts val="0"/>
+              </a:spcAft>
+              <a:buNone/>
+            </a:pPr>
+            <a:endParaRPr lang="en-US" dirty="0"/>
+          </a:p>
+          <a:p>
+            <a:pPr marL="0" lvl="0" indent="0" algn="l" rtl="0">
+              <a:spcBef>
+                <a:spcPts val="300"/>
+              </a:spcBef>
+              <a:spcAft>
+                <a:spcPts val="0"/>
+              </a:spcAft>
+              <a:buNone/>
+            </a:pPr>
+            <a:endParaRPr dirty="0"/>
+          </a:p>
+        </p:txBody>
+      </p:sp>
+    </p:spTree>
+  </p:cSld>
+  <p:clrMapOvr>
+    <a:masterClrMapping/>
+  </p:clrMapOvr>
+</p:sld>
+</file>
+
+<file path=ppt/slides/slide21.xml><?xml version="1.0" encoding="utf-8"?>
+<p:sld xmlns:a="http://schemas.openxmlformats.org/drawingml/2006/main" xmlns:r="http://schemas.openxmlformats.org/officeDocument/2006/relationships" xmlns:p="http://schemas.openxmlformats.org/presentationml/2006/main">
+  <p:cSld>
+    <p:spTree>
+      <p:nvGrpSpPr>
+        <p:cNvPr id="1" name="Shape 709"/>
+        <p:cNvGrpSpPr/>
+        <p:nvPr/>
+      </p:nvGrpSpPr>
+      <p:grpSpPr>
+        <a:xfrm>
+          <a:off x="0" y="0"/>
+          <a:ext cx="0" cy="0"/>
+          <a:chOff x="0" y="0"/>
+          <a:chExt cx="0" cy="0"/>
+        </a:xfrm>
+      </p:grpSpPr>
+      <p:sp>
+        <p:nvSpPr>
+          <p:cNvPr id="710" name="Google Shape;710;p27"/>
+          <p:cNvSpPr txBox="1">
+            <a:spLocks noGrp="1"/>
+          </p:cNvSpPr>
+          <p:nvPr>
+            <p:ph type="ctrTitle"/>
+          </p:nvPr>
+        </p:nvSpPr>
+        <p:spPr>
+          <a:xfrm>
+            <a:off x="4998668" y="1993950"/>
+            <a:ext cx="3294300" cy="577800"/>
+          </a:xfrm>
+          <a:prstGeom prst="rect">
+            <a:avLst/>
+          </a:prstGeom>
+        </p:spPr>
+        <p:txBody>
+          <a:bodyPr spcFirstLastPara="1" wrap="square" lIns="91425" tIns="91425" rIns="91425" bIns="91425" anchor="b" anchorCtr="0">
+            <a:noAutofit/>
+          </a:bodyPr>
+          <a:lstStyle/>
+          <a:p>
+            <a:pPr marL="0" lvl="0" indent="0" algn="r" rtl="0">
+              <a:spcBef>
+                <a:spcPts val="0"/>
+              </a:spcBef>
+              <a:spcAft>
+                <a:spcPts val="0"/>
+              </a:spcAft>
+              <a:buNone/>
+            </a:pPr>
+            <a:r>
+              <a:rPr lang="es" dirty="0">
+                <a:solidFill>
+                  <a:schemeClr val="accent1">
+                    <a:lumMod val="75000"/>
+                  </a:schemeClr>
+                </a:solidFill>
+              </a:rPr>
+              <a:t>Conclusions</a:t>
+            </a:r>
+            <a:endParaRPr dirty="0">
+              <a:solidFill>
+                <a:schemeClr val="accent1">
+                  <a:lumMod val="75000"/>
+                </a:schemeClr>
+              </a:solidFill>
+            </a:endParaRPr>
+          </a:p>
+        </p:txBody>
+      </p:sp>
+      <p:sp>
+        <p:nvSpPr>
+          <p:cNvPr id="711" name="Google Shape;711;p27"/>
+          <p:cNvSpPr txBox="1">
+            <a:spLocks noGrp="1"/>
+          </p:cNvSpPr>
+          <p:nvPr>
+            <p:ph type="subTitle" idx="1"/>
+          </p:nvPr>
+        </p:nvSpPr>
+        <p:spPr>
+          <a:xfrm>
+            <a:off x="261122" y="1904711"/>
+            <a:ext cx="4446600" cy="2040300"/>
+          </a:xfrm>
+          <a:prstGeom prst="rect">
+            <a:avLst/>
+          </a:prstGeom>
+        </p:spPr>
+        <p:txBody>
+          <a:bodyPr spcFirstLastPara="1" wrap="square" lIns="91425" tIns="91425" rIns="91425" bIns="91425" anchor="t" anchorCtr="0">
+            <a:noAutofit/>
+          </a:bodyPr>
+          <a:lstStyle/>
+          <a:p>
+            <a:pPr marL="0" lvl="0" indent="0" algn="l" rtl="0">
+              <a:spcBef>
+                <a:spcPts val="300"/>
+              </a:spcBef>
+              <a:spcAft>
+                <a:spcPts val="0"/>
+              </a:spcAft>
+            </a:pPr>
+            <a:r>
+              <a:rPr lang="en-US" sz="1800" dirty="0">
+                <a:latin typeface="Barlow Condensed"/>
+              </a:rPr>
+              <a:t>*</a:t>
+            </a:r>
+            <a:endParaRPr lang="en-US" dirty="0"/>
+          </a:p>
+          <a:p>
+            <a:pPr marL="0" lvl="0" indent="0" algn="l" rtl="0">
+              <a:spcBef>
+                <a:spcPts val="300"/>
+              </a:spcBef>
+              <a:spcAft>
+                <a:spcPts val="0"/>
+              </a:spcAft>
+              <a:buNone/>
+            </a:pPr>
+            <a:endParaRPr dirty="0"/>
+          </a:p>
+        </p:txBody>
+      </p:sp>
+    </p:spTree>
+    <p:extLst>
+      <p:ext uri="{BB962C8B-B14F-4D97-AF65-F5344CB8AC3E}">
+        <p14:creationId xmlns:p14="http://schemas.microsoft.com/office/powerpoint/2010/main" val="3250105336"/>
+      </p:ext>
+    </p:extLst>
+  </p:cSld>
+  <p:clrMapOvr>
+    <a:masterClrMapping/>
+  </p:clrMapOvr>
+</p:sld>
+</file>
+
+<file path=ppt/slides/slide22.xml><?xml version="1.0" encoding="utf-8"?>
+<p:sld xmlns:a="http://schemas.openxmlformats.org/drawingml/2006/main" xmlns:r="http://schemas.openxmlformats.org/officeDocument/2006/relationships" xmlns:p="http://schemas.openxmlformats.org/presentationml/2006/main">
+  <p:cSld>
+    <p:spTree>
+      <p:nvGrpSpPr>
+        <p:cNvPr id="1" name="Shape 704"/>
+        <p:cNvGrpSpPr/>
+        <p:nvPr/>
+      </p:nvGrpSpPr>
+      <p:grpSpPr>
+        <a:xfrm>
+          <a:off x="0" y="0"/>
+          <a:ext cx="0" cy="0"/>
+          <a:chOff x="0" y="0"/>
+          <a:chExt cx="0" cy="0"/>
+        </a:xfrm>
+      </p:grpSpPr>
+      <p:sp>
+        <p:nvSpPr>
+          <p:cNvPr id="705" name="Google Shape;705;p26"/>
+          <p:cNvSpPr txBox="1">
+            <a:spLocks noGrp="1"/>
+          </p:cNvSpPr>
+          <p:nvPr>
+            <p:ph type="ctrTitle"/>
+          </p:nvPr>
+        </p:nvSpPr>
+        <p:spPr>
+          <a:xfrm>
+            <a:off x="1421439" y="1143670"/>
+            <a:ext cx="5553000" cy="2052600"/>
+          </a:xfrm>
+          <a:prstGeom prst="rect">
+            <a:avLst/>
+          </a:prstGeom>
+        </p:spPr>
+        <p:txBody>
+          <a:bodyPr spcFirstLastPara="1" wrap="square" lIns="91425" tIns="91425" rIns="91425" bIns="91425" anchor="ctr" anchorCtr="0">
+            <a:noAutofit/>
+          </a:bodyPr>
+          <a:lstStyle/>
+          <a:p>
+            <a:pPr marL="0" lvl="0" indent="0" algn="ctr" rtl="0">
+              <a:spcBef>
+                <a:spcPts val="0"/>
+              </a:spcBef>
+              <a:spcAft>
+                <a:spcPts val="0"/>
+              </a:spcAft>
+              <a:buNone/>
+            </a:pPr>
+            <a:r>
+              <a:rPr lang="es" dirty="0">
+                <a:solidFill>
+                  <a:schemeClr val="accent1">
+                    <a:lumMod val="75000"/>
+                  </a:schemeClr>
+                </a:solidFill>
+              </a:rPr>
+              <a:t>Thank you for listening!</a:t>
+            </a:r>
+            <a:endParaRPr dirty="0">
+              <a:solidFill>
+                <a:schemeClr val="accent1">
+                  <a:lumMod val="75000"/>
+                </a:schemeClr>
+              </a:solidFill>
+            </a:endParaRPr>
+          </a:p>
+        </p:txBody>
+      </p:sp>
+    </p:spTree>
+  </p:cSld>
+  <p:clrMapOvr>
+    <a:masterClrMapping/>
+  </p:clrMapOvr>
+</p:sld>
+</file>
+
+<file path=ppt/slides/slide23.xml><?xml version="1.0" encoding="utf-8"?>
+<p:sld xmlns:a="http://schemas.openxmlformats.org/drawingml/2006/main" xmlns:r="http://schemas.openxmlformats.org/officeDocument/2006/relationships" xmlns:p="http://schemas.openxmlformats.org/presentationml/2006/main">
+  <p:cSld>
+    <p:spTree>
+      <p:nvGrpSpPr>
+        <p:cNvPr id="1" name="Shape 704"/>
+        <p:cNvGrpSpPr/>
+        <p:nvPr/>
+      </p:nvGrpSpPr>
+      <p:grpSpPr>
+        <a:xfrm>
+          <a:off x="0" y="0"/>
+          <a:ext cx="0" cy="0"/>
+          <a:chOff x="0" y="0"/>
+          <a:chExt cx="0" cy="0"/>
+        </a:xfrm>
+      </p:grpSpPr>
+      <p:sp>
+        <p:nvSpPr>
+          <p:cNvPr id="705" name="Google Shape;705;p26"/>
+          <p:cNvSpPr txBox="1">
+            <a:spLocks noGrp="1"/>
+          </p:cNvSpPr>
+          <p:nvPr>
+            <p:ph type="ctrTitle"/>
+          </p:nvPr>
+        </p:nvSpPr>
+        <p:spPr>
+          <a:xfrm>
+            <a:off x="1421439" y="1143670"/>
+            <a:ext cx="5553000" cy="2052600"/>
+          </a:xfrm>
+          <a:prstGeom prst="rect">
+            <a:avLst/>
+          </a:prstGeom>
+        </p:spPr>
+        <p:txBody>
+          <a:bodyPr spcFirstLastPara="1" wrap="square" lIns="91425" tIns="91425" rIns="91425" bIns="91425" anchor="ctr" anchorCtr="0">
+            <a:noAutofit/>
+          </a:bodyPr>
+          <a:lstStyle/>
+          <a:p>
+            <a:pPr marL="0" lvl="0" indent="0" algn="ctr" rtl="0">
+              <a:spcBef>
+                <a:spcPts val="0"/>
+              </a:spcBef>
+              <a:spcAft>
+                <a:spcPts val="0"/>
+              </a:spcAft>
+              <a:buNone/>
+            </a:pPr>
+            <a:r>
+              <a:rPr lang="es" dirty="0">
+                <a:solidFill>
+                  <a:schemeClr val="accent1">
+                    <a:lumMod val="75000"/>
+                  </a:schemeClr>
+                </a:solidFill>
+              </a:rPr>
+              <a:t>Any Questions?</a:t>
+            </a:r>
+            <a:endParaRPr dirty="0">
+              <a:solidFill>
+                <a:schemeClr val="accent1">
+                  <a:lumMod val="75000"/>
+                </a:schemeClr>
+              </a:solidFill>
+            </a:endParaRPr>
+          </a:p>
+        </p:txBody>
+      </p:sp>
+    </p:spTree>
+    <p:extLst>
+      <p:ext uri="{BB962C8B-B14F-4D97-AF65-F5344CB8AC3E}">
+        <p14:creationId xmlns:p14="http://schemas.microsoft.com/office/powerpoint/2010/main" val="3809281965"/>
+      </p:ext>
+    </p:extLst>
+  </p:cSld>
+  <p:clrMapOvr>
+    <a:masterClrMapping/>
+  </p:clrMapOvr>
+</p:sld>
+</file>
+
 <file path=ppt/slides/slide3.xml><?xml version="1.0" encoding="utf-8"?>
 <p:sld xmlns:a="http://schemas.openxmlformats.org/drawingml/2006/main" xmlns:r="http://schemas.openxmlformats.org/officeDocument/2006/relationships" xmlns:p="http://schemas.openxmlformats.org/presentationml/2006/main">
   <p:cSld>
@@ -29312,8 +33234,8 @@
         </p:nvSpPr>
         <p:spPr>
           <a:xfrm>
-            <a:off x="1868250" y="2708266"/>
-            <a:ext cx="4020300" cy="1567500"/>
+            <a:off x="640080" y="2814946"/>
+            <a:ext cx="4814130" cy="1567500"/>
           </a:xfrm>
           <a:prstGeom prst="rect">
             <a:avLst/>
@@ -30804,8 +34726,8 @@
         </p:nvSpPr>
         <p:spPr>
           <a:xfrm>
-            <a:off x="3283674" y="2281750"/>
-            <a:ext cx="4738107" cy="369900"/>
+            <a:off x="3237954" y="1748349"/>
+            <a:ext cx="4738107" cy="2267390"/>
           </a:xfrm>
           <a:prstGeom prst="rect">
             <a:avLst/>
@@ -30817,7 +34739,7 @@
           </a:bodyPr>
           <a:lstStyle/>
           <a:p>
-            <a:pPr marL="0" lvl="0" indent="0" algn="l" rtl="0">
+            <a:pPr marL="0" lvl="0" indent="0" rtl="0">
               <a:spcBef>
                 <a:spcPts val="0"/>
               </a:spcBef>
@@ -30826,7 +34748,111 @@
               </a:spcAft>
               <a:buNone/>
             </a:pPr>
-            <a:endParaRPr sz="1400" dirty="0">
+            <a:r>
+              <a:rPr lang="en-US" sz="1800" dirty="0">
+                <a:latin typeface="Barlow Condensed Medium"/>
+                <a:ea typeface="Barlow Condensed Medium"/>
+                <a:cs typeface="Barlow Condensed Medium"/>
+                <a:sym typeface="Barlow Condensed Medium"/>
+              </a:rPr>
+              <a:t>* Time Series Analysis for Sales Volume predictions</a:t>
+            </a:r>
+            <a:br>
+              <a:rPr lang="en-US" sz="1800" dirty="0">
+                <a:latin typeface="Barlow Condensed Medium"/>
+                <a:ea typeface="Barlow Condensed Medium"/>
+                <a:cs typeface="Barlow Condensed Medium"/>
+                <a:sym typeface="Barlow Condensed Medium"/>
+              </a:rPr>
+            </a:br>
+            <a:br>
+              <a:rPr lang="en-US" sz="1800" dirty="0">
+                <a:latin typeface="Barlow Condensed Medium"/>
+                <a:ea typeface="Barlow Condensed Medium"/>
+                <a:cs typeface="Barlow Condensed Medium"/>
+                <a:sym typeface="Barlow Condensed Medium"/>
+              </a:rPr>
+            </a:br>
+            <a:r>
+              <a:rPr lang="en-US" sz="1800" dirty="0">
+                <a:latin typeface="Barlow Condensed Medium"/>
+                <a:ea typeface="Barlow Condensed Medium"/>
+                <a:cs typeface="Barlow Condensed Medium"/>
+                <a:sym typeface="Barlow Condensed Medium"/>
+              </a:rPr>
+              <a:t>* Parameters:</a:t>
+            </a:r>
+            <a:br>
+              <a:rPr lang="en-US" sz="1800" dirty="0">
+                <a:latin typeface="Barlow Condensed Medium"/>
+                <a:ea typeface="Barlow Condensed Medium"/>
+                <a:cs typeface="Barlow Condensed Medium"/>
+                <a:sym typeface="Barlow Condensed Medium"/>
+              </a:rPr>
+            </a:br>
+            <a:r>
+              <a:rPr lang="en-US" sz="1100" b="0" i="0" dirty="0">
+                <a:solidFill>
+                  <a:srgbClr val="1F2328"/>
+                </a:solidFill>
+                <a:effectLst/>
+                <a:latin typeface="-apple-system"/>
+              </a:rPr>
+              <a:t>p - order of the autoregressive part</a:t>
+            </a:r>
+            <a:br>
+              <a:rPr lang="en-US" sz="1100" dirty="0"/>
+            </a:br>
+            <a:r>
+              <a:rPr lang="en-US" sz="1100" b="0" i="0" dirty="0">
+                <a:solidFill>
+                  <a:srgbClr val="1F2328"/>
+                </a:solidFill>
+                <a:effectLst/>
+                <a:latin typeface="-apple-system"/>
+              </a:rPr>
+              <a:t>d - degree of first differencing involved</a:t>
+            </a:r>
+            <a:br>
+              <a:rPr lang="en-US" sz="1100" dirty="0"/>
+            </a:br>
+            <a:r>
+              <a:rPr lang="en-US" sz="1100" b="0" i="0" dirty="0">
+                <a:solidFill>
+                  <a:srgbClr val="1F2328"/>
+                </a:solidFill>
+                <a:effectLst/>
+                <a:latin typeface="-apple-system"/>
+              </a:rPr>
+              <a:t>q - order of the moving average part</a:t>
+            </a:r>
+            <a:br>
+              <a:rPr lang="en-US" sz="1100" dirty="0"/>
+            </a:br>
+            <a:r>
+              <a:rPr lang="en-US" sz="1100" b="0" i="0" dirty="0">
+                <a:solidFill>
+                  <a:srgbClr val="1F2328"/>
+                </a:solidFill>
+                <a:effectLst/>
+                <a:latin typeface="-apple-system"/>
+              </a:rPr>
+              <a:t>P, D, Q - all previous characteristics with seasonal factors</a:t>
+            </a:r>
+            <a:br>
+              <a:rPr lang="en-US" sz="1100" dirty="0"/>
+            </a:br>
+            <a:r>
+              <a:rPr lang="en-US" sz="1100" b="0" i="0" dirty="0">
+                <a:solidFill>
+                  <a:srgbClr val="1F2328"/>
+                </a:solidFill>
+                <a:effectLst/>
+                <a:latin typeface="-apple-system"/>
+              </a:rPr>
+              <a:t>s - seasonal length in the data</a:t>
+            </a:r>
+            <a:endParaRPr lang="en-CA" sz="1800" dirty="0">
               <a:latin typeface="Barlow Condensed Medium"/>
               <a:ea typeface="Barlow Condensed Medium"/>
               <a:cs typeface="Barlow Condensed Medium"/>
@@ -30872,6 +34898,9 @@
               </a:buClr>
               <a:buSzPts val="1100"/>
             </a:pPr>
+            <a:br>
+              <a:rPr lang="en-US" sz="800" dirty="0"/>
+            </a:br>
             <a:br>
               <a:rPr lang="en-US" sz="800" dirty="0"/>
             </a:br>
